--- a/course_project_for_korund/ver 1.1/уроки/урок 6.pptx
+++ b/course_project_for_korund/ver 1.1/уроки/урок 6.pptx
@@ -111,7 +111,7 @@
   </p:defaultTextStyle>
   <p:extLst>
     <p:ext uri="{EFAFB233-063F-42B5-8137-9DF3F51BA10A}">
-      <p15:sldGuideLst xmlns:p15="http://schemas.microsoft.com/office/powerpoint/2012/main">
+      <p15:sldGuideLst xmlns:p15="http://schemas.microsoft.com/office/powerpoint/2012/main" xmlns="">
         <p15:guide id="1" orient="horz" pos="2160">
           <p15:clr>
             <a:srgbClr val="A4A3A4"/>
@@ -853,7 +853,7 @@
             <a:fld id="{3CCF56C0-5008-4DB4-8698-E16469066013}" type="datetimeFigureOut">
               <a:rPr lang="ru-RU" smtClean="0"/>
               <a:pPr/>
-              <a:t>14.10.2020</a:t>
+              <a:t>15.10.2020</a:t>
             </a:fld>
             <a:endParaRPr lang="ru-RU" dirty="0"/>
           </a:p>
@@ -905,7 +905,7 @@
     </p:spTree>
     <p:extLst>
       <p:ext uri="{BB962C8B-B14F-4D97-AF65-F5344CB8AC3E}">
-        <p14:creationId xmlns:p14="http://schemas.microsoft.com/office/powerpoint/2010/main" val="4238684791"/>
+        <p14:creationId xmlns:p14="http://schemas.microsoft.com/office/powerpoint/2010/main" xmlns="" val="4238684791"/>
       </p:ext>
     </p:extLst>
   </p:cSld>
@@ -1106,7 +1106,7 @@
             <a:fld id="{3CCF56C0-5008-4DB4-8698-E16469066013}" type="datetimeFigureOut">
               <a:rPr lang="ru-RU" smtClean="0"/>
               <a:pPr/>
-              <a:t>14.10.2020</a:t>
+              <a:t>15.10.2020</a:t>
             </a:fld>
             <a:endParaRPr lang="ru-RU" dirty="0"/>
           </a:p>
@@ -1158,7 +1158,7 @@
     </p:spTree>
     <p:extLst>
       <p:ext uri="{BB962C8B-B14F-4D97-AF65-F5344CB8AC3E}">
-        <p14:creationId xmlns:p14="http://schemas.microsoft.com/office/powerpoint/2010/main" val="3509571314"/>
+        <p14:creationId xmlns:p14="http://schemas.microsoft.com/office/powerpoint/2010/main" xmlns="" val="3509571314"/>
       </p:ext>
     </p:extLst>
   </p:cSld>
@@ -1422,7 +1422,7 @@
             <a:fld id="{3CCF56C0-5008-4DB4-8698-E16469066013}" type="datetimeFigureOut">
               <a:rPr lang="ru-RU" smtClean="0"/>
               <a:pPr/>
-              <a:t>14.10.2020</a:t>
+              <a:t>15.10.2020</a:t>
             </a:fld>
             <a:endParaRPr lang="ru-RU" dirty="0"/>
           </a:p>
@@ -1550,7 +1550,7 @@
     </p:spTree>
     <p:extLst>
       <p:ext uri="{BB962C8B-B14F-4D97-AF65-F5344CB8AC3E}">
-        <p14:creationId xmlns:p14="http://schemas.microsoft.com/office/powerpoint/2010/main" val="913784525"/>
+        <p14:creationId xmlns:p14="http://schemas.microsoft.com/office/powerpoint/2010/main" xmlns="" val="913784525"/>
       </p:ext>
     </p:extLst>
   </p:cSld>
@@ -1751,7 +1751,7 @@
             <a:fld id="{3CCF56C0-5008-4DB4-8698-E16469066013}" type="datetimeFigureOut">
               <a:rPr lang="ru-RU" smtClean="0"/>
               <a:pPr/>
-              <a:t>14.10.2020</a:t>
+              <a:t>15.10.2020</a:t>
             </a:fld>
             <a:endParaRPr lang="ru-RU" dirty="0"/>
           </a:p>
@@ -1803,7 +1803,7 @@
     </p:spTree>
     <p:extLst>
       <p:ext uri="{BB962C8B-B14F-4D97-AF65-F5344CB8AC3E}">
-        <p14:creationId xmlns:p14="http://schemas.microsoft.com/office/powerpoint/2010/main" val="1237628931"/>
+        <p14:creationId xmlns:p14="http://schemas.microsoft.com/office/powerpoint/2010/main" xmlns="" val="1237628931"/>
       </p:ext>
     </p:extLst>
   </p:cSld>
@@ -2067,7 +2067,7 @@
             <a:fld id="{3CCF56C0-5008-4DB4-8698-E16469066013}" type="datetimeFigureOut">
               <a:rPr lang="ru-RU" smtClean="0"/>
               <a:pPr/>
-              <a:t>14.10.2020</a:t>
+              <a:t>15.10.2020</a:t>
             </a:fld>
             <a:endParaRPr lang="ru-RU" dirty="0"/>
           </a:p>
@@ -2195,7 +2195,7 @@
     </p:spTree>
     <p:extLst>
       <p:ext uri="{BB962C8B-B14F-4D97-AF65-F5344CB8AC3E}">
-        <p14:creationId xmlns:p14="http://schemas.microsoft.com/office/powerpoint/2010/main" val="4076467919"/>
+        <p14:creationId xmlns:p14="http://schemas.microsoft.com/office/powerpoint/2010/main" xmlns="" val="4076467919"/>
       </p:ext>
     </p:extLst>
   </p:cSld>
@@ -2456,7 +2456,7 @@
             <a:fld id="{3CCF56C0-5008-4DB4-8698-E16469066013}" type="datetimeFigureOut">
               <a:rPr lang="ru-RU" smtClean="0"/>
               <a:pPr/>
-              <a:t>14.10.2020</a:t>
+              <a:t>15.10.2020</a:t>
             </a:fld>
             <a:endParaRPr lang="ru-RU" dirty="0"/>
           </a:p>
@@ -2508,7 +2508,7 @@
     </p:spTree>
     <p:extLst>
       <p:ext uri="{BB962C8B-B14F-4D97-AF65-F5344CB8AC3E}">
-        <p14:creationId xmlns:p14="http://schemas.microsoft.com/office/powerpoint/2010/main" val="2010692"/>
+        <p14:creationId xmlns:p14="http://schemas.microsoft.com/office/powerpoint/2010/main" xmlns="" val="2010692"/>
       </p:ext>
     </p:extLst>
   </p:cSld>
@@ -2628,7 +2628,7 @@
             <a:fld id="{3CCF56C0-5008-4DB4-8698-E16469066013}" type="datetimeFigureOut">
               <a:rPr lang="ru-RU" smtClean="0"/>
               <a:pPr/>
-              <a:t>14.10.2020</a:t>
+              <a:t>15.10.2020</a:t>
             </a:fld>
             <a:endParaRPr lang="ru-RU" dirty="0"/>
           </a:p>
@@ -2680,7 +2680,7 @@
     </p:spTree>
     <p:extLst>
       <p:ext uri="{BB962C8B-B14F-4D97-AF65-F5344CB8AC3E}">
-        <p14:creationId xmlns:p14="http://schemas.microsoft.com/office/powerpoint/2010/main" val="1184326843"/>
+        <p14:creationId xmlns:p14="http://schemas.microsoft.com/office/powerpoint/2010/main" xmlns="" val="1184326843"/>
       </p:ext>
     </p:extLst>
   </p:cSld>
@@ -2810,7 +2810,7 @@
             <a:fld id="{3CCF56C0-5008-4DB4-8698-E16469066013}" type="datetimeFigureOut">
               <a:rPr lang="ru-RU" smtClean="0"/>
               <a:pPr/>
-              <a:t>14.10.2020</a:t>
+              <a:t>15.10.2020</a:t>
             </a:fld>
             <a:endParaRPr lang="ru-RU" dirty="0"/>
           </a:p>
@@ -2862,7 +2862,7 @@
     </p:spTree>
     <p:extLst>
       <p:ext uri="{BB962C8B-B14F-4D97-AF65-F5344CB8AC3E}">
-        <p14:creationId xmlns:p14="http://schemas.microsoft.com/office/powerpoint/2010/main" val="529529951"/>
+        <p14:creationId xmlns:p14="http://schemas.microsoft.com/office/powerpoint/2010/main" xmlns="" val="529529951"/>
       </p:ext>
     </p:extLst>
   </p:cSld>
@@ -2988,7 +2988,7 @@
             <a:fld id="{3CCF56C0-5008-4DB4-8698-E16469066013}" type="datetimeFigureOut">
               <a:rPr lang="ru-RU" smtClean="0"/>
               <a:pPr/>
-              <a:t>14.10.2020</a:t>
+              <a:t>15.10.2020</a:t>
             </a:fld>
             <a:endParaRPr lang="ru-RU" dirty="0"/>
           </a:p>
@@ -3040,7 +3040,7 @@
     </p:spTree>
     <p:extLst>
       <p:ext uri="{BB962C8B-B14F-4D97-AF65-F5344CB8AC3E}">
-        <p14:creationId xmlns:p14="http://schemas.microsoft.com/office/powerpoint/2010/main" val="1794803828"/>
+        <p14:creationId xmlns:p14="http://schemas.microsoft.com/office/powerpoint/2010/main" xmlns="" val="1794803828"/>
       </p:ext>
     </p:extLst>
   </p:cSld>
@@ -3237,7 +3237,7 @@
             <a:fld id="{3CCF56C0-5008-4DB4-8698-E16469066013}" type="datetimeFigureOut">
               <a:rPr lang="ru-RU" smtClean="0"/>
               <a:pPr/>
-              <a:t>14.10.2020</a:t>
+              <a:t>15.10.2020</a:t>
             </a:fld>
             <a:endParaRPr lang="ru-RU" dirty="0"/>
           </a:p>
@@ -3289,7 +3289,7 @@
     </p:spTree>
     <p:extLst>
       <p:ext uri="{BB962C8B-B14F-4D97-AF65-F5344CB8AC3E}">
-        <p14:creationId xmlns:p14="http://schemas.microsoft.com/office/powerpoint/2010/main" val="1622354848"/>
+        <p14:creationId xmlns:p14="http://schemas.microsoft.com/office/powerpoint/2010/main" xmlns="" val="1622354848"/>
       </p:ext>
     </p:extLst>
   </p:cSld>
@@ -3471,7 +3471,7 @@
             <a:fld id="{3CCF56C0-5008-4DB4-8698-E16469066013}" type="datetimeFigureOut">
               <a:rPr lang="ru-RU" smtClean="0"/>
               <a:pPr/>
-              <a:t>14.10.2020</a:t>
+              <a:t>15.10.2020</a:t>
             </a:fld>
             <a:endParaRPr lang="ru-RU" dirty="0"/>
           </a:p>
@@ -3523,7 +3523,7 @@
     </p:spTree>
     <p:extLst>
       <p:ext uri="{BB962C8B-B14F-4D97-AF65-F5344CB8AC3E}">
-        <p14:creationId xmlns:p14="http://schemas.microsoft.com/office/powerpoint/2010/main" val="2665461008"/>
+        <p14:creationId xmlns:p14="http://schemas.microsoft.com/office/powerpoint/2010/main" xmlns="" val="2665461008"/>
       </p:ext>
     </p:extLst>
   </p:cSld>
@@ -3847,7 +3847,7 @@
             <a:fld id="{3CCF56C0-5008-4DB4-8698-E16469066013}" type="datetimeFigureOut">
               <a:rPr lang="ru-RU" smtClean="0"/>
               <a:pPr/>
-              <a:t>14.10.2020</a:t>
+              <a:t>15.10.2020</a:t>
             </a:fld>
             <a:endParaRPr lang="ru-RU" dirty="0"/>
           </a:p>
@@ -3899,7 +3899,7 @@
     </p:spTree>
     <p:extLst>
       <p:ext uri="{BB962C8B-B14F-4D97-AF65-F5344CB8AC3E}">
-        <p14:creationId xmlns:p14="http://schemas.microsoft.com/office/powerpoint/2010/main" val="2514946757"/>
+        <p14:creationId xmlns:p14="http://schemas.microsoft.com/office/powerpoint/2010/main" xmlns="" val="2514946757"/>
       </p:ext>
     </p:extLst>
   </p:cSld>
@@ -3972,7 +3972,7 @@
             <a:fld id="{3CCF56C0-5008-4DB4-8698-E16469066013}" type="datetimeFigureOut">
               <a:rPr lang="ru-RU" smtClean="0"/>
               <a:pPr/>
-              <a:t>14.10.2020</a:t>
+              <a:t>15.10.2020</a:t>
             </a:fld>
             <a:endParaRPr lang="ru-RU" dirty="0"/>
           </a:p>
@@ -4024,7 +4024,7 @@
     </p:spTree>
     <p:extLst>
       <p:ext uri="{BB962C8B-B14F-4D97-AF65-F5344CB8AC3E}">
-        <p14:creationId xmlns:p14="http://schemas.microsoft.com/office/powerpoint/2010/main" val="1009674793"/>
+        <p14:creationId xmlns:p14="http://schemas.microsoft.com/office/powerpoint/2010/main" xmlns="" val="1009674793"/>
       </p:ext>
     </p:extLst>
   </p:cSld>
@@ -4069,7 +4069,7 @@
             <a:fld id="{3CCF56C0-5008-4DB4-8698-E16469066013}" type="datetimeFigureOut">
               <a:rPr lang="ru-RU" smtClean="0"/>
               <a:pPr/>
-              <a:t>14.10.2020</a:t>
+              <a:t>15.10.2020</a:t>
             </a:fld>
             <a:endParaRPr lang="ru-RU" dirty="0"/>
           </a:p>
@@ -4121,7 +4121,7 @@
     </p:spTree>
     <p:extLst>
       <p:ext uri="{BB962C8B-B14F-4D97-AF65-F5344CB8AC3E}">
-        <p14:creationId xmlns:p14="http://schemas.microsoft.com/office/powerpoint/2010/main" val="37853350"/>
+        <p14:creationId xmlns:p14="http://schemas.microsoft.com/office/powerpoint/2010/main" xmlns="" val="37853350"/>
       </p:ext>
     </p:extLst>
   </p:cSld>
@@ -4326,7 +4326,7 @@
             <a:fld id="{3CCF56C0-5008-4DB4-8698-E16469066013}" type="datetimeFigureOut">
               <a:rPr lang="ru-RU" smtClean="0"/>
               <a:pPr/>
-              <a:t>14.10.2020</a:t>
+              <a:t>15.10.2020</a:t>
             </a:fld>
             <a:endParaRPr lang="ru-RU" dirty="0"/>
           </a:p>
@@ -4378,7 +4378,7 @@
     </p:spTree>
     <p:extLst>
       <p:ext uri="{BB962C8B-B14F-4D97-AF65-F5344CB8AC3E}">
-        <p14:creationId xmlns:p14="http://schemas.microsoft.com/office/powerpoint/2010/main" val="1485505807"/>
+        <p14:creationId xmlns:p14="http://schemas.microsoft.com/office/powerpoint/2010/main" xmlns="" val="1485505807"/>
       </p:ext>
     </p:extLst>
   </p:cSld>
@@ -4591,7 +4591,7 @@
             <a:fld id="{3CCF56C0-5008-4DB4-8698-E16469066013}" type="datetimeFigureOut">
               <a:rPr lang="ru-RU" smtClean="0"/>
               <a:pPr/>
-              <a:t>14.10.2020</a:t>
+              <a:t>15.10.2020</a:t>
             </a:fld>
             <a:endParaRPr lang="ru-RU" dirty="0"/>
           </a:p>
@@ -4643,7 +4643,7 @@
     </p:spTree>
     <p:extLst>
       <p:ext uri="{BB962C8B-B14F-4D97-AF65-F5344CB8AC3E}">
-        <p14:creationId xmlns:p14="http://schemas.microsoft.com/office/powerpoint/2010/main" val="1525686664"/>
+        <p14:creationId xmlns:p14="http://schemas.microsoft.com/office/powerpoint/2010/main" xmlns="" val="1525686664"/>
       </p:ext>
     </p:extLst>
   </p:cSld>
@@ -5338,7 +5338,7 @@
             <a:fld id="{3CCF56C0-5008-4DB4-8698-E16469066013}" type="datetimeFigureOut">
               <a:rPr lang="ru-RU" smtClean="0"/>
               <a:pPr/>
-              <a:t>14.10.2020</a:t>
+              <a:t>15.10.2020</a:t>
             </a:fld>
             <a:endParaRPr lang="ru-RU" dirty="0"/>
           </a:p>
@@ -5424,7 +5424,7 @@
     </p:spTree>
     <p:extLst>
       <p:ext uri="{BB962C8B-B14F-4D97-AF65-F5344CB8AC3E}">
-        <p14:creationId xmlns:p14="http://schemas.microsoft.com/office/powerpoint/2010/main" val="2523392475"/>
+        <p14:creationId xmlns:p14="http://schemas.microsoft.com/office/powerpoint/2010/main" xmlns="" val="2523392475"/>
       </p:ext>
     </p:extLst>
   </p:cSld>
@@ -5921,7 +5921,7 @@
     </p:spTree>
     <p:extLst>
       <p:ext uri="{BB962C8B-B14F-4D97-AF65-F5344CB8AC3E}">
-        <p14:creationId xmlns:p14="http://schemas.microsoft.com/office/powerpoint/2010/main" val="1354132756"/>
+        <p14:creationId xmlns:p14="http://schemas.microsoft.com/office/powerpoint/2010/main" xmlns="" val="1354132756"/>
       </p:ext>
     </p:extLst>
   </p:cSld>
@@ -6010,7 +6010,7 @@
     </p:spTree>
     <p:extLst>
       <p:ext uri="{BB962C8B-B14F-4D97-AF65-F5344CB8AC3E}">
-        <p14:creationId xmlns:p14="http://schemas.microsoft.com/office/powerpoint/2010/main" val="3361041512"/>
+        <p14:creationId xmlns:p14="http://schemas.microsoft.com/office/powerpoint/2010/main" xmlns="" val="3361041512"/>
       </p:ext>
     </p:extLst>
   </p:cSld>
@@ -6037,6 +6037,38 @@
           <a:chExt cx="0" cy="0"/>
         </a:xfrm>
       </p:grpSpPr>
+      <p:pic>
+        <p:nvPicPr>
+          <p:cNvPr id="2050" name="Picture 2"/>
+          <p:cNvPicPr>
+            <a:picLocks noChangeAspect="1" noChangeArrowheads="1"/>
+          </p:cNvPicPr>
+          <p:nvPr/>
+        </p:nvPicPr>
+        <p:blipFill>
+          <a:blip r:embed="rId2" cstate="print"/>
+          <a:srcRect/>
+          <a:stretch>
+            <a:fillRect/>
+          </a:stretch>
+        </p:blipFill>
+        <p:spPr bwMode="auto">
+          <a:xfrm>
+            <a:off x="6104405" y="3226734"/>
+            <a:ext cx="3155127" cy="2958913"/>
+          </a:xfrm>
+          <a:prstGeom prst="rect">
+            <a:avLst/>
+          </a:prstGeom>
+          <a:noFill/>
+          <a:ln w="9525">
+            <a:noFill/>
+            <a:miter lim="800000"/>
+            <a:headEnd/>
+            <a:tailEnd/>
+          </a:ln>
+        </p:spPr>
+      </p:pic>
       <p:sp>
         <p:nvSpPr>
           <p:cNvPr id="2" name="Заголовок 1"/>
@@ -6073,7 +6105,7 @@
         <p:spPr>
           <a:xfrm>
             <a:off x="677334" y="1496291"/>
-            <a:ext cx="8596668" cy="5033818"/>
+            <a:ext cx="9152466" cy="1542744"/>
           </a:xfrm>
         </p:spPr>
         <p:txBody>
@@ -6109,49 +6141,81 @@
               <a:t>.</a:t>
             </a:r>
             <a:r>
-              <a:rPr lang="en-US" dirty="0" smtClean="0"/>
+              <a:rPr lang="en-US" dirty="0" err="1" smtClean="0"/>
               <a:t>csv</a:t>
             </a:r>
-          </a:p>
-          <a:p>
-            <a:pPr marL="0" indent="0">
-              <a:buNone/>
-            </a:pPr>
-            <a:endParaRPr lang="en-US" dirty="0"/>
-          </a:p>
-          <a:p>
-            <a:pPr marL="0" indent="0">
-              <a:buNone/>
-            </a:pPr>
+            <a:endParaRPr lang="en-US" dirty="0" smtClean="0"/>
+          </a:p>
+        </p:txBody>
+      </p:sp>
+      <p:sp>
+        <p:nvSpPr>
+          <p:cNvPr id="7" name="TextBox 6"/>
+          <p:cNvSpPr txBox="1"/>
+          <p:nvPr/>
+        </p:nvSpPr>
+        <p:spPr>
+          <a:xfrm>
+            <a:off x="666766" y="3185699"/>
+            <a:ext cx="5276834" cy="2862322"/>
+          </a:xfrm>
+          <a:prstGeom prst="rect">
+            <a:avLst/>
+          </a:prstGeom>
+          <a:noFill/>
+        </p:spPr>
+        <p:txBody>
+          <a:bodyPr wrap="square" rtlCol="0">
+            <a:spAutoFit/>
+          </a:bodyPr>
+          <a:lstStyle/>
+          <a:p>
             <a:r>
               <a:rPr lang="ru-RU" dirty="0" smtClean="0"/>
-              <a:t>Подобные программы мы часто встречаем на сайтах или на десктопных приложениях при регистрации. Из архитектура может варьироваться (внешний вид, внутренняя логика, база данных).</a:t>
-            </a:r>
-          </a:p>
-          <a:p>
-            <a:pPr marL="0" indent="0">
-              <a:buNone/>
-            </a:pPr>
+              <a:t>Подобные программы мы часто встречаем на сайтах или на </a:t>
+            </a:r>
+            <a:r>
+              <a:rPr lang="ru-RU" dirty="0" err="1" smtClean="0"/>
+              <a:t>десктопных</a:t>
+            </a:r>
             <a:r>
               <a:rPr lang="ru-RU" dirty="0" smtClean="0"/>
-              <a:t>Эти программы очень важны так как они помогают собирать данные о пользователях в соцсетях</a:t>
-            </a:r>
-            <a:r>
-              <a:rPr lang="ru-RU" dirty="0"/>
-              <a:t>,</a:t>
-            </a:r>
+              <a:t> приложениях при регистрации. Из архитектура может варьироваться (внешний вид, внутренняя логика, база данных).</a:t>
+            </a:r>
+          </a:p>
+          <a:p>
             <a:r>
               <a:rPr lang="ru-RU" dirty="0" smtClean="0"/>
-              <a:t> мобильных приложений, онлайн игр, операционных систем, драйверов и т.д., с целью их дальнейшего анализа.</a:t>
-            </a:r>
-            <a:endParaRPr lang="ru-RU" dirty="0"/>
+              <a:t>Эти программы очень важны так как они помогают собирать данные о пользователях в </a:t>
+            </a:r>
+            <a:r>
+              <a:rPr lang="ru-RU" dirty="0" err="1" smtClean="0"/>
+              <a:t>соцсетях</a:t>
+            </a:r>
+            <a:r>
+              <a:rPr lang="ru-RU" dirty="0" smtClean="0"/>
+              <a:t>, мобильных приложений, </a:t>
+            </a:r>
+            <a:r>
+              <a:rPr lang="ru-RU" dirty="0" err="1" smtClean="0"/>
+              <a:t>онлайн</a:t>
+            </a:r>
+            <a:r>
+              <a:rPr lang="ru-RU" dirty="0" smtClean="0"/>
+              <a:t> игр, операционных систем, драйверов и т.д., с целью их дальнейшего анализа</a:t>
+            </a:r>
+            <a:r>
+              <a:rPr lang="ru-RU" dirty="0" smtClean="0"/>
+              <a:t>.</a:t>
+            </a:r>
+            <a:endParaRPr lang="ru-RU" dirty="0" smtClean="0"/>
           </a:p>
         </p:txBody>
       </p:sp>
     </p:spTree>
     <p:extLst>
       <p:ext uri="{BB962C8B-B14F-4D97-AF65-F5344CB8AC3E}">
-        <p14:creationId xmlns:p14="http://schemas.microsoft.com/office/powerpoint/2010/main" val="4248498130"/>
+        <p14:creationId xmlns:p14="http://schemas.microsoft.com/office/powerpoint/2010/main" xmlns="" val="4248498130"/>
       </p:ext>
     </p:extLst>
   </p:cSld>
@@ -6453,7 +6517,7 @@
     </p:spTree>
     <p:extLst>
       <p:ext uri="{BB962C8B-B14F-4D97-AF65-F5344CB8AC3E}">
-        <p14:creationId xmlns:p14="http://schemas.microsoft.com/office/powerpoint/2010/main" val="2614216554"/>
+        <p14:creationId xmlns:p14="http://schemas.microsoft.com/office/powerpoint/2010/main" xmlns="" val="2614216554"/>
       </p:ext>
     </p:extLst>
   </p:cSld>
@@ -7076,7 +7140,7 @@
     </p:spTree>
     <p:extLst>
       <p:ext uri="{BB962C8B-B14F-4D97-AF65-F5344CB8AC3E}">
-        <p14:creationId xmlns:p14="http://schemas.microsoft.com/office/powerpoint/2010/main" val="1680309241"/>
+        <p14:creationId xmlns:p14="http://schemas.microsoft.com/office/powerpoint/2010/main" xmlns="" val="1680309241"/>
       </p:ext>
     </p:extLst>
   </p:cSld>
@@ -7527,7 +7591,7 @@
     </p:spTree>
     <p:extLst>
       <p:ext uri="{BB962C8B-B14F-4D97-AF65-F5344CB8AC3E}">
-        <p14:creationId xmlns:p14="http://schemas.microsoft.com/office/powerpoint/2010/main" val="443032182"/>
+        <p14:creationId xmlns:p14="http://schemas.microsoft.com/office/powerpoint/2010/main" xmlns="" val="443032182"/>
       </p:ext>
     </p:extLst>
   </p:cSld>
@@ -7788,7 +7852,7 @@
   <a:extraClrSchemeLst/>
   <a:extLst>
     <a:ext uri="{05A4C25C-085E-4340-85A3-A5531E510DB2}">
-      <thm15:themeFamily xmlns:thm15="http://schemas.microsoft.com/office/thememl/2012/main" name="Facet" id="{C0C680CD-088A-49FC-A102-D699147F32B2}" vid="{8C59B386-999D-4CB6-B907-9F3997C027CC}"/>
+      <thm15:themeFamily xmlns:thm15="http://schemas.microsoft.com/office/thememl/2012/main" xmlns="" name="Facet" id="{C0C680CD-088A-49FC-A102-D699147F32B2}" vid="{8C59B386-999D-4CB6-B907-9F3997C027CC}"/>
     </a:ext>
   </a:extLst>
 </a:theme>

--- a/course_project_for_korund/ver 1.1/уроки/урок 6.pptx
+++ b/course_project_for_korund/ver 1.1/уроки/урок 6.pptx
@@ -8,9 +8,27 @@
     <p:sldId id="298" r:id="rId2"/>
     <p:sldId id="303" r:id="rId3"/>
     <p:sldId id="299" r:id="rId4"/>
-    <p:sldId id="300" r:id="rId5"/>
-    <p:sldId id="301" r:id="rId6"/>
-    <p:sldId id="302" r:id="rId7"/>
+    <p:sldId id="304" r:id="rId5"/>
+    <p:sldId id="319" r:id="rId6"/>
+    <p:sldId id="300" r:id="rId7"/>
+    <p:sldId id="306" r:id="rId8"/>
+    <p:sldId id="305" r:id="rId9"/>
+    <p:sldId id="301" r:id="rId10"/>
+    <p:sldId id="308" r:id="rId11"/>
+    <p:sldId id="307" r:id="rId12"/>
+    <p:sldId id="309" r:id="rId13"/>
+    <p:sldId id="302" r:id="rId14"/>
+    <p:sldId id="310" r:id="rId15"/>
+    <p:sldId id="312" r:id="rId16"/>
+    <p:sldId id="314" r:id="rId17"/>
+    <p:sldId id="313" r:id="rId18"/>
+    <p:sldId id="311" r:id="rId19"/>
+    <p:sldId id="316" r:id="rId20"/>
+    <p:sldId id="315" r:id="rId21"/>
+    <p:sldId id="318" r:id="rId22"/>
+    <p:sldId id="317" r:id="rId23"/>
+    <p:sldId id="321" r:id="rId24"/>
+    <p:sldId id="320" r:id="rId25"/>
   </p:sldIdLst>
   <p:sldSz cx="12192000" cy="6858000"/>
   <p:notesSz cx="6858000" cy="9144000"/>
@@ -111,7 +129,7 @@
   </p:defaultTextStyle>
   <p:extLst>
     <p:ext uri="{EFAFB233-063F-42B5-8137-9DF3F51BA10A}">
-      <p15:sldGuideLst xmlns:p15="http://schemas.microsoft.com/office/powerpoint/2012/main" xmlns="">
+      <p15:sldGuideLst xmlns:p15="http://schemas.microsoft.com/office/powerpoint/2012/main">
         <p15:guide id="1" orient="horz" pos="2160">
           <p15:clr>
             <a:srgbClr val="A4A3A4"/>
@@ -853,7 +871,7 @@
             <a:fld id="{3CCF56C0-5008-4DB4-8698-E16469066013}" type="datetimeFigureOut">
               <a:rPr lang="ru-RU" smtClean="0"/>
               <a:pPr/>
-              <a:t>15.10.2020</a:t>
+              <a:t>16.10.2020</a:t>
             </a:fld>
             <a:endParaRPr lang="ru-RU" dirty="0"/>
           </a:p>
@@ -905,7 +923,7 @@
     </p:spTree>
     <p:extLst>
       <p:ext uri="{BB962C8B-B14F-4D97-AF65-F5344CB8AC3E}">
-        <p14:creationId xmlns:p14="http://schemas.microsoft.com/office/powerpoint/2010/main" xmlns="" val="4238684791"/>
+        <p14:creationId xmlns:p14="http://schemas.microsoft.com/office/powerpoint/2010/main" val="4238684791"/>
       </p:ext>
     </p:extLst>
   </p:cSld>
@@ -1106,7 +1124,7 @@
             <a:fld id="{3CCF56C0-5008-4DB4-8698-E16469066013}" type="datetimeFigureOut">
               <a:rPr lang="ru-RU" smtClean="0"/>
               <a:pPr/>
-              <a:t>15.10.2020</a:t>
+              <a:t>16.10.2020</a:t>
             </a:fld>
             <a:endParaRPr lang="ru-RU" dirty="0"/>
           </a:p>
@@ -1158,7 +1176,7 @@
     </p:spTree>
     <p:extLst>
       <p:ext uri="{BB962C8B-B14F-4D97-AF65-F5344CB8AC3E}">
-        <p14:creationId xmlns:p14="http://schemas.microsoft.com/office/powerpoint/2010/main" xmlns="" val="3509571314"/>
+        <p14:creationId xmlns:p14="http://schemas.microsoft.com/office/powerpoint/2010/main" val="3509571314"/>
       </p:ext>
     </p:extLst>
   </p:cSld>
@@ -1422,7 +1440,7 @@
             <a:fld id="{3CCF56C0-5008-4DB4-8698-E16469066013}" type="datetimeFigureOut">
               <a:rPr lang="ru-RU" smtClean="0"/>
               <a:pPr/>
-              <a:t>15.10.2020</a:t>
+              <a:t>16.10.2020</a:t>
             </a:fld>
             <a:endParaRPr lang="ru-RU" dirty="0"/>
           </a:p>
@@ -1550,7 +1568,7 @@
     </p:spTree>
     <p:extLst>
       <p:ext uri="{BB962C8B-B14F-4D97-AF65-F5344CB8AC3E}">
-        <p14:creationId xmlns:p14="http://schemas.microsoft.com/office/powerpoint/2010/main" xmlns="" val="913784525"/>
+        <p14:creationId xmlns:p14="http://schemas.microsoft.com/office/powerpoint/2010/main" val="913784525"/>
       </p:ext>
     </p:extLst>
   </p:cSld>
@@ -1751,7 +1769,7 @@
             <a:fld id="{3CCF56C0-5008-4DB4-8698-E16469066013}" type="datetimeFigureOut">
               <a:rPr lang="ru-RU" smtClean="0"/>
               <a:pPr/>
-              <a:t>15.10.2020</a:t>
+              <a:t>16.10.2020</a:t>
             </a:fld>
             <a:endParaRPr lang="ru-RU" dirty="0"/>
           </a:p>
@@ -1803,7 +1821,7 @@
     </p:spTree>
     <p:extLst>
       <p:ext uri="{BB962C8B-B14F-4D97-AF65-F5344CB8AC3E}">
-        <p14:creationId xmlns:p14="http://schemas.microsoft.com/office/powerpoint/2010/main" xmlns="" val="1237628931"/>
+        <p14:creationId xmlns:p14="http://schemas.microsoft.com/office/powerpoint/2010/main" val="1237628931"/>
       </p:ext>
     </p:extLst>
   </p:cSld>
@@ -2067,7 +2085,7 @@
             <a:fld id="{3CCF56C0-5008-4DB4-8698-E16469066013}" type="datetimeFigureOut">
               <a:rPr lang="ru-RU" smtClean="0"/>
               <a:pPr/>
-              <a:t>15.10.2020</a:t>
+              <a:t>16.10.2020</a:t>
             </a:fld>
             <a:endParaRPr lang="ru-RU" dirty="0"/>
           </a:p>
@@ -2195,7 +2213,7 @@
     </p:spTree>
     <p:extLst>
       <p:ext uri="{BB962C8B-B14F-4D97-AF65-F5344CB8AC3E}">
-        <p14:creationId xmlns:p14="http://schemas.microsoft.com/office/powerpoint/2010/main" xmlns="" val="4076467919"/>
+        <p14:creationId xmlns:p14="http://schemas.microsoft.com/office/powerpoint/2010/main" val="4076467919"/>
       </p:ext>
     </p:extLst>
   </p:cSld>
@@ -2456,7 +2474,7 @@
             <a:fld id="{3CCF56C0-5008-4DB4-8698-E16469066013}" type="datetimeFigureOut">
               <a:rPr lang="ru-RU" smtClean="0"/>
               <a:pPr/>
-              <a:t>15.10.2020</a:t>
+              <a:t>16.10.2020</a:t>
             </a:fld>
             <a:endParaRPr lang="ru-RU" dirty="0"/>
           </a:p>
@@ -2508,7 +2526,7 @@
     </p:spTree>
     <p:extLst>
       <p:ext uri="{BB962C8B-B14F-4D97-AF65-F5344CB8AC3E}">
-        <p14:creationId xmlns:p14="http://schemas.microsoft.com/office/powerpoint/2010/main" xmlns="" val="2010692"/>
+        <p14:creationId xmlns:p14="http://schemas.microsoft.com/office/powerpoint/2010/main" val="2010692"/>
       </p:ext>
     </p:extLst>
   </p:cSld>
@@ -2628,7 +2646,7 @@
             <a:fld id="{3CCF56C0-5008-4DB4-8698-E16469066013}" type="datetimeFigureOut">
               <a:rPr lang="ru-RU" smtClean="0"/>
               <a:pPr/>
-              <a:t>15.10.2020</a:t>
+              <a:t>16.10.2020</a:t>
             </a:fld>
             <a:endParaRPr lang="ru-RU" dirty="0"/>
           </a:p>
@@ -2680,7 +2698,7 @@
     </p:spTree>
     <p:extLst>
       <p:ext uri="{BB962C8B-B14F-4D97-AF65-F5344CB8AC3E}">
-        <p14:creationId xmlns:p14="http://schemas.microsoft.com/office/powerpoint/2010/main" xmlns="" val="1184326843"/>
+        <p14:creationId xmlns:p14="http://schemas.microsoft.com/office/powerpoint/2010/main" val="1184326843"/>
       </p:ext>
     </p:extLst>
   </p:cSld>
@@ -2810,7 +2828,7 @@
             <a:fld id="{3CCF56C0-5008-4DB4-8698-E16469066013}" type="datetimeFigureOut">
               <a:rPr lang="ru-RU" smtClean="0"/>
               <a:pPr/>
-              <a:t>15.10.2020</a:t>
+              <a:t>16.10.2020</a:t>
             </a:fld>
             <a:endParaRPr lang="ru-RU" dirty="0"/>
           </a:p>
@@ -2862,7 +2880,7 @@
     </p:spTree>
     <p:extLst>
       <p:ext uri="{BB962C8B-B14F-4D97-AF65-F5344CB8AC3E}">
-        <p14:creationId xmlns:p14="http://schemas.microsoft.com/office/powerpoint/2010/main" xmlns="" val="529529951"/>
+        <p14:creationId xmlns:p14="http://schemas.microsoft.com/office/powerpoint/2010/main" val="529529951"/>
       </p:ext>
     </p:extLst>
   </p:cSld>
@@ -2988,7 +3006,7 @@
             <a:fld id="{3CCF56C0-5008-4DB4-8698-E16469066013}" type="datetimeFigureOut">
               <a:rPr lang="ru-RU" smtClean="0"/>
               <a:pPr/>
-              <a:t>15.10.2020</a:t>
+              <a:t>16.10.2020</a:t>
             </a:fld>
             <a:endParaRPr lang="ru-RU" dirty="0"/>
           </a:p>
@@ -3040,7 +3058,7 @@
     </p:spTree>
     <p:extLst>
       <p:ext uri="{BB962C8B-B14F-4D97-AF65-F5344CB8AC3E}">
-        <p14:creationId xmlns:p14="http://schemas.microsoft.com/office/powerpoint/2010/main" xmlns="" val="1794803828"/>
+        <p14:creationId xmlns:p14="http://schemas.microsoft.com/office/powerpoint/2010/main" val="1794803828"/>
       </p:ext>
     </p:extLst>
   </p:cSld>
@@ -3237,7 +3255,7 @@
             <a:fld id="{3CCF56C0-5008-4DB4-8698-E16469066013}" type="datetimeFigureOut">
               <a:rPr lang="ru-RU" smtClean="0"/>
               <a:pPr/>
-              <a:t>15.10.2020</a:t>
+              <a:t>16.10.2020</a:t>
             </a:fld>
             <a:endParaRPr lang="ru-RU" dirty="0"/>
           </a:p>
@@ -3289,7 +3307,7 @@
     </p:spTree>
     <p:extLst>
       <p:ext uri="{BB962C8B-B14F-4D97-AF65-F5344CB8AC3E}">
-        <p14:creationId xmlns:p14="http://schemas.microsoft.com/office/powerpoint/2010/main" xmlns="" val="1622354848"/>
+        <p14:creationId xmlns:p14="http://schemas.microsoft.com/office/powerpoint/2010/main" val="1622354848"/>
       </p:ext>
     </p:extLst>
   </p:cSld>
@@ -3471,7 +3489,7 @@
             <a:fld id="{3CCF56C0-5008-4DB4-8698-E16469066013}" type="datetimeFigureOut">
               <a:rPr lang="ru-RU" smtClean="0"/>
               <a:pPr/>
-              <a:t>15.10.2020</a:t>
+              <a:t>16.10.2020</a:t>
             </a:fld>
             <a:endParaRPr lang="ru-RU" dirty="0"/>
           </a:p>
@@ -3523,7 +3541,7 @@
     </p:spTree>
     <p:extLst>
       <p:ext uri="{BB962C8B-B14F-4D97-AF65-F5344CB8AC3E}">
-        <p14:creationId xmlns:p14="http://schemas.microsoft.com/office/powerpoint/2010/main" xmlns="" val="2665461008"/>
+        <p14:creationId xmlns:p14="http://schemas.microsoft.com/office/powerpoint/2010/main" val="2665461008"/>
       </p:ext>
     </p:extLst>
   </p:cSld>
@@ -3847,7 +3865,7 @@
             <a:fld id="{3CCF56C0-5008-4DB4-8698-E16469066013}" type="datetimeFigureOut">
               <a:rPr lang="ru-RU" smtClean="0"/>
               <a:pPr/>
-              <a:t>15.10.2020</a:t>
+              <a:t>16.10.2020</a:t>
             </a:fld>
             <a:endParaRPr lang="ru-RU" dirty="0"/>
           </a:p>
@@ -3899,7 +3917,7 @@
     </p:spTree>
     <p:extLst>
       <p:ext uri="{BB962C8B-B14F-4D97-AF65-F5344CB8AC3E}">
-        <p14:creationId xmlns:p14="http://schemas.microsoft.com/office/powerpoint/2010/main" xmlns="" val="2514946757"/>
+        <p14:creationId xmlns:p14="http://schemas.microsoft.com/office/powerpoint/2010/main" val="2514946757"/>
       </p:ext>
     </p:extLst>
   </p:cSld>
@@ -3972,7 +3990,7 @@
             <a:fld id="{3CCF56C0-5008-4DB4-8698-E16469066013}" type="datetimeFigureOut">
               <a:rPr lang="ru-RU" smtClean="0"/>
               <a:pPr/>
-              <a:t>15.10.2020</a:t>
+              <a:t>16.10.2020</a:t>
             </a:fld>
             <a:endParaRPr lang="ru-RU" dirty="0"/>
           </a:p>
@@ -4024,7 +4042,7 @@
     </p:spTree>
     <p:extLst>
       <p:ext uri="{BB962C8B-B14F-4D97-AF65-F5344CB8AC3E}">
-        <p14:creationId xmlns:p14="http://schemas.microsoft.com/office/powerpoint/2010/main" xmlns="" val="1009674793"/>
+        <p14:creationId xmlns:p14="http://schemas.microsoft.com/office/powerpoint/2010/main" val="1009674793"/>
       </p:ext>
     </p:extLst>
   </p:cSld>
@@ -4069,7 +4087,7 @@
             <a:fld id="{3CCF56C0-5008-4DB4-8698-E16469066013}" type="datetimeFigureOut">
               <a:rPr lang="ru-RU" smtClean="0"/>
               <a:pPr/>
-              <a:t>15.10.2020</a:t>
+              <a:t>16.10.2020</a:t>
             </a:fld>
             <a:endParaRPr lang="ru-RU" dirty="0"/>
           </a:p>
@@ -4121,7 +4139,7 @@
     </p:spTree>
     <p:extLst>
       <p:ext uri="{BB962C8B-B14F-4D97-AF65-F5344CB8AC3E}">
-        <p14:creationId xmlns:p14="http://schemas.microsoft.com/office/powerpoint/2010/main" xmlns="" val="37853350"/>
+        <p14:creationId xmlns:p14="http://schemas.microsoft.com/office/powerpoint/2010/main" val="37853350"/>
       </p:ext>
     </p:extLst>
   </p:cSld>
@@ -4326,7 +4344,7 @@
             <a:fld id="{3CCF56C0-5008-4DB4-8698-E16469066013}" type="datetimeFigureOut">
               <a:rPr lang="ru-RU" smtClean="0"/>
               <a:pPr/>
-              <a:t>15.10.2020</a:t>
+              <a:t>16.10.2020</a:t>
             </a:fld>
             <a:endParaRPr lang="ru-RU" dirty="0"/>
           </a:p>
@@ -4378,7 +4396,7 @@
     </p:spTree>
     <p:extLst>
       <p:ext uri="{BB962C8B-B14F-4D97-AF65-F5344CB8AC3E}">
-        <p14:creationId xmlns:p14="http://schemas.microsoft.com/office/powerpoint/2010/main" xmlns="" val="1485505807"/>
+        <p14:creationId xmlns:p14="http://schemas.microsoft.com/office/powerpoint/2010/main" val="1485505807"/>
       </p:ext>
     </p:extLst>
   </p:cSld>
@@ -4591,7 +4609,7 @@
             <a:fld id="{3CCF56C0-5008-4DB4-8698-E16469066013}" type="datetimeFigureOut">
               <a:rPr lang="ru-RU" smtClean="0"/>
               <a:pPr/>
-              <a:t>15.10.2020</a:t>
+              <a:t>16.10.2020</a:t>
             </a:fld>
             <a:endParaRPr lang="ru-RU" dirty="0"/>
           </a:p>
@@ -4643,7 +4661,7 @@
     </p:spTree>
     <p:extLst>
       <p:ext uri="{BB962C8B-B14F-4D97-AF65-F5344CB8AC3E}">
-        <p14:creationId xmlns:p14="http://schemas.microsoft.com/office/powerpoint/2010/main" xmlns="" val="1525686664"/>
+        <p14:creationId xmlns:p14="http://schemas.microsoft.com/office/powerpoint/2010/main" val="1525686664"/>
       </p:ext>
     </p:extLst>
   </p:cSld>
@@ -5338,7 +5356,7 @@
             <a:fld id="{3CCF56C0-5008-4DB4-8698-E16469066013}" type="datetimeFigureOut">
               <a:rPr lang="ru-RU" smtClean="0"/>
               <a:pPr/>
-              <a:t>15.10.2020</a:t>
+              <a:t>16.10.2020</a:t>
             </a:fld>
             <a:endParaRPr lang="ru-RU" dirty="0"/>
           </a:p>
@@ -5424,7 +5442,7 @@
     </p:spTree>
     <p:extLst>
       <p:ext uri="{BB962C8B-B14F-4D97-AF65-F5344CB8AC3E}">
-        <p14:creationId xmlns:p14="http://schemas.microsoft.com/office/powerpoint/2010/main" xmlns="" val="2523392475"/>
+        <p14:creationId xmlns:p14="http://schemas.microsoft.com/office/powerpoint/2010/main" val="2523392475"/>
       </p:ext>
     </p:extLst>
   </p:cSld>
@@ -5921,7 +5939,4225 @@
     </p:spTree>
     <p:extLst>
       <p:ext uri="{BB962C8B-B14F-4D97-AF65-F5344CB8AC3E}">
-        <p14:creationId xmlns:p14="http://schemas.microsoft.com/office/powerpoint/2010/main" xmlns="" val="1354132756"/>
+        <p14:creationId xmlns:p14="http://schemas.microsoft.com/office/powerpoint/2010/main" val="1354132756"/>
+      </p:ext>
+    </p:extLst>
+  </p:cSld>
+  <p:clrMapOvr>
+    <a:masterClrMapping/>
+  </p:clrMapOvr>
+  <p:timing>
+    <p:tnLst>
+      <p:par>
+        <p:cTn id="1" dur="indefinite" restart="never" nodeType="tmRoot"/>
+      </p:par>
+    </p:tnLst>
+  </p:timing>
+</p:sld>
+</file>
+
+<file path=ppt/slides/slide10.xml><?xml version="1.0" encoding="utf-8"?>
+<p:sld xmlns:a="http://schemas.openxmlformats.org/drawingml/2006/main" xmlns:r="http://schemas.openxmlformats.org/officeDocument/2006/relationships" xmlns:p="http://schemas.openxmlformats.org/presentationml/2006/main">
+  <p:cSld>
+    <p:spTree>
+      <p:nvGrpSpPr>
+        <p:cNvPr id="1" name=""/>
+        <p:cNvGrpSpPr/>
+        <p:nvPr/>
+      </p:nvGrpSpPr>
+      <p:grpSpPr>
+        <a:xfrm>
+          <a:off x="0" y="0"/>
+          <a:ext cx="0" cy="0"/>
+          <a:chOff x="0" y="0"/>
+          <a:chExt cx="0" cy="0"/>
+        </a:xfrm>
+      </p:grpSpPr>
+      <p:sp>
+        <p:nvSpPr>
+          <p:cNvPr id="2" name="Заголовок 1"/>
+          <p:cNvSpPr>
+            <a:spLocks noGrp="1"/>
+          </p:cNvSpPr>
+          <p:nvPr>
+            <p:ph type="title"/>
+          </p:nvPr>
+        </p:nvSpPr>
+        <p:spPr/>
+        <p:txBody>
+          <a:bodyPr/>
+          <a:lstStyle/>
+          <a:p>
+            <a:r>
+              <a:rPr lang="ru-RU" dirty="0" smtClean="0"/>
+              <a:t>Проектирование программы</a:t>
+            </a:r>
+            <a:endParaRPr lang="ru-RU" dirty="0"/>
+          </a:p>
+        </p:txBody>
+      </p:sp>
+      <p:sp>
+        <p:nvSpPr>
+          <p:cNvPr id="3" name="Объект 2"/>
+          <p:cNvSpPr>
+            <a:spLocks noGrp="1"/>
+          </p:cNvSpPr>
+          <p:nvPr>
+            <p:ph idx="1"/>
+          </p:nvPr>
+        </p:nvSpPr>
+        <p:spPr/>
+        <p:txBody>
+          <a:bodyPr/>
+          <a:lstStyle/>
+          <a:p>
+            <a:r>
+              <a:rPr lang="ru-RU" dirty="0" smtClean="0"/>
+              <a:t>Для удобства разработки, читаемости и тестирования будем разбивать программу на функции</a:t>
+            </a:r>
+            <a:endParaRPr lang="ru-RU" dirty="0"/>
+          </a:p>
+        </p:txBody>
+      </p:sp>
+    </p:spTree>
+    <p:extLst>
+      <p:ext uri="{BB962C8B-B14F-4D97-AF65-F5344CB8AC3E}">
+        <p14:creationId xmlns:p14="http://schemas.microsoft.com/office/powerpoint/2010/main" val="793979292"/>
+      </p:ext>
+    </p:extLst>
+  </p:cSld>
+  <p:clrMapOvr>
+    <a:masterClrMapping/>
+  </p:clrMapOvr>
+  <p:timing>
+    <p:tnLst>
+      <p:par>
+        <p:cTn id="1" dur="indefinite" restart="never" nodeType="tmRoot"/>
+      </p:par>
+    </p:tnLst>
+  </p:timing>
+</p:sld>
+</file>
+
+<file path=ppt/slides/slide11.xml><?xml version="1.0" encoding="utf-8"?>
+<p:sld xmlns:a="http://schemas.openxmlformats.org/drawingml/2006/main" xmlns:r="http://schemas.openxmlformats.org/officeDocument/2006/relationships" xmlns:p="http://schemas.openxmlformats.org/presentationml/2006/main">
+  <p:cSld>
+    <p:spTree>
+      <p:nvGrpSpPr>
+        <p:cNvPr id="1" name=""/>
+        <p:cNvGrpSpPr/>
+        <p:nvPr/>
+      </p:nvGrpSpPr>
+      <p:grpSpPr>
+        <a:xfrm>
+          <a:off x="0" y="0"/>
+          <a:ext cx="0" cy="0"/>
+          <a:chOff x="0" y="0"/>
+          <a:chExt cx="0" cy="0"/>
+        </a:xfrm>
+      </p:grpSpPr>
+      <p:sp>
+        <p:nvSpPr>
+          <p:cNvPr id="2" name="Заголовок 1"/>
+          <p:cNvSpPr>
+            <a:spLocks noGrp="1"/>
+          </p:cNvSpPr>
+          <p:nvPr>
+            <p:ph type="title"/>
+          </p:nvPr>
+        </p:nvSpPr>
+        <p:spPr/>
+        <p:txBody>
+          <a:bodyPr>
+            <a:normAutofit/>
+          </a:bodyPr>
+          <a:lstStyle/>
+          <a:p>
+            <a:r>
+              <a:rPr lang="en-US" sz="3200" dirty="0"/>
+              <a:t>Front </a:t>
+            </a:r>
+            <a:r>
+              <a:rPr lang="en-US" sz="3200" dirty="0" smtClean="0"/>
+              <a:t>end</a:t>
+            </a:r>
+            <a:r>
+              <a:rPr lang="ru-RU" sz="3200" dirty="0" smtClean="0"/>
+              <a:t> </a:t>
+            </a:r>
+            <a:r>
+              <a:rPr lang="ru-RU" sz="3200" dirty="0" smtClean="0"/>
+              <a:t>/</a:t>
+            </a:r>
+            <a:r>
+              <a:rPr lang="en-US" sz="3200" dirty="0" smtClean="0"/>
+              <a:t> </a:t>
+            </a:r>
+            <a:r>
+              <a:rPr lang="ru-RU" sz="3200" dirty="0" smtClean="0"/>
+              <a:t>функции </a:t>
+            </a:r>
+            <a:r>
+              <a:rPr lang="ru-RU" sz="3200" dirty="0"/>
+              <a:t>развертывания</a:t>
+            </a:r>
+            <a:r>
+              <a:rPr lang="ru-RU" sz="3200" dirty="0" smtClean="0"/>
+              <a:t> </a:t>
+            </a:r>
+            <a:r>
+              <a:rPr lang="en-US" sz="3200" dirty="0" smtClean="0"/>
+              <a:t>/ </a:t>
+            </a:r>
+            <a:r>
+              <a:rPr lang="ru-RU" sz="3200" dirty="0" smtClean="0"/>
+              <a:t/>
+            </a:r>
+            <a:br>
+              <a:rPr lang="ru-RU" sz="3200" dirty="0" smtClean="0"/>
+            </a:br>
+            <a:r>
+              <a:rPr lang="ru-RU" sz="3200" dirty="0" smtClean="0"/>
+              <a:t>текстовые виджеты</a:t>
+            </a:r>
+            <a:endParaRPr lang="ru-RU" sz="3200" dirty="0"/>
+          </a:p>
+        </p:txBody>
+      </p:sp>
+      <p:sp>
+        <p:nvSpPr>
+          <p:cNvPr id="3" name="Объект 2"/>
+          <p:cNvSpPr>
+            <a:spLocks noGrp="1"/>
+          </p:cNvSpPr>
+          <p:nvPr>
+            <p:ph idx="1"/>
+          </p:nvPr>
+        </p:nvSpPr>
+        <p:spPr>
+          <a:xfrm>
+            <a:off x="677334" y="1930401"/>
+            <a:ext cx="9224048" cy="4636654"/>
+          </a:xfrm>
+        </p:spPr>
+        <p:txBody>
+          <a:bodyPr>
+            <a:normAutofit/>
+          </a:bodyPr>
+          <a:lstStyle/>
+          <a:p>
+            <a:pPr marL="0" indent="0">
+              <a:buNone/>
+            </a:pPr>
+            <a:r>
+              <a:rPr lang="en-US" dirty="0">
+                <a:solidFill>
+                  <a:schemeClr val="accent3">
+                    <a:lumMod val="60000"/>
+                    <a:lumOff val="40000"/>
+                  </a:schemeClr>
+                </a:solidFill>
+              </a:rPr>
+              <a:t>def</a:t>
+            </a:r>
+            <a:r>
+              <a:rPr lang="en-US" dirty="0"/>
+              <a:t> </a:t>
+            </a:r>
+            <a:r>
+              <a:rPr lang="en-US" dirty="0" smtClean="0"/>
+              <a:t>text_open():</a:t>
+            </a:r>
+            <a:endParaRPr lang="ru-RU" dirty="0" smtClean="0"/>
+          </a:p>
+          <a:p>
+            <a:pPr marL="0" indent="0">
+              <a:buNone/>
+            </a:pPr>
+            <a:r>
+              <a:rPr lang="ru-RU" dirty="0"/>
+              <a:t>	</a:t>
+            </a:r>
+            <a:r>
+              <a:rPr lang="en-US" dirty="0" smtClean="0"/>
+              <a:t>text_frame.pack(</a:t>
+            </a:r>
+            <a:r>
+              <a:rPr lang="en-US" dirty="0" smtClean="0">
+                <a:solidFill>
+                  <a:schemeClr val="accent5">
+                    <a:lumMod val="60000"/>
+                    <a:lumOff val="40000"/>
+                  </a:schemeClr>
+                </a:solidFill>
+              </a:rPr>
+              <a:t>side</a:t>
+            </a:r>
+            <a:r>
+              <a:rPr lang="en-US" dirty="0" smtClean="0"/>
+              <a:t>=TOP</a:t>
+            </a:r>
+            <a:r>
+              <a:rPr lang="en-US" dirty="0"/>
+              <a:t>, </a:t>
+            </a:r>
+            <a:r>
+              <a:rPr lang="en-US" dirty="0">
+                <a:solidFill>
+                  <a:schemeClr val="accent5">
+                    <a:lumMod val="60000"/>
+                    <a:lumOff val="40000"/>
+                  </a:schemeClr>
+                </a:solidFill>
+              </a:rPr>
+              <a:t>anchor</a:t>
+            </a:r>
+            <a:r>
+              <a:rPr lang="en-US" dirty="0"/>
+              <a:t>=W, </a:t>
+            </a:r>
+            <a:r>
+              <a:rPr lang="en-US" dirty="0">
+                <a:solidFill>
+                  <a:schemeClr val="accent5">
+                    <a:lumMod val="60000"/>
+                    <a:lumOff val="40000"/>
+                  </a:schemeClr>
+                </a:solidFill>
+              </a:rPr>
+              <a:t>pady</a:t>
+            </a:r>
+            <a:r>
+              <a:rPr lang="en-US" dirty="0"/>
+              <a:t>=10</a:t>
+            </a:r>
+            <a:r>
+              <a:rPr lang="en-US" dirty="0" smtClean="0"/>
+              <a:t>)</a:t>
+            </a:r>
+            <a:r>
+              <a:rPr lang="ru-RU" dirty="0" smtClean="0"/>
+              <a:t> </a:t>
+            </a:r>
+          </a:p>
+          <a:p>
+            <a:pPr marL="0" indent="0">
+              <a:buNone/>
+            </a:pPr>
+            <a:r>
+              <a:rPr lang="ru-RU" dirty="0" smtClean="0">
+                <a:solidFill>
+                  <a:schemeClr val="tx2">
+                    <a:lumMod val="75000"/>
+                  </a:schemeClr>
+                </a:solidFill>
+              </a:rPr>
+              <a:t>	</a:t>
+            </a:r>
+            <a:r>
+              <a:rPr lang="en-US" dirty="0" smtClean="0">
+                <a:solidFill>
+                  <a:schemeClr val="tx2">
+                    <a:lumMod val="75000"/>
+                  </a:schemeClr>
+                </a:solidFill>
+              </a:rPr>
+              <a:t># side – </a:t>
+            </a:r>
+            <a:r>
+              <a:rPr lang="ru-RU" dirty="0" smtClean="0">
+                <a:solidFill>
+                  <a:schemeClr val="tx2">
+                    <a:lumMod val="75000"/>
+                  </a:schemeClr>
+                </a:solidFill>
+              </a:rPr>
+              <a:t>сторона размещения виджета в окне</a:t>
+            </a:r>
+            <a:r>
+              <a:rPr lang="en-US" dirty="0" smtClean="0">
+                <a:solidFill>
+                  <a:schemeClr val="tx2">
+                    <a:lumMod val="75000"/>
+                  </a:schemeClr>
+                </a:solidFill>
+              </a:rPr>
+              <a:t> (TOP, BOTTOM, LEFT, RIGHT)</a:t>
+            </a:r>
+            <a:endParaRPr lang="ru-RU" dirty="0" smtClean="0">
+              <a:solidFill>
+                <a:schemeClr val="tx2">
+                  <a:lumMod val="75000"/>
+                </a:schemeClr>
+              </a:solidFill>
+            </a:endParaRPr>
+          </a:p>
+          <a:p>
+            <a:pPr marL="0" indent="0">
+              <a:buNone/>
+            </a:pPr>
+            <a:r>
+              <a:rPr lang="ru-RU" dirty="0" smtClean="0">
+                <a:solidFill>
+                  <a:schemeClr val="tx2">
+                    <a:lumMod val="75000"/>
+                  </a:schemeClr>
+                </a:solidFill>
+              </a:rPr>
+              <a:t>	</a:t>
+            </a:r>
+            <a:r>
+              <a:rPr lang="en-US" dirty="0" smtClean="0">
+                <a:solidFill>
+                  <a:schemeClr val="tx2">
+                    <a:lumMod val="75000"/>
+                  </a:schemeClr>
+                </a:solidFill>
+              </a:rPr>
+              <a:t># anchor – </a:t>
+            </a:r>
+            <a:r>
+              <a:rPr lang="ru-RU" dirty="0" smtClean="0">
+                <a:solidFill>
+                  <a:schemeClr val="tx2">
+                    <a:lumMod val="75000"/>
+                  </a:schemeClr>
+                </a:solidFill>
+              </a:rPr>
+              <a:t>сторона привязывания содержимого в виджете</a:t>
+            </a:r>
+            <a:r>
+              <a:rPr lang="en-US" dirty="0" smtClean="0">
+                <a:solidFill>
+                  <a:schemeClr val="tx2">
+                    <a:lumMod val="75000"/>
+                  </a:schemeClr>
+                </a:solidFill>
+              </a:rPr>
+              <a:t> (N, S, W, E)</a:t>
+            </a:r>
+            <a:endParaRPr lang="ru-RU" dirty="0" smtClean="0">
+              <a:solidFill>
+                <a:schemeClr val="tx2">
+                  <a:lumMod val="75000"/>
+                </a:schemeClr>
+              </a:solidFill>
+            </a:endParaRPr>
+          </a:p>
+          <a:p>
+            <a:pPr marL="0" indent="0">
+              <a:buNone/>
+            </a:pPr>
+            <a:r>
+              <a:rPr lang="ru-RU" dirty="0" smtClean="0">
+                <a:solidFill>
+                  <a:schemeClr val="tx2">
+                    <a:lumMod val="75000"/>
+                  </a:schemeClr>
+                </a:solidFill>
+              </a:rPr>
+              <a:t>	</a:t>
+            </a:r>
+            <a:r>
+              <a:rPr lang="en-US" dirty="0" smtClean="0">
+                <a:solidFill>
+                  <a:schemeClr val="tx2">
+                    <a:lumMod val="75000"/>
+                  </a:schemeClr>
+                </a:solidFill>
+              </a:rPr>
+              <a:t># pady, padx – </a:t>
+            </a:r>
+            <a:r>
+              <a:rPr lang="ru-RU" dirty="0" smtClean="0">
+                <a:solidFill>
+                  <a:schemeClr val="tx2">
+                    <a:lumMod val="75000"/>
+                  </a:schemeClr>
+                </a:solidFill>
+              </a:rPr>
+              <a:t>отступ, по оси </a:t>
+            </a:r>
+            <a:r>
+              <a:rPr lang="en-US" dirty="0" smtClean="0">
+                <a:solidFill>
+                  <a:schemeClr val="tx2">
+                    <a:lumMod val="75000"/>
+                  </a:schemeClr>
+                </a:solidFill>
+              </a:rPr>
+              <a:t>x </a:t>
+            </a:r>
+            <a:r>
+              <a:rPr lang="ru-RU" dirty="0" smtClean="0">
+                <a:solidFill>
+                  <a:schemeClr val="tx2">
+                    <a:lumMod val="75000"/>
+                  </a:schemeClr>
+                </a:solidFill>
+              </a:rPr>
+              <a:t>или </a:t>
+            </a:r>
+            <a:r>
+              <a:rPr lang="en-US" dirty="0" smtClean="0">
+                <a:solidFill>
+                  <a:schemeClr val="tx2">
+                    <a:lumMod val="75000"/>
+                  </a:schemeClr>
+                </a:solidFill>
+              </a:rPr>
+              <a:t>y</a:t>
+            </a:r>
+            <a:r>
+              <a:rPr lang="ru-RU" dirty="0" smtClean="0">
+                <a:solidFill>
+                  <a:schemeClr val="tx2">
+                    <a:lumMod val="75000"/>
+                  </a:schemeClr>
+                </a:solidFill>
+              </a:rPr>
+              <a:t>, в пикселях</a:t>
+            </a:r>
+            <a:endParaRPr lang="en-US" dirty="0"/>
+          </a:p>
+          <a:p>
+            <a:pPr marL="0" indent="0">
+              <a:buNone/>
+            </a:pPr>
+            <a:r>
+              <a:rPr lang="en-US" dirty="0"/>
+              <a:t>    </a:t>
+            </a:r>
+            <a:r>
+              <a:rPr lang="ru-RU" dirty="0" smtClean="0"/>
+              <a:t>	</a:t>
+            </a:r>
+            <a:r>
+              <a:rPr lang="en-US" dirty="0" smtClean="0"/>
+              <a:t>lbl_name.grid(</a:t>
+            </a:r>
+            <a:r>
+              <a:rPr lang="en-US" dirty="0" smtClean="0">
+                <a:solidFill>
+                  <a:schemeClr val="accent5">
+                    <a:lumMod val="60000"/>
+                    <a:lumOff val="40000"/>
+                  </a:schemeClr>
+                </a:solidFill>
+              </a:rPr>
+              <a:t>row</a:t>
+            </a:r>
+            <a:r>
+              <a:rPr lang="en-US" dirty="0" smtClean="0"/>
+              <a:t>=0</a:t>
+            </a:r>
+            <a:r>
+              <a:rPr lang="en-US" dirty="0"/>
+              <a:t>, </a:t>
+            </a:r>
+            <a:r>
+              <a:rPr lang="en-US" dirty="0">
+                <a:solidFill>
+                  <a:schemeClr val="accent5">
+                    <a:lumMod val="60000"/>
+                    <a:lumOff val="40000"/>
+                  </a:schemeClr>
+                </a:solidFill>
+              </a:rPr>
+              <a:t>column</a:t>
+            </a:r>
+            <a:r>
+              <a:rPr lang="en-US" dirty="0"/>
+              <a:t>=0, </a:t>
+            </a:r>
+            <a:r>
+              <a:rPr lang="en-US" dirty="0">
+                <a:solidFill>
+                  <a:schemeClr val="accent5">
+                    <a:lumMod val="60000"/>
+                    <a:lumOff val="40000"/>
+                  </a:schemeClr>
+                </a:solidFill>
+              </a:rPr>
+              <a:t>sticky</a:t>
+            </a:r>
+            <a:r>
+              <a:rPr lang="en-US" dirty="0"/>
+              <a:t>=E</a:t>
+            </a:r>
+            <a:r>
+              <a:rPr lang="en-US" dirty="0" smtClean="0"/>
+              <a:t>)</a:t>
+            </a:r>
+            <a:r>
+              <a:rPr lang="ru-RU" dirty="0"/>
+              <a:t>	</a:t>
+            </a:r>
+            <a:r>
+              <a:rPr lang="en-US" dirty="0" smtClean="0">
+                <a:solidFill>
+                  <a:schemeClr val="tx2">
+                    <a:lumMod val="75000"/>
+                  </a:schemeClr>
+                </a:solidFill>
+              </a:rPr>
+              <a:t># sticky – </a:t>
+            </a:r>
+            <a:r>
+              <a:rPr lang="ru-RU" dirty="0" smtClean="0">
+                <a:solidFill>
+                  <a:schemeClr val="tx2">
+                    <a:lumMod val="75000"/>
+                  </a:schemeClr>
+                </a:solidFill>
+              </a:rPr>
+              <a:t>анало</a:t>
+            </a:r>
+            <a:r>
+              <a:rPr lang="ru-RU" dirty="0">
+                <a:solidFill>
+                  <a:schemeClr val="tx2">
+                    <a:lumMod val="75000"/>
+                  </a:schemeClr>
+                </a:solidFill>
+              </a:rPr>
+              <a:t>г</a:t>
+            </a:r>
+            <a:r>
+              <a:rPr lang="ru-RU" dirty="0" smtClean="0">
+                <a:solidFill>
+                  <a:schemeClr val="tx2">
+                    <a:lumMod val="75000"/>
+                  </a:schemeClr>
+                </a:solidFill>
+              </a:rPr>
+              <a:t> </a:t>
+            </a:r>
+            <a:r>
+              <a:rPr lang="en-US" dirty="0" smtClean="0">
+                <a:solidFill>
+                  <a:schemeClr val="tx2">
+                    <a:lumMod val="75000"/>
+                  </a:schemeClr>
+                </a:solidFill>
+              </a:rPr>
+              <a:t>anchor </a:t>
+            </a:r>
+            <a:r>
+              <a:rPr lang="ru-RU" dirty="0" smtClean="0">
+                <a:solidFill>
+                  <a:schemeClr val="tx2">
+                    <a:lumMod val="75000"/>
+                  </a:schemeClr>
+                </a:solidFill>
+              </a:rPr>
+              <a:t>для </a:t>
+            </a:r>
+            <a:r>
+              <a:rPr lang="en-US" dirty="0" smtClean="0">
+                <a:solidFill>
+                  <a:schemeClr val="tx2">
+                    <a:lumMod val="75000"/>
+                  </a:schemeClr>
+                </a:solidFill>
+              </a:rPr>
+              <a:t>grid</a:t>
+            </a:r>
+            <a:endParaRPr lang="en-US" dirty="0">
+              <a:solidFill>
+                <a:schemeClr val="tx2">
+                  <a:lumMod val="75000"/>
+                </a:schemeClr>
+              </a:solidFill>
+            </a:endParaRPr>
+          </a:p>
+          <a:p>
+            <a:pPr marL="0" indent="0">
+              <a:buNone/>
+            </a:pPr>
+            <a:r>
+              <a:rPr lang="en-US" dirty="0"/>
+              <a:t>    </a:t>
+            </a:r>
+            <a:r>
+              <a:rPr lang="ru-RU" dirty="0" smtClean="0"/>
+              <a:t>	</a:t>
+            </a:r>
+            <a:r>
+              <a:rPr lang="en-US" dirty="0" smtClean="0"/>
+              <a:t>ent_name.grid(</a:t>
+            </a:r>
+            <a:r>
+              <a:rPr lang="en-US" dirty="0" smtClean="0">
+                <a:solidFill>
+                  <a:schemeClr val="accent5">
+                    <a:lumMod val="60000"/>
+                    <a:lumOff val="40000"/>
+                  </a:schemeClr>
+                </a:solidFill>
+              </a:rPr>
+              <a:t>row</a:t>
+            </a:r>
+            <a:r>
+              <a:rPr lang="en-US" dirty="0" smtClean="0"/>
+              <a:t>=0</a:t>
+            </a:r>
+            <a:r>
+              <a:rPr lang="en-US" dirty="0"/>
+              <a:t>, </a:t>
+            </a:r>
+            <a:r>
+              <a:rPr lang="en-US" dirty="0">
+                <a:solidFill>
+                  <a:schemeClr val="accent5">
+                    <a:lumMod val="60000"/>
+                    <a:lumOff val="40000"/>
+                  </a:schemeClr>
+                </a:solidFill>
+              </a:rPr>
+              <a:t>column</a:t>
+            </a:r>
+            <a:r>
+              <a:rPr lang="en-US" dirty="0"/>
+              <a:t>=1, </a:t>
+            </a:r>
+            <a:r>
+              <a:rPr lang="en-US" dirty="0">
+                <a:solidFill>
+                  <a:schemeClr val="accent5">
+                    <a:lumMod val="60000"/>
+                    <a:lumOff val="40000"/>
+                  </a:schemeClr>
+                </a:solidFill>
+              </a:rPr>
+              <a:t>sticky</a:t>
+            </a:r>
+            <a:r>
+              <a:rPr lang="en-US" dirty="0"/>
+              <a:t>=W, </a:t>
+            </a:r>
+            <a:r>
+              <a:rPr lang="en-US" dirty="0">
+                <a:solidFill>
+                  <a:schemeClr val="accent5">
+                    <a:lumMod val="60000"/>
+                    <a:lumOff val="40000"/>
+                  </a:schemeClr>
+                </a:solidFill>
+              </a:rPr>
+              <a:t>padx</a:t>
+            </a:r>
+            <a:r>
+              <a:rPr lang="en-US" dirty="0"/>
+              <a:t>=10)</a:t>
+            </a:r>
+          </a:p>
+          <a:p>
+            <a:pPr marL="0" indent="0">
+              <a:buNone/>
+            </a:pPr>
+            <a:endParaRPr lang="en-US" dirty="0"/>
+          </a:p>
+          <a:p>
+            <a:pPr marL="0" indent="0">
+              <a:buNone/>
+            </a:pPr>
+            <a:r>
+              <a:rPr lang="en-US" dirty="0"/>
+              <a:t>    </a:t>
+            </a:r>
+            <a:r>
+              <a:rPr lang="ru-RU" dirty="0" smtClean="0"/>
+              <a:t>	</a:t>
+            </a:r>
+            <a:r>
+              <a:rPr lang="en-US" dirty="0" smtClean="0"/>
+              <a:t>lbl_bdate.grid(</a:t>
+            </a:r>
+            <a:r>
+              <a:rPr lang="en-US" dirty="0" smtClean="0">
+                <a:solidFill>
+                  <a:schemeClr val="accent5">
+                    <a:lumMod val="60000"/>
+                    <a:lumOff val="40000"/>
+                  </a:schemeClr>
+                </a:solidFill>
+              </a:rPr>
+              <a:t>row</a:t>
+            </a:r>
+            <a:r>
+              <a:rPr lang="en-US" dirty="0" smtClean="0"/>
+              <a:t>=1</a:t>
+            </a:r>
+            <a:r>
+              <a:rPr lang="en-US" dirty="0"/>
+              <a:t>, </a:t>
+            </a:r>
+            <a:r>
+              <a:rPr lang="en-US" dirty="0">
+                <a:solidFill>
+                  <a:schemeClr val="accent5">
+                    <a:lumMod val="60000"/>
+                    <a:lumOff val="40000"/>
+                  </a:schemeClr>
+                </a:solidFill>
+              </a:rPr>
+              <a:t>column</a:t>
+            </a:r>
+            <a:r>
+              <a:rPr lang="en-US" dirty="0"/>
+              <a:t>=0, </a:t>
+            </a:r>
+            <a:r>
+              <a:rPr lang="en-US" dirty="0">
+                <a:solidFill>
+                  <a:schemeClr val="accent5">
+                    <a:lumMod val="60000"/>
+                    <a:lumOff val="40000"/>
+                  </a:schemeClr>
+                </a:solidFill>
+              </a:rPr>
+              <a:t>sticky</a:t>
+            </a:r>
+            <a:r>
+              <a:rPr lang="en-US" dirty="0"/>
+              <a:t>=E)</a:t>
+            </a:r>
+          </a:p>
+          <a:p>
+            <a:pPr marL="0" indent="0">
+              <a:buNone/>
+            </a:pPr>
+            <a:r>
+              <a:rPr lang="en-US" dirty="0"/>
+              <a:t>    </a:t>
+            </a:r>
+            <a:r>
+              <a:rPr lang="ru-RU" dirty="0" smtClean="0"/>
+              <a:t>	</a:t>
+            </a:r>
+            <a:r>
+              <a:rPr lang="en-US" dirty="0" smtClean="0"/>
+              <a:t>ent_bdate.grid(</a:t>
+            </a:r>
+            <a:r>
+              <a:rPr lang="en-US" dirty="0" smtClean="0">
+                <a:solidFill>
+                  <a:schemeClr val="accent5">
+                    <a:lumMod val="60000"/>
+                    <a:lumOff val="40000"/>
+                  </a:schemeClr>
+                </a:solidFill>
+              </a:rPr>
+              <a:t>row</a:t>
+            </a:r>
+            <a:r>
+              <a:rPr lang="en-US" dirty="0" smtClean="0"/>
+              <a:t>=1</a:t>
+            </a:r>
+            <a:r>
+              <a:rPr lang="en-US" dirty="0"/>
+              <a:t>, </a:t>
+            </a:r>
+            <a:r>
+              <a:rPr lang="en-US" dirty="0">
+                <a:solidFill>
+                  <a:schemeClr val="accent5">
+                    <a:lumMod val="60000"/>
+                    <a:lumOff val="40000"/>
+                  </a:schemeClr>
+                </a:solidFill>
+              </a:rPr>
+              <a:t>column</a:t>
+            </a:r>
+            <a:r>
+              <a:rPr lang="en-US" dirty="0"/>
+              <a:t>=1, </a:t>
+            </a:r>
+            <a:r>
+              <a:rPr lang="en-US" dirty="0">
+                <a:solidFill>
+                  <a:schemeClr val="accent5">
+                    <a:lumMod val="60000"/>
+                    <a:lumOff val="40000"/>
+                  </a:schemeClr>
+                </a:solidFill>
+              </a:rPr>
+              <a:t>sticky</a:t>
+            </a:r>
+            <a:r>
+              <a:rPr lang="en-US" dirty="0"/>
+              <a:t>=W, </a:t>
+            </a:r>
+            <a:r>
+              <a:rPr lang="en-US" dirty="0">
+                <a:solidFill>
+                  <a:schemeClr val="accent5">
+                    <a:lumMod val="60000"/>
+                    <a:lumOff val="40000"/>
+                  </a:schemeClr>
+                </a:solidFill>
+              </a:rPr>
+              <a:t>padx</a:t>
+            </a:r>
+            <a:r>
+              <a:rPr lang="en-US" dirty="0"/>
+              <a:t>=10)</a:t>
+            </a:r>
+            <a:endParaRPr lang="ru-RU" dirty="0"/>
+          </a:p>
+        </p:txBody>
+      </p:sp>
+    </p:spTree>
+    <p:extLst>
+      <p:ext uri="{BB962C8B-B14F-4D97-AF65-F5344CB8AC3E}">
+        <p14:creationId xmlns:p14="http://schemas.microsoft.com/office/powerpoint/2010/main" val="2997909531"/>
+      </p:ext>
+    </p:extLst>
+  </p:cSld>
+  <p:clrMapOvr>
+    <a:masterClrMapping/>
+  </p:clrMapOvr>
+  <p:timing>
+    <p:tnLst>
+      <p:par>
+        <p:cTn id="1" dur="indefinite" restart="never" nodeType="tmRoot"/>
+      </p:par>
+    </p:tnLst>
+  </p:timing>
+</p:sld>
+</file>
+
+<file path=ppt/slides/slide12.xml><?xml version="1.0" encoding="utf-8"?>
+<p:sld xmlns:a="http://schemas.openxmlformats.org/drawingml/2006/main" xmlns:r="http://schemas.openxmlformats.org/officeDocument/2006/relationships" xmlns:p="http://schemas.openxmlformats.org/presentationml/2006/main">
+  <p:cSld>
+    <p:spTree>
+      <p:nvGrpSpPr>
+        <p:cNvPr id="1" name=""/>
+        <p:cNvGrpSpPr/>
+        <p:nvPr/>
+      </p:nvGrpSpPr>
+      <p:grpSpPr>
+        <a:xfrm>
+          <a:off x="0" y="0"/>
+          <a:ext cx="0" cy="0"/>
+          <a:chOff x="0" y="0"/>
+          <a:chExt cx="0" cy="0"/>
+        </a:xfrm>
+      </p:grpSpPr>
+      <p:sp>
+        <p:nvSpPr>
+          <p:cNvPr id="2" name="Заголовок 1"/>
+          <p:cNvSpPr>
+            <a:spLocks noGrp="1"/>
+          </p:cNvSpPr>
+          <p:nvPr>
+            <p:ph type="title"/>
+          </p:nvPr>
+        </p:nvSpPr>
+        <p:spPr>
+          <a:xfrm>
+            <a:off x="677334" y="609600"/>
+            <a:ext cx="8596668" cy="720436"/>
+          </a:xfrm>
+        </p:spPr>
+        <p:txBody>
+          <a:bodyPr/>
+          <a:lstStyle/>
+          <a:p>
+            <a:r>
+              <a:rPr lang="en-US" dirty="0" smtClean="0"/>
+              <a:t>Radiobutton</a:t>
+            </a:r>
+            <a:r>
+              <a:rPr lang="ru-RU" dirty="0" smtClean="0"/>
+              <a:t>(), </a:t>
+            </a:r>
+            <a:r>
+              <a:rPr lang="en-US" dirty="0" smtClean="0"/>
+              <a:t>In</a:t>
+            </a:r>
+            <a:r>
+              <a:rPr lang="en-US" dirty="0"/>
+              <a:t>t</a:t>
+            </a:r>
+            <a:r>
+              <a:rPr lang="en-US" dirty="0" smtClean="0"/>
+              <a:t>Var(), set()</a:t>
+            </a:r>
+            <a:endParaRPr lang="ru-RU" dirty="0"/>
+          </a:p>
+        </p:txBody>
+      </p:sp>
+      <p:sp>
+        <p:nvSpPr>
+          <p:cNvPr id="3" name="Объект 2"/>
+          <p:cNvSpPr>
+            <a:spLocks noGrp="1"/>
+          </p:cNvSpPr>
+          <p:nvPr>
+            <p:ph idx="1"/>
+          </p:nvPr>
+        </p:nvSpPr>
+        <p:spPr>
+          <a:xfrm>
+            <a:off x="677334" y="1450109"/>
+            <a:ext cx="8596668" cy="5153892"/>
+          </a:xfrm>
+        </p:spPr>
+        <p:txBody>
+          <a:bodyPr>
+            <a:normAutofit/>
+          </a:bodyPr>
+          <a:lstStyle/>
+          <a:p>
+            <a:pPr marL="0" indent="0">
+              <a:buNone/>
+            </a:pPr>
+            <a:r>
+              <a:rPr lang="en-US" dirty="0" smtClean="0"/>
+              <a:t>Radiobutton() – </a:t>
+            </a:r>
+            <a:r>
+              <a:rPr lang="ru-RU" dirty="0" smtClean="0"/>
+              <a:t>класс для создавать радиокнопок, позволяющие пользователю выбрать только одного значение</a:t>
+            </a:r>
+          </a:p>
+          <a:p>
+            <a:pPr marL="0" indent="0">
+              <a:buNone/>
+            </a:pPr>
+            <a:endParaRPr lang="ru-RU" dirty="0"/>
+          </a:p>
+          <a:p>
+            <a:pPr marL="0" indent="0">
+              <a:buNone/>
+            </a:pPr>
+            <a:r>
+              <a:rPr lang="en-US" dirty="0" smtClean="0"/>
+              <a:t>IntVar() – </a:t>
+            </a:r>
+            <a:r>
+              <a:rPr lang="ru-RU" dirty="0" smtClean="0"/>
+              <a:t>класс координирующий значения радиокнопок</a:t>
+            </a:r>
+            <a:endParaRPr lang="en-US" dirty="0"/>
+          </a:p>
+          <a:p>
+            <a:pPr marL="0" indent="0">
+              <a:buNone/>
+            </a:pPr>
+            <a:r>
+              <a:rPr lang="en-US" dirty="0"/>
+              <a:t>s</a:t>
+            </a:r>
+            <a:r>
+              <a:rPr lang="en-US" dirty="0" smtClean="0"/>
+              <a:t>et() – </a:t>
+            </a:r>
+            <a:r>
+              <a:rPr lang="ru-RU" dirty="0" smtClean="0"/>
+              <a:t>функция передающая значение по умолчанию</a:t>
+            </a:r>
+          </a:p>
+          <a:p>
+            <a:pPr marL="0" indent="0">
+              <a:buNone/>
+            </a:pPr>
+            <a:endParaRPr lang="ru-RU" dirty="0" smtClean="0"/>
+          </a:p>
+          <a:p>
+            <a:pPr marL="0" indent="0">
+              <a:buNone/>
+            </a:pPr>
+            <a:r>
+              <a:rPr lang="en-US" dirty="0" smtClean="0">
+                <a:solidFill>
+                  <a:schemeClr val="tx2">
+                    <a:lumMod val="75000"/>
+                  </a:schemeClr>
+                </a:solidFill>
+              </a:rPr>
+              <a:t># </a:t>
+            </a:r>
+            <a:r>
+              <a:rPr lang="ru-RU" dirty="0" smtClean="0">
+                <a:solidFill>
+                  <a:schemeClr val="tx2">
+                    <a:lumMod val="75000"/>
+                  </a:schemeClr>
+                </a:solidFill>
+              </a:rPr>
+              <a:t>синтаксис</a:t>
+            </a:r>
+          </a:p>
+          <a:p>
+            <a:pPr marL="0" indent="0">
+              <a:buNone/>
+            </a:pPr>
+            <a:r>
+              <a:rPr lang="en-US" dirty="0"/>
+              <a:t>var = IntVar()</a:t>
+            </a:r>
+          </a:p>
+          <a:p>
+            <a:pPr marL="0" indent="0">
+              <a:buNone/>
+            </a:pPr>
+            <a:r>
+              <a:rPr lang="en-US" dirty="0"/>
+              <a:t>var.set(</a:t>
+            </a:r>
+            <a:r>
+              <a:rPr lang="en-US" dirty="0">
+                <a:solidFill>
+                  <a:schemeClr val="bg2">
+                    <a:lumMod val="60000"/>
+                    <a:lumOff val="40000"/>
+                  </a:schemeClr>
+                </a:solidFill>
+              </a:rPr>
+              <a:t>0</a:t>
+            </a:r>
+            <a:r>
+              <a:rPr lang="en-US" dirty="0"/>
+              <a:t>)</a:t>
+            </a:r>
+            <a:r>
+              <a:rPr lang="ru-RU" dirty="0"/>
+              <a:t>	</a:t>
+            </a:r>
+            <a:r>
+              <a:rPr lang="en-US" dirty="0">
+                <a:solidFill>
+                  <a:schemeClr val="tx2">
+                    <a:lumMod val="75000"/>
+                  </a:schemeClr>
+                </a:solidFill>
+              </a:rPr>
+              <a:t># </a:t>
+            </a:r>
+            <a:r>
+              <a:rPr lang="ru-RU" dirty="0">
+                <a:solidFill>
+                  <a:schemeClr val="tx2">
+                    <a:lumMod val="75000"/>
+                  </a:schemeClr>
+                </a:solidFill>
+              </a:rPr>
+              <a:t>по умолчанию передаем значение 0</a:t>
+            </a:r>
+            <a:endParaRPr lang="en-US" dirty="0">
+              <a:solidFill>
+                <a:schemeClr val="tx2">
+                  <a:lumMod val="75000"/>
+                </a:schemeClr>
+              </a:solidFill>
+            </a:endParaRPr>
+          </a:p>
+          <a:p>
+            <a:pPr marL="0" indent="0">
+              <a:buNone/>
+            </a:pPr>
+            <a:r>
+              <a:rPr lang="en-US" dirty="0" smtClean="0"/>
+              <a:t>rb1 </a:t>
+            </a:r>
+            <a:r>
+              <a:rPr lang="en-US" dirty="0"/>
+              <a:t>= </a:t>
+            </a:r>
+            <a:r>
+              <a:rPr lang="en-US" dirty="0" smtClean="0"/>
+              <a:t>Radiobutton(</a:t>
+            </a:r>
+            <a:r>
+              <a:rPr lang="en-US" dirty="0" smtClean="0">
+                <a:solidFill>
+                  <a:schemeClr val="accent5">
+                    <a:lumMod val="60000"/>
+                    <a:lumOff val="40000"/>
+                  </a:schemeClr>
+                </a:solidFill>
+              </a:rPr>
+              <a:t>text</a:t>
+            </a:r>
+            <a:r>
+              <a:rPr lang="en-US" dirty="0" smtClean="0"/>
+              <a:t>=</a:t>
+            </a:r>
+            <a:r>
+              <a:rPr lang="en-US" dirty="0" smtClean="0">
+                <a:solidFill>
+                  <a:schemeClr val="accent2">
+                    <a:lumMod val="60000"/>
+                    <a:lumOff val="40000"/>
+                  </a:schemeClr>
+                </a:solidFill>
+              </a:rPr>
+              <a:t>‘rb1</a:t>
+            </a:r>
+            <a:r>
+              <a:rPr lang="ru-RU" dirty="0" smtClean="0">
+                <a:solidFill>
+                  <a:schemeClr val="accent2">
+                    <a:lumMod val="60000"/>
+                    <a:lumOff val="40000"/>
+                  </a:schemeClr>
+                </a:solidFill>
+              </a:rPr>
+              <a:t>'</a:t>
+            </a:r>
+            <a:r>
+              <a:rPr lang="ru-RU" dirty="0" smtClean="0"/>
+              <a:t>, </a:t>
+            </a:r>
+            <a:r>
+              <a:rPr lang="en-US" dirty="0">
+                <a:solidFill>
+                  <a:schemeClr val="accent5">
+                    <a:lumMod val="60000"/>
+                    <a:lumOff val="40000"/>
+                  </a:schemeClr>
+                </a:solidFill>
+              </a:rPr>
+              <a:t>variable</a:t>
+            </a:r>
+            <a:r>
+              <a:rPr lang="en-US" dirty="0"/>
+              <a:t>=var, </a:t>
+            </a:r>
+            <a:r>
+              <a:rPr lang="en-US" dirty="0">
+                <a:solidFill>
+                  <a:schemeClr val="accent5">
+                    <a:lumMod val="60000"/>
+                    <a:lumOff val="40000"/>
+                  </a:schemeClr>
+                </a:solidFill>
+              </a:rPr>
+              <a:t>value</a:t>
+            </a:r>
+            <a:r>
+              <a:rPr lang="en-US" dirty="0"/>
+              <a:t>=</a:t>
+            </a:r>
+            <a:r>
+              <a:rPr lang="en-US" dirty="0">
+                <a:solidFill>
+                  <a:schemeClr val="bg2">
+                    <a:lumMod val="60000"/>
+                    <a:lumOff val="40000"/>
+                  </a:schemeClr>
+                </a:solidFill>
+              </a:rPr>
+              <a:t>0</a:t>
+            </a:r>
+            <a:r>
+              <a:rPr lang="en-US" dirty="0" smtClean="0"/>
+              <a:t>).pack()</a:t>
+            </a:r>
+          </a:p>
+          <a:p>
+            <a:pPr marL="0" indent="0">
+              <a:buNone/>
+            </a:pPr>
+            <a:r>
+              <a:rPr lang="en-US" dirty="0">
+                <a:solidFill>
+                  <a:schemeClr val="tx2">
+                    <a:lumMod val="75000"/>
+                  </a:schemeClr>
+                </a:solidFill>
+              </a:rPr>
+              <a:t># variable – </a:t>
+            </a:r>
+            <a:r>
+              <a:rPr lang="ru-RU" dirty="0">
+                <a:solidFill>
+                  <a:schemeClr val="tx2">
+                    <a:lumMod val="75000"/>
+                  </a:schemeClr>
+                </a:solidFill>
+              </a:rPr>
+              <a:t>связывает радиокнопку с </a:t>
+            </a:r>
+            <a:r>
+              <a:rPr lang="en-US" dirty="0">
+                <a:solidFill>
+                  <a:schemeClr val="tx2">
+                    <a:lumMod val="75000"/>
+                  </a:schemeClr>
+                </a:solidFill>
+              </a:rPr>
+              <a:t>IntVar</a:t>
+            </a:r>
+          </a:p>
+          <a:p>
+            <a:pPr marL="0" indent="0">
+              <a:buNone/>
+            </a:pPr>
+            <a:r>
+              <a:rPr lang="en-US" dirty="0">
+                <a:solidFill>
+                  <a:schemeClr val="tx2">
+                    <a:lumMod val="75000"/>
+                  </a:schemeClr>
+                </a:solidFill>
+              </a:rPr>
+              <a:t># value – </a:t>
+            </a:r>
+            <a:r>
+              <a:rPr lang="ru-RU" dirty="0">
+                <a:solidFill>
+                  <a:schemeClr val="tx2">
+                    <a:lumMod val="75000"/>
+                  </a:schemeClr>
+                </a:solidFill>
+              </a:rPr>
+              <a:t>фиксирует значение </a:t>
+            </a:r>
+            <a:r>
+              <a:rPr lang="ru-RU" dirty="0" smtClean="0">
+                <a:solidFill>
+                  <a:schemeClr val="tx2">
+                    <a:lumMod val="75000"/>
+                  </a:schemeClr>
+                </a:solidFill>
+              </a:rPr>
+              <a:t>кнопки</a:t>
+            </a:r>
+            <a:endParaRPr lang="en-US" dirty="0" smtClean="0"/>
+          </a:p>
+          <a:p>
+            <a:pPr marL="0" indent="0">
+              <a:buNone/>
+            </a:pPr>
+            <a:r>
+              <a:rPr lang="en-US" dirty="0" smtClean="0"/>
+              <a:t>rb2 </a:t>
+            </a:r>
+            <a:r>
+              <a:rPr lang="en-US" dirty="0"/>
+              <a:t>= Radiobutton(</a:t>
+            </a:r>
+            <a:r>
+              <a:rPr lang="en-US" dirty="0">
+                <a:solidFill>
+                  <a:schemeClr val="accent5">
+                    <a:lumMod val="60000"/>
+                    <a:lumOff val="40000"/>
+                  </a:schemeClr>
+                </a:solidFill>
+              </a:rPr>
+              <a:t>text</a:t>
+            </a:r>
+            <a:r>
+              <a:rPr lang="en-US" dirty="0" smtClean="0"/>
+              <a:t>=</a:t>
+            </a:r>
+            <a:r>
+              <a:rPr lang="en-US" dirty="0" smtClean="0">
+                <a:solidFill>
+                  <a:schemeClr val="accent2">
+                    <a:lumMod val="60000"/>
+                    <a:lumOff val="40000"/>
+                  </a:schemeClr>
+                </a:solidFill>
+              </a:rPr>
+              <a:t>‘rb2</a:t>
+            </a:r>
+            <a:r>
+              <a:rPr lang="ru-RU" dirty="0" smtClean="0">
+                <a:solidFill>
+                  <a:schemeClr val="accent2">
+                    <a:lumMod val="60000"/>
+                    <a:lumOff val="40000"/>
+                  </a:schemeClr>
+                </a:solidFill>
+              </a:rPr>
+              <a:t>'</a:t>
+            </a:r>
+            <a:r>
+              <a:rPr lang="ru-RU" dirty="0" smtClean="0"/>
+              <a:t>, </a:t>
+            </a:r>
+            <a:r>
+              <a:rPr lang="en-US" dirty="0">
+                <a:solidFill>
+                  <a:schemeClr val="accent5">
+                    <a:lumMod val="60000"/>
+                    <a:lumOff val="40000"/>
+                  </a:schemeClr>
+                </a:solidFill>
+              </a:rPr>
+              <a:t>variable</a:t>
+            </a:r>
+            <a:r>
+              <a:rPr lang="en-US" dirty="0"/>
+              <a:t>=var, </a:t>
+            </a:r>
+            <a:r>
+              <a:rPr lang="en-US" dirty="0" smtClean="0">
+                <a:solidFill>
+                  <a:schemeClr val="accent5">
+                    <a:lumMod val="60000"/>
+                    <a:lumOff val="40000"/>
+                  </a:schemeClr>
+                </a:solidFill>
+              </a:rPr>
+              <a:t>value</a:t>
+            </a:r>
+            <a:r>
+              <a:rPr lang="en-US" dirty="0" smtClean="0"/>
+              <a:t>=</a:t>
+            </a:r>
+            <a:r>
+              <a:rPr lang="en-US" dirty="0" smtClean="0">
+                <a:solidFill>
+                  <a:schemeClr val="bg2">
+                    <a:lumMod val="60000"/>
+                    <a:lumOff val="40000"/>
+                  </a:schemeClr>
+                </a:solidFill>
+              </a:rPr>
+              <a:t>1</a:t>
+            </a:r>
+            <a:r>
+              <a:rPr lang="en-US" dirty="0" smtClean="0"/>
+              <a:t>).pack()</a:t>
+            </a:r>
+          </a:p>
+        </p:txBody>
+      </p:sp>
+    </p:spTree>
+    <p:extLst>
+      <p:ext uri="{BB962C8B-B14F-4D97-AF65-F5344CB8AC3E}">
+        <p14:creationId xmlns:p14="http://schemas.microsoft.com/office/powerpoint/2010/main" val="2357228310"/>
+      </p:ext>
+    </p:extLst>
+  </p:cSld>
+  <p:clrMapOvr>
+    <a:masterClrMapping/>
+  </p:clrMapOvr>
+  <p:timing>
+    <p:tnLst>
+      <p:par>
+        <p:cTn id="1" dur="indefinite" restart="never" nodeType="tmRoot"/>
+      </p:par>
+    </p:tnLst>
+  </p:timing>
+</p:sld>
+</file>
+
+<file path=ppt/slides/slide13.xml><?xml version="1.0" encoding="utf-8"?>
+<p:sld xmlns:a="http://schemas.openxmlformats.org/drawingml/2006/main" xmlns:r="http://schemas.openxmlformats.org/officeDocument/2006/relationships" xmlns:p="http://schemas.openxmlformats.org/presentationml/2006/main">
+  <p:cSld>
+    <p:spTree>
+      <p:nvGrpSpPr>
+        <p:cNvPr id="1" name=""/>
+        <p:cNvGrpSpPr/>
+        <p:nvPr/>
+      </p:nvGrpSpPr>
+      <p:grpSpPr>
+        <a:xfrm>
+          <a:off x="0" y="0"/>
+          <a:ext cx="0" cy="0"/>
+          <a:chOff x="0" y="0"/>
+          <a:chExt cx="0" cy="0"/>
+        </a:xfrm>
+      </p:grpSpPr>
+      <p:sp>
+        <p:nvSpPr>
+          <p:cNvPr id="2" name="Заголовок 1"/>
+          <p:cNvSpPr>
+            <a:spLocks noGrp="1"/>
+          </p:cNvSpPr>
+          <p:nvPr>
+            <p:ph type="title"/>
+          </p:nvPr>
+        </p:nvSpPr>
+        <p:spPr>
+          <a:xfrm>
+            <a:off x="677334" y="609600"/>
+            <a:ext cx="8596668" cy="757382"/>
+          </a:xfrm>
+        </p:spPr>
+        <p:txBody>
+          <a:bodyPr>
+            <a:normAutofit/>
+          </a:bodyPr>
+          <a:lstStyle/>
+          <a:p>
+            <a:r>
+              <a:rPr lang="en-US" sz="3200" dirty="0" smtClean="0"/>
+              <a:t>Front </a:t>
+            </a:r>
+            <a:r>
+              <a:rPr lang="en-US" sz="3200" dirty="0" smtClean="0"/>
+              <a:t>end </a:t>
+            </a:r>
+            <a:r>
+              <a:rPr lang="en-US" sz="3200" dirty="0" smtClean="0"/>
+              <a:t>/ </a:t>
+            </a:r>
+            <a:r>
+              <a:rPr lang="ru-RU" sz="3200" dirty="0" smtClean="0"/>
+              <a:t>Проектирование радио кнопок</a:t>
+            </a:r>
+            <a:endParaRPr lang="ru-RU" sz="3200" dirty="0"/>
+          </a:p>
+        </p:txBody>
+      </p:sp>
+      <p:sp>
+        <p:nvSpPr>
+          <p:cNvPr id="3" name="Объект 2"/>
+          <p:cNvSpPr>
+            <a:spLocks noGrp="1"/>
+          </p:cNvSpPr>
+          <p:nvPr>
+            <p:ph idx="1"/>
+          </p:nvPr>
+        </p:nvSpPr>
+        <p:spPr>
+          <a:xfrm>
+            <a:off x="677334" y="1588655"/>
+            <a:ext cx="8743757" cy="4922981"/>
+          </a:xfrm>
+        </p:spPr>
+        <p:txBody>
+          <a:bodyPr>
+            <a:normAutofit/>
+          </a:bodyPr>
+          <a:lstStyle/>
+          <a:p>
+            <a:pPr marL="0" indent="0">
+              <a:buNone/>
+            </a:pPr>
+            <a:r>
+              <a:rPr lang="en-US" dirty="0">
+                <a:solidFill>
+                  <a:schemeClr val="tx2">
+                    <a:lumMod val="75000"/>
+                  </a:schemeClr>
+                </a:solidFill>
+              </a:rPr>
+              <a:t># </a:t>
+            </a:r>
+            <a:r>
+              <a:rPr lang="ru-RU" dirty="0" smtClean="0">
+                <a:solidFill>
+                  <a:schemeClr val="tx2">
+                    <a:lumMod val="75000"/>
+                  </a:schemeClr>
+                </a:solidFill>
+              </a:rPr>
+              <a:t>Подокно для радиокнопок выбора пола</a:t>
+            </a:r>
+            <a:endParaRPr lang="en-US" dirty="0">
+              <a:solidFill>
+                <a:schemeClr val="tx2">
+                  <a:lumMod val="75000"/>
+                </a:schemeClr>
+              </a:solidFill>
+            </a:endParaRPr>
+          </a:p>
+          <a:p>
+            <a:pPr marL="0" indent="0">
+              <a:buNone/>
+            </a:pPr>
+            <a:r>
+              <a:rPr lang="en-US" dirty="0"/>
+              <a:t>radio_frame = Frame(</a:t>
+            </a:r>
+            <a:r>
+              <a:rPr lang="en-US" dirty="0">
+                <a:solidFill>
+                  <a:schemeClr val="accent5">
+                    <a:lumMod val="60000"/>
+                    <a:lumOff val="40000"/>
+                  </a:schemeClr>
+                </a:solidFill>
+              </a:rPr>
+              <a:t>master</a:t>
+            </a:r>
+            <a:r>
+              <a:rPr lang="en-US" dirty="0"/>
+              <a:t>=root</a:t>
+            </a:r>
+            <a:r>
+              <a:rPr lang="en-US" dirty="0" smtClean="0"/>
+              <a:t>)</a:t>
+            </a:r>
+          </a:p>
+          <a:p>
+            <a:pPr marL="0" indent="0">
+              <a:buNone/>
+            </a:pPr>
+            <a:endParaRPr lang="en-US" dirty="0" smtClean="0"/>
+          </a:p>
+          <a:p>
+            <a:pPr marL="0" indent="0">
+              <a:buNone/>
+            </a:pPr>
+            <a:r>
+              <a:rPr lang="en-US" dirty="0"/>
+              <a:t>lbl_sex = Label(</a:t>
+            </a:r>
+            <a:r>
+              <a:rPr lang="en-US" dirty="0">
+                <a:solidFill>
+                  <a:schemeClr val="accent5">
+                    <a:lumMod val="60000"/>
+                    <a:lumOff val="40000"/>
+                  </a:schemeClr>
+                </a:solidFill>
+              </a:rPr>
+              <a:t>master</a:t>
+            </a:r>
+            <a:r>
+              <a:rPr lang="en-US" dirty="0"/>
+              <a:t>=radio_frame, </a:t>
+            </a:r>
+            <a:r>
+              <a:rPr lang="en-US" dirty="0">
+                <a:solidFill>
+                  <a:schemeClr val="accent5">
+                    <a:lumMod val="60000"/>
+                    <a:lumOff val="40000"/>
+                  </a:schemeClr>
+                </a:solidFill>
+              </a:rPr>
+              <a:t>text</a:t>
+            </a:r>
+            <a:r>
+              <a:rPr lang="en-US" dirty="0"/>
+              <a:t>=</a:t>
+            </a:r>
+            <a:r>
+              <a:rPr lang="en-US" dirty="0">
+                <a:solidFill>
+                  <a:schemeClr val="accent2">
+                    <a:lumMod val="60000"/>
+                    <a:lumOff val="40000"/>
+                  </a:schemeClr>
+                </a:solidFill>
+              </a:rPr>
+              <a:t>'</a:t>
+            </a:r>
+            <a:r>
+              <a:rPr lang="ru-RU" dirty="0">
+                <a:solidFill>
+                  <a:schemeClr val="accent2">
+                    <a:lumMod val="60000"/>
+                    <a:lumOff val="40000"/>
+                  </a:schemeClr>
+                </a:solidFill>
+              </a:rPr>
+              <a:t>Выберите пол:'</a:t>
+            </a:r>
+            <a:r>
+              <a:rPr lang="ru-RU" dirty="0"/>
+              <a:t>)</a:t>
+            </a:r>
+          </a:p>
+          <a:p>
+            <a:pPr marL="0" indent="0">
+              <a:buNone/>
+            </a:pPr>
+            <a:endParaRPr lang="en-US" dirty="0"/>
+          </a:p>
+          <a:p>
+            <a:pPr marL="0" indent="0">
+              <a:buNone/>
+            </a:pPr>
+            <a:r>
+              <a:rPr lang="en-US" dirty="0">
+                <a:solidFill>
+                  <a:schemeClr val="tx2">
+                    <a:lumMod val="75000"/>
+                  </a:schemeClr>
+                </a:solidFill>
+              </a:rPr>
+              <a:t># </a:t>
+            </a:r>
+            <a:r>
+              <a:rPr lang="ru-RU" dirty="0" smtClean="0">
+                <a:solidFill>
+                  <a:schemeClr val="tx2">
+                    <a:lumMod val="75000"/>
+                  </a:schemeClr>
+                </a:solidFill>
+              </a:rPr>
+              <a:t>Проектирование радиокнопок</a:t>
+            </a:r>
+            <a:endParaRPr lang="ru-RU" dirty="0"/>
+          </a:p>
+          <a:p>
+            <a:pPr marL="0" indent="0">
+              <a:buNone/>
+            </a:pPr>
+            <a:r>
+              <a:rPr lang="en-US" dirty="0"/>
+              <a:t>var = IntVar()</a:t>
+            </a:r>
+          </a:p>
+          <a:p>
+            <a:pPr marL="0" indent="0">
+              <a:buNone/>
+            </a:pPr>
+            <a:r>
+              <a:rPr lang="en-US" dirty="0"/>
+              <a:t>var.set(</a:t>
+            </a:r>
+            <a:r>
+              <a:rPr lang="en-US" dirty="0">
+                <a:solidFill>
+                  <a:schemeClr val="bg2">
+                    <a:lumMod val="60000"/>
+                    <a:lumOff val="40000"/>
+                  </a:schemeClr>
+                </a:solidFill>
+              </a:rPr>
+              <a:t>0</a:t>
+            </a:r>
+            <a:r>
+              <a:rPr lang="en-US" dirty="0" smtClean="0"/>
+              <a:t>)</a:t>
+            </a:r>
+            <a:r>
+              <a:rPr lang="ru-RU" dirty="0"/>
+              <a:t>	</a:t>
+            </a:r>
+            <a:endParaRPr lang="en-US" dirty="0" smtClean="0"/>
+          </a:p>
+          <a:p>
+            <a:pPr marL="0" indent="0">
+              <a:buNone/>
+            </a:pPr>
+            <a:r>
+              <a:rPr lang="en-US" dirty="0" smtClean="0"/>
+              <a:t>male </a:t>
+            </a:r>
+            <a:r>
+              <a:rPr lang="en-US" dirty="0"/>
+              <a:t>= Radiobutton(</a:t>
+            </a:r>
+            <a:r>
+              <a:rPr lang="en-US" dirty="0">
+                <a:solidFill>
+                  <a:schemeClr val="accent5">
+                    <a:lumMod val="60000"/>
+                    <a:lumOff val="40000"/>
+                  </a:schemeClr>
+                </a:solidFill>
+              </a:rPr>
+              <a:t>master</a:t>
+            </a:r>
+            <a:r>
+              <a:rPr lang="en-US" dirty="0"/>
+              <a:t>=radio_frame, </a:t>
+            </a:r>
+            <a:r>
+              <a:rPr lang="en-US" dirty="0">
+                <a:solidFill>
+                  <a:schemeClr val="accent5">
+                    <a:lumMod val="60000"/>
+                    <a:lumOff val="40000"/>
+                  </a:schemeClr>
+                </a:solidFill>
+              </a:rPr>
+              <a:t>text</a:t>
+            </a:r>
+            <a:r>
+              <a:rPr lang="en-US" dirty="0"/>
+              <a:t>=</a:t>
+            </a:r>
+            <a:r>
+              <a:rPr lang="en-US" dirty="0">
+                <a:solidFill>
+                  <a:schemeClr val="accent2">
+                    <a:lumMod val="60000"/>
+                    <a:lumOff val="40000"/>
+                  </a:schemeClr>
+                </a:solidFill>
+              </a:rPr>
+              <a:t>'</a:t>
+            </a:r>
+            <a:r>
+              <a:rPr lang="ru-RU" dirty="0">
+                <a:solidFill>
+                  <a:schemeClr val="accent2">
+                    <a:lumMod val="60000"/>
+                    <a:lumOff val="40000"/>
+                  </a:schemeClr>
+                </a:solidFill>
+              </a:rPr>
+              <a:t>Мужской'</a:t>
+            </a:r>
+            <a:r>
+              <a:rPr lang="ru-RU" dirty="0"/>
+              <a:t>, </a:t>
+            </a:r>
+            <a:r>
+              <a:rPr lang="en-US" dirty="0">
+                <a:solidFill>
+                  <a:schemeClr val="accent5">
+                    <a:lumMod val="60000"/>
+                    <a:lumOff val="40000"/>
+                  </a:schemeClr>
+                </a:solidFill>
+              </a:rPr>
+              <a:t>variable</a:t>
+            </a:r>
+            <a:r>
+              <a:rPr lang="en-US" dirty="0"/>
+              <a:t>=var, </a:t>
+            </a:r>
+            <a:r>
+              <a:rPr lang="en-US" dirty="0">
+                <a:solidFill>
+                  <a:schemeClr val="accent5">
+                    <a:lumMod val="60000"/>
+                    <a:lumOff val="40000"/>
+                  </a:schemeClr>
+                </a:solidFill>
+              </a:rPr>
+              <a:t>value</a:t>
+            </a:r>
+            <a:r>
+              <a:rPr lang="en-US" dirty="0"/>
+              <a:t>=</a:t>
+            </a:r>
+            <a:r>
+              <a:rPr lang="en-US" dirty="0">
+                <a:solidFill>
+                  <a:schemeClr val="bg2">
+                    <a:lumMod val="60000"/>
+                    <a:lumOff val="40000"/>
+                  </a:schemeClr>
+                </a:solidFill>
+              </a:rPr>
+              <a:t>0</a:t>
+            </a:r>
+            <a:r>
+              <a:rPr lang="en-US" dirty="0" smtClean="0"/>
+              <a:t>)</a:t>
+            </a:r>
+            <a:endParaRPr lang="ru-RU" dirty="0" smtClean="0"/>
+          </a:p>
+          <a:p>
+            <a:pPr marL="0" indent="0">
+              <a:buNone/>
+            </a:pPr>
+            <a:r>
+              <a:rPr lang="en-US" dirty="0" smtClean="0"/>
+              <a:t>female </a:t>
+            </a:r>
+            <a:r>
+              <a:rPr lang="en-US" dirty="0"/>
+              <a:t>= Radiobutton(</a:t>
+            </a:r>
+            <a:r>
+              <a:rPr lang="en-US" dirty="0">
+                <a:solidFill>
+                  <a:schemeClr val="accent5">
+                    <a:lumMod val="60000"/>
+                    <a:lumOff val="40000"/>
+                  </a:schemeClr>
+                </a:solidFill>
+              </a:rPr>
+              <a:t>master</a:t>
+            </a:r>
+            <a:r>
+              <a:rPr lang="en-US" dirty="0"/>
+              <a:t>=radio_frame, </a:t>
+            </a:r>
+            <a:r>
+              <a:rPr lang="en-US" dirty="0">
+                <a:solidFill>
+                  <a:schemeClr val="accent5">
+                    <a:lumMod val="60000"/>
+                    <a:lumOff val="40000"/>
+                  </a:schemeClr>
+                </a:solidFill>
+              </a:rPr>
+              <a:t>text</a:t>
+            </a:r>
+            <a:r>
+              <a:rPr lang="en-US" dirty="0"/>
+              <a:t>=</a:t>
+            </a:r>
+            <a:r>
+              <a:rPr lang="en-US" dirty="0">
+                <a:solidFill>
+                  <a:schemeClr val="accent2">
+                    <a:lumMod val="60000"/>
+                    <a:lumOff val="40000"/>
+                  </a:schemeClr>
+                </a:solidFill>
+              </a:rPr>
+              <a:t>'</a:t>
+            </a:r>
+            <a:r>
+              <a:rPr lang="ru-RU" dirty="0">
+                <a:solidFill>
+                  <a:schemeClr val="accent2">
+                    <a:lumMod val="60000"/>
+                    <a:lumOff val="40000"/>
+                  </a:schemeClr>
+                </a:solidFill>
+              </a:rPr>
+              <a:t>Женский'</a:t>
+            </a:r>
+            <a:r>
+              <a:rPr lang="ru-RU" dirty="0"/>
+              <a:t>, </a:t>
+            </a:r>
+            <a:r>
+              <a:rPr lang="en-US" dirty="0">
+                <a:solidFill>
+                  <a:schemeClr val="accent5">
+                    <a:lumMod val="60000"/>
+                    <a:lumOff val="40000"/>
+                  </a:schemeClr>
+                </a:solidFill>
+              </a:rPr>
+              <a:t>variable</a:t>
+            </a:r>
+            <a:r>
+              <a:rPr lang="en-US" dirty="0"/>
+              <a:t>=var, </a:t>
+            </a:r>
+            <a:r>
+              <a:rPr lang="en-US" dirty="0">
+                <a:solidFill>
+                  <a:schemeClr val="accent5">
+                    <a:lumMod val="60000"/>
+                    <a:lumOff val="40000"/>
+                  </a:schemeClr>
+                </a:solidFill>
+              </a:rPr>
+              <a:t>value</a:t>
+            </a:r>
+            <a:r>
+              <a:rPr lang="en-US" dirty="0"/>
+              <a:t>=</a:t>
+            </a:r>
+            <a:r>
+              <a:rPr lang="en-US" dirty="0">
+                <a:solidFill>
+                  <a:schemeClr val="bg2">
+                    <a:lumMod val="60000"/>
+                    <a:lumOff val="40000"/>
+                  </a:schemeClr>
+                </a:solidFill>
+              </a:rPr>
+              <a:t>1</a:t>
+            </a:r>
+            <a:r>
+              <a:rPr lang="en-US" dirty="0" smtClean="0"/>
+              <a:t>)</a:t>
+            </a:r>
+            <a:endParaRPr lang="ru-RU" dirty="0" smtClean="0"/>
+          </a:p>
+        </p:txBody>
+      </p:sp>
+    </p:spTree>
+    <p:extLst>
+      <p:ext uri="{BB962C8B-B14F-4D97-AF65-F5344CB8AC3E}">
+        <p14:creationId xmlns:p14="http://schemas.microsoft.com/office/powerpoint/2010/main" val="443032182"/>
+      </p:ext>
+    </p:extLst>
+  </p:cSld>
+  <p:clrMapOvr>
+    <a:masterClrMapping/>
+  </p:clrMapOvr>
+  <p:timing>
+    <p:tnLst>
+      <p:par>
+        <p:cTn id="1" dur="indefinite" restart="never" nodeType="tmRoot"/>
+      </p:par>
+    </p:tnLst>
+  </p:timing>
+</p:sld>
+</file>
+
+<file path=ppt/slides/slide14.xml><?xml version="1.0" encoding="utf-8"?>
+<p:sld xmlns:a="http://schemas.openxmlformats.org/drawingml/2006/main" xmlns:r="http://schemas.openxmlformats.org/officeDocument/2006/relationships" xmlns:p="http://schemas.openxmlformats.org/presentationml/2006/main">
+  <p:cSld>
+    <p:spTree>
+      <p:nvGrpSpPr>
+        <p:cNvPr id="1" name=""/>
+        <p:cNvGrpSpPr/>
+        <p:nvPr/>
+      </p:nvGrpSpPr>
+      <p:grpSpPr>
+        <a:xfrm>
+          <a:off x="0" y="0"/>
+          <a:ext cx="0" cy="0"/>
+          <a:chOff x="0" y="0"/>
+          <a:chExt cx="0" cy="0"/>
+        </a:xfrm>
+      </p:grpSpPr>
+      <p:sp>
+        <p:nvSpPr>
+          <p:cNvPr id="2" name="Заголовок 1"/>
+          <p:cNvSpPr>
+            <a:spLocks noGrp="1"/>
+          </p:cNvSpPr>
+          <p:nvPr>
+            <p:ph type="title"/>
+          </p:nvPr>
+        </p:nvSpPr>
+        <p:spPr/>
+        <p:txBody>
+          <a:bodyPr>
+            <a:normAutofit/>
+          </a:bodyPr>
+          <a:lstStyle/>
+          <a:p>
+            <a:r>
+              <a:rPr lang="en-US" sz="3200" dirty="0"/>
+              <a:t>Front </a:t>
+            </a:r>
+            <a:r>
+              <a:rPr lang="en-US" sz="3200" dirty="0" smtClean="0"/>
+              <a:t>end</a:t>
+            </a:r>
+            <a:r>
+              <a:rPr lang="ru-RU" sz="3200" dirty="0" smtClean="0"/>
+              <a:t> </a:t>
+            </a:r>
+            <a:r>
+              <a:rPr lang="ru-RU" sz="3200" dirty="0"/>
+              <a:t>/</a:t>
+            </a:r>
+            <a:r>
+              <a:rPr lang="en-US" sz="3200" dirty="0"/>
+              <a:t> </a:t>
+            </a:r>
+            <a:r>
+              <a:rPr lang="ru-RU" sz="3200" dirty="0"/>
+              <a:t>функции </a:t>
+            </a:r>
+            <a:r>
+              <a:rPr lang="ru-RU" sz="3200" dirty="0" smtClean="0"/>
+              <a:t>развертывания </a:t>
+            </a:r>
+            <a:r>
+              <a:rPr lang="en-US" sz="3200" dirty="0"/>
+              <a:t>/ </a:t>
+            </a:r>
+            <a:r>
+              <a:rPr lang="ru-RU" sz="3200" dirty="0"/>
+              <a:t/>
+            </a:r>
+            <a:br>
+              <a:rPr lang="ru-RU" sz="3200" dirty="0"/>
+            </a:br>
+            <a:r>
+              <a:rPr lang="ru-RU" sz="3200" dirty="0" smtClean="0"/>
+              <a:t>радио кнопки</a:t>
+            </a:r>
+            <a:endParaRPr lang="ru-RU" sz="3200" dirty="0"/>
+          </a:p>
+        </p:txBody>
+      </p:sp>
+      <p:sp>
+        <p:nvSpPr>
+          <p:cNvPr id="3" name="Объект 2"/>
+          <p:cNvSpPr>
+            <a:spLocks noGrp="1"/>
+          </p:cNvSpPr>
+          <p:nvPr>
+            <p:ph idx="1"/>
+          </p:nvPr>
+        </p:nvSpPr>
+        <p:spPr/>
+        <p:txBody>
+          <a:bodyPr/>
+          <a:lstStyle/>
+          <a:p>
+            <a:pPr marL="0" indent="0">
+              <a:buNone/>
+            </a:pPr>
+            <a:r>
+              <a:rPr lang="en-US" dirty="0">
+                <a:solidFill>
+                  <a:schemeClr val="accent3">
+                    <a:lumMod val="60000"/>
+                    <a:lumOff val="40000"/>
+                  </a:schemeClr>
+                </a:solidFill>
+              </a:rPr>
+              <a:t>def</a:t>
+            </a:r>
+            <a:r>
+              <a:rPr lang="en-US" dirty="0"/>
+              <a:t> radio_open</a:t>
+            </a:r>
+            <a:r>
+              <a:rPr lang="en-US" dirty="0" smtClean="0"/>
+              <a:t>():</a:t>
+            </a:r>
+            <a:endParaRPr lang="ru-RU" dirty="0" smtClean="0"/>
+          </a:p>
+          <a:p>
+            <a:pPr marL="0" indent="0">
+              <a:buNone/>
+            </a:pPr>
+            <a:r>
+              <a:rPr lang="ru-RU" dirty="0"/>
+              <a:t>	</a:t>
+            </a:r>
+            <a:r>
+              <a:rPr lang="en-US" dirty="0" smtClean="0"/>
+              <a:t>radio_frame.pack(</a:t>
+            </a:r>
+            <a:r>
+              <a:rPr lang="en-US" dirty="0" smtClean="0">
+                <a:solidFill>
+                  <a:schemeClr val="accent5">
+                    <a:lumMod val="60000"/>
+                    <a:lumOff val="40000"/>
+                  </a:schemeClr>
+                </a:solidFill>
+              </a:rPr>
+              <a:t>side</a:t>
+            </a:r>
+            <a:r>
+              <a:rPr lang="en-US" dirty="0" smtClean="0"/>
+              <a:t>=TOP</a:t>
+            </a:r>
+            <a:r>
+              <a:rPr lang="en-US" dirty="0"/>
+              <a:t>, </a:t>
+            </a:r>
+            <a:r>
+              <a:rPr lang="en-US" dirty="0">
+                <a:solidFill>
+                  <a:schemeClr val="accent5">
+                    <a:lumMod val="60000"/>
+                    <a:lumOff val="40000"/>
+                  </a:schemeClr>
+                </a:solidFill>
+              </a:rPr>
+              <a:t>anchor</a:t>
+            </a:r>
+            <a:r>
+              <a:rPr lang="en-US" dirty="0"/>
+              <a:t>=W</a:t>
+            </a:r>
+            <a:r>
+              <a:rPr lang="en-US" dirty="0" smtClean="0"/>
+              <a:t>)</a:t>
+            </a:r>
+            <a:endParaRPr lang="ru-RU" dirty="0" smtClean="0"/>
+          </a:p>
+          <a:p>
+            <a:pPr marL="0" indent="0">
+              <a:buNone/>
+            </a:pPr>
+            <a:endParaRPr lang="en-US" dirty="0"/>
+          </a:p>
+          <a:p>
+            <a:pPr marL="0" indent="0">
+              <a:buNone/>
+            </a:pPr>
+            <a:r>
+              <a:rPr lang="en-US" dirty="0"/>
+              <a:t>    </a:t>
+            </a:r>
+            <a:r>
+              <a:rPr lang="ru-RU" dirty="0" smtClean="0"/>
+              <a:t>	</a:t>
+            </a:r>
+            <a:r>
+              <a:rPr lang="en-US" dirty="0" smtClean="0"/>
+              <a:t>lbl_sex.pack(</a:t>
+            </a:r>
+            <a:r>
+              <a:rPr lang="en-US" dirty="0" smtClean="0">
+                <a:solidFill>
+                  <a:schemeClr val="accent5">
+                    <a:lumMod val="60000"/>
+                    <a:lumOff val="40000"/>
+                  </a:schemeClr>
+                </a:solidFill>
+              </a:rPr>
+              <a:t>side</a:t>
+            </a:r>
+            <a:r>
+              <a:rPr lang="en-US" dirty="0" smtClean="0"/>
+              <a:t>=TOP</a:t>
+            </a:r>
+            <a:r>
+              <a:rPr lang="en-US" dirty="0"/>
+              <a:t>, </a:t>
+            </a:r>
+            <a:r>
+              <a:rPr lang="en-US" dirty="0">
+                <a:solidFill>
+                  <a:schemeClr val="accent5">
+                    <a:lumMod val="60000"/>
+                    <a:lumOff val="40000"/>
+                  </a:schemeClr>
+                </a:solidFill>
+              </a:rPr>
+              <a:t>anchor</a:t>
+            </a:r>
+            <a:r>
+              <a:rPr lang="en-US" dirty="0"/>
+              <a:t>=W)</a:t>
+            </a:r>
+          </a:p>
+          <a:p>
+            <a:pPr marL="0" indent="0">
+              <a:buNone/>
+            </a:pPr>
+            <a:endParaRPr lang="en-US" dirty="0"/>
+          </a:p>
+          <a:p>
+            <a:pPr marL="0" indent="0">
+              <a:buNone/>
+            </a:pPr>
+            <a:r>
+              <a:rPr lang="en-US" dirty="0"/>
+              <a:t>    </a:t>
+            </a:r>
+            <a:r>
+              <a:rPr lang="ru-RU" dirty="0" smtClean="0"/>
+              <a:t>	</a:t>
+            </a:r>
+            <a:r>
+              <a:rPr lang="en-US" dirty="0" smtClean="0"/>
+              <a:t>male.pack(</a:t>
+            </a:r>
+            <a:r>
+              <a:rPr lang="en-US" dirty="0" smtClean="0">
+                <a:solidFill>
+                  <a:schemeClr val="accent5">
+                    <a:lumMod val="60000"/>
+                    <a:lumOff val="40000"/>
+                  </a:schemeClr>
+                </a:solidFill>
+              </a:rPr>
+              <a:t>side</a:t>
+            </a:r>
+            <a:r>
+              <a:rPr lang="en-US" dirty="0" smtClean="0"/>
+              <a:t>=LEFT</a:t>
+            </a:r>
+            <a:r>
+              <a:rPr lang="en-US" dirty="0"/>
+              <a:t>, </a:t>
+            </a:r>
+            <a:r>
+              <a:rPr lang="en-US" dirty="0">
+                <a:solidFill>
+                  <a:schemeClr val="accent5">
+                    <a:lumMod val="60000"/>
+                    <a:lumOff val="40000"/>
+                  </a:schemeClr>
+                </a:solidFill>
+              </a:rPr>
+              <a:t>anchor</a:t>
+            </a:r>
+            <a:r>
+              <a:rPr lang="en-US" dirty="0"/>
+              <a:t>=W)</a:t>
+            </a:r>
+          </a:p>
+          <a:p>
+            <a:pPr marL="0" indent="0">
+              <a:buNone/>
+            </a:pPr>
+            <a:r>
+              <a:rPr lang="en-US" dirty="0"/>
+              <a:t>    </a:t>
+            </a:r>
+            <a:r>
+              <a:rPr lang="ru-RU" dirty="0" smtClean="0"/>
+              <a:t>	</a:t>
+            </a:r>
+            <a:r>
+              <a:rPr lang="en-US" dirty="0" smtClean="0"/>
+              <a:t>female.pack(</a:t>
+            </a:r>
+            <a:r>
+              <a:rPr lang="en-US" dirty="0" smtClean="0">
+                <a:solidFill>
+                  <a:schemeClr val="accent5">
+                    <a:lumMod val="60000"/>
+                    <a:lumOff val="40000"/>
+                  </a:schemeClr>
+                </a:solidFill>
+              </a:rPr>
+              <a:t>side</a:t>
+            </a:r>
+            <a:r>
+              <a:rPr lang="en-US" dirty="0" smtClean="0"/>
+              <a:t>=LEFT</a:t>
+            </a:r>
+            <a:r>
+              <a:rPr lang="en-US" dirty="0"/>
+              <a:t>, </a:t>
+            </a:r>
+            <a:r>
+              <a:rPr lang="en-US" dirty="0">
+                <a:solidFill>
+                  <a:schemeClr val="accent5">
+                    <a:lumMod val="60000"/>
+                    <a:lumOff val="40000"/>
+                  </a:schemeClr>
+                </a:solidFill>
+              </a:rPr>
+              <a:t>anchor</a:t>
+            </a:r>
+            <a:r>
+              <a:rPr lang="en-US" dirty="0"/>
+              <a:t>=W)</a:t>
+            </a:r>
+            <a:endParaRPr lang="ru-RU" dirty="0"/>
+          </a:p>
+        </p:txBody>
+      </p:sp>
+    </p:spTree>
+    <p:extLst>
+      <p:ext uri="{BB962C8B-B14F-4D97-AF65-F5344CB8AC3E}">
+        <p14:creationId xmlns:p14="http://schemas.microsoft.com/office/powerpoint/2010/main" val="1097621081"/>
+      </p:ext>
+    </p:extLst>
+  </p:cSld>
+  <p:clrMapOvr>
+    <a:masterClrMapping/>
+  </p:clrMapOvr>
+  <p:timing>
+    <p:tnLst>
+      <p:par>
+        <p:cTn id="1" dur="indefinite" restart="never" nodeType="tmRoot"/>
+      </p:par>
+    </p:tnLst>
+  </p:timing>
+</p:sld>
+</file>
+
+<file path=ppt/slides/slide15.xml><?xml version="1.0" encoding="utf-8"?>
+<p:sld xmlns:a="http://schemas.openxmlformats.org/drawingml/2006/main" xmlns:r="http://schemas.openxmlformats.org/officeDocument/2006/relationships" xmlns:p="http://schemas.openxmlformats.org/presentationml/2006/main">
+  <p:cSld>
+    <p:spTree>
+      <p:nvGrpSpPr>
+        <p:cNvPr id="1" name=""/>
+        <p:cNvGrpSpPr/>
+        <p:nvPr/>
+      </p:nvGrpSpPr>
+      <p:grpSpPr>
+        <a:xfrm>
+          <a:off x="0" y="0"/>
+          <a:ext cx="0" cy="0"/>
+          <a:chOff x="0" y="0"/>
+          <a:chExt cx="0" cy="0"/>
+        </a:xfrm>
+      </p:grpSpPr>
+      <p:sp>
+        <p:nvSpPr>
+          <p:cNvPr id="2" name="Заголовок 1"/>
+          <p:cNvSpPr>
+            <a:spLocks noGrp="1"/>
+          </p:cNvSpPr>
+          <p:nvPr>
+            <p:ph type="title"/>
+          </p:nvPr>
+        </p:nvSpPr>
+        <p:spPr>
+          <a:xfrm>
+            <a:off x="677334" y="609600"/>
+            <a:ext cx="8596668" cy="785091"/>
+          </a:xfrm>
+        </p:spPr>
+        <p:txBody>
+          <a:bodyPr/>
+          <a:lstStyle/>
+          <a:p>
+            <a:r>
+              <a:rPr lang="en-US" dirty="0" smtClean="0"/>
+              <a:t>Checkbutton</a:t>
+            </a:r>
+            <a:r>
+              <a:rPr lang="en-US" dirty="0" smtClean="0"/>
+              <a:t>(), BooleanVar()</a:t>
+            </a:r>
+            <a:endParaRPr lang="ru-RU" dirty="0"/>
+          </a:p>
+        </p:txBody>
+      </p:sp>
+      <p:sp>
+        <p:nvSpPr>
+          <p:cNvPr id="3" name="Объект 2"/>
+          <p:cNvSpPr>
+            <a:spLocks noGrp="1"/>
+          </p:cNvSpPr>
+          <p:nvPr>
+            <p:ph idx="1"/>
+          </p:nvPr>
+        </p:nvSpPr>
+        <p:spPr>
+          <a:xfrm>
+            <a:off x="677334" y="1727200"/>
+            <a:ext cx="8596668" cy="4747491"/>
+          </a:xfrm>
+        </p:spPr>
+        <p:txBody>
+          <a:bodyPr>
+            <a:normAutofit/>
+          </a:bodyPr>
+          <a:lstStyle/>
+          <a:p>
+            <a:pPr marL="0" indent="0">
+              <a:buNone/>
+            </a:pPr>
+            <a:r>
+              <a:rPr lang="en-US" dirty="0" smtClean="0"/>
+              <a:t>Checkbutton</a:t>
+            </a:r>
+            <a:r>
+              <a:rPr lang="ru-RU" dirty="0" smtClean="0"/>
+              <a:t>()</a:t>
+            </a:r>
+            <a:r>
+              <a:rPr lang="en-US" dirty="0" smtClean="0"/>
+              <a:t> – </a:t>
+            </a:r>
+            <a:r>
+              <a:rPr lang="ru-RU" dirty="0" smtClean="0"/>
+              <a:t>класс для создания кнопок-флагов</a:t>
+            </a:r>
+          </a:p>
+          <a:p>
+            <a:pPr marL="0" indent="0">
+              <a:buNone/>
+            </a:pPr>
+            <a:r>
+              <a:rPr lang="en-US" dirty="0" smtClean="0"/>
+              <a:t>BooleanVar</a:t>
+            </a:r>
+            <a:r>
+              <a:rPr lang="ru-RU" dirty="0" smtClean="0"/>
+              <a:t>()</a:t>
+            </a:r>
+            <a:r>
+              <a:rPr lang="en-US" dirty="0" smtClean="0"/>
+              <a:t> – </a:t>
+            </a:r>
+            <a:r>
+              <a:rPr lang="ru-RU" dirty="0" smtClean="0"/>
+              <a:t>класс координирующий значения флагов</a:t>
+            </a:r>
+            <a:endParaRPr lang="en-US" dirty="0" smtClean="0"/>
+          </a:p>
+          <a:p>
+            <a:pPr marL="0" indent="0">
+              <a:buNone/>
+            </a:pPr>
+            <a:endParaRPr lang="en-US" dirty="0"/>
+          </a:p>
+          <a:p>
+            <a:pPr marL="0" indent="0">
+              <a:buNone/>
+            </a:pPr>
+            <a:r>
+              <a:rPr lang="en-US" dirty="0">
+                <a:solidFill>
+                  <a:schemeClr val="tx2">
+                    <a:lumMod val="75000"/>
+                  </a:schemeClr>
+                </a:solidFill>
+              </a:rPr>
+              <a:t># </a:t>
+            </a:r>
+            <a:r>
+              <a:rPr lang="ru-RU" dirty="0" smtClean="0">
+                <a:solidFill>
+                  <a:schemeClr val="tx2">
+                    <a:lumMod val="75000"/>
+                  </a:schemeClr>
+                </a:solidFill>
+              </a:rPr>
+              <a:t>синтаксис</a:t>
+            </a:r>
+            <a:endParaRPr lang="en-US" dirty="0" smtClean="0">
+              <a:solidFill>
+                <a:schemeClr val="tx2">
+                  <a:lumMod val="75000"/>
+                </a:schemeClr>
+              </a:solidFill>
+            </a:endParaRPr>
+          </a:p>
+          <a:p>
+            <a:pPr marL="0" indent="0">
+              <a:buNone/>
+            </a:pPr>
+            <a:r>
+              <a:rPr lang="en-US" dirty="0" smtClean="0"/>
+              <a:t>bool1 </a:t>
+            </a:r>
+            <a:r>
+              <a:rPr lang="en-US" dirty="0"/>
+              <a:t>= BooleanVar()</a:t>
+            </a:r>
+          </a:p>
+          <a:p>
+            <a:pPr marL="0" indent="0">
+              <a:buNone/>
+            </a:pPr>
+            <a:r>
+              <a:rPr lang="en-US" dirty="0" smtClean="0"/>
+              <a:t>bool1.set(</a:t>
+            </a:r>
+            <a:r>
+              <a:rPr lang="en-US" dirty="0" smtClean="0">
+                <a:solidFill>
+                  <a:schemeClr val="bg2">
+                    <a:lumMod val="40000"/>
+                    <a:lumOff val="60000"/>
+                  </a:schemeClr>
+                </a:solidFill>
+              </a:rPr>
+              <a:t>0</a:t>
+            </a:r>
+            <a:r>
+              <a:rPr lang="en-US" dirty="0"/>
+              <a:t>)</a:t>
+            </a:r>
+          </a:p>
+          <a:p>
+            <a:pPr marL="0" indent="0">
+              <a:buNone/>
+            </a:pPr>
+            <a:r>
+              <a:rPr lang="en-US" dirty="0" smtClean="0"/>
+              <a:t>flag1 </a:t>
+            </a:r>
+            <a:r>
+              <a:rPr lang="en-US" dirty="0"/>
+              <a:t>= </a:t>
+            </a:r>
+            <a:r>
+              <a:rPr lang="en-US" dirty="0" smtClean="0"/>
+              <a:t>Checkbutton(</a:t>
+            </a:r>
+            <a:r>
+              <a:rPr lang="en-US" dirty="0" smtClean="0">
+                <a:solidFill>
+                  <a:schemeClr val="accent5">
+                    <a:lumMod val="60000"/>
+                    <a:lumOff val="40000"/>
+                  </a:schemeClr>
+                </a:solidFill>
+              </a:rPr>
+              <a:t>text</a:t>
+            </a:r>
+            <a:r>
+              <a:rPr lang="en-US" dirty="0" smtClean="0"/>
+              <a:t>=‘</a:t>
+            </a:r>
+            <a:r>
+              <a:rPr lang="en-US" dirty="0" smtClean="0">
+                <a:solidFill>
+                  <a:schemeClr val="accent2">
+                    <a:lumMod val="60000"/>
+                    <a:lumOff val="40000"/>
+                  </a:schemeClr>
+                </a:solidFill>
+              </a:rPr>
+              <a:t>flag1</a:t>
+            </a:r>
+            <a:r>
+              <a:rPr lang="en-US" dirty="0" smtClean="0"/>
+              <a:t>’, </a:t>
+            </a:r>
+            <a:r>
+              <a:rPr lang="en-US" dirty="0" smtClean="0">
+                <a:solidFill>
+                  <a:schemeClr val="accent5">
+                    <a:lumMod val="60000"/>
+                    <a:lumOff val="40000"/>
+                  </a:schemeClr>
+                </a:solidFill>
+              </a:rPr>
+              <a:t>variable</a:t>
+            </a:r>
+            <a:r>
+              <a:rPr lang="en-US" dirty="0" smtClean="0"/>
+              <a:t>=bool1, </a:t>
+            </a:r>
+            <a:r>
+              <a:rPr lang="en-US" dirty="0" smtClean="0">
+                <a:solidFill>
+                  <a:schemeClr val="accent5">
+                    <a:lumMod val="60000"/>
+                    <a:lumOff val="40000"/>
+                  </a:schemeClr>
+                </a:solidFill>
+              </a:rPr>
+              <a:t>onvalue</a:t>
+            </a:r>
+            <a:r>
+              <a:rPr lang="en-US" dirty="0" smtClean="0"/>
+              <a:t>=</a:t>
+            </a:r>
+            <a:r>
+              <a:rPr lang="en-US" dirty="0" smtClean="0">
+                <a:solidFill>
+                  <a:schemeClr val="bg2">
+                    <a:lumMod val="40000"/>
+                    <a:lumOff val="60000"/>
+                  </a:schemeClr>
+                </a:solidFill>
+              </a:rPr>
+              <a:t>1</a:t>
+            </a:r>
+            <a:r>
+              <a:rPr lang="en-US" dirty="0"/>
+              <a:t>,</a:t>
+            </a:r>
+            <a:r>
+              <a:rPr lang="ru-RU" dirty="0"/>
+              <a:t> </a:t>
+            </a:r>
+            <a:r>
+              <a:rPr lang="en-US" dirty="0" smtClean="0">
+                <a:solidFill>
+                  <a:schemeClr val="accent5">
+                    <a:lumMod val="60000"/>
+                    <a:lumOff val="40000"/>
+                  </a:schemeClr>
+                </a:solidFill>
+              </a:rPr>
+              <a:t>offvalue</a:t>
+            </a:r>
+            <a:r>
+              <a:rPr lang="en-US" dirty="0" smtClean="0"/>
+              <a:t>=</a:t>
+            </a:r>
+            <a:r>
+              <a:rPr lang="en-US" dirty="0" smtClean="0">
+                <a:solidFill>
+                  <a:schemeClr val="bg2">
+                    <a:lumMod val="40000"/>
+                    <a:lumOff val="60000"/>
+                  </a:schemeClr>
+                </a:solidFill>
+              </a:rPr>
+              <a:t>0</a:t>
+            </a:r>
+            <a:r>
+              <a:rPr lang="en-US" dirty="0" smtClean="0"/>
+              <a:t>).pack()</a:t>
+            </a:r>
+          </a:p>
+          <a:p>
+            <a:pPr marL="0" indent="0">
+              <a:buNone/>
+            </a:pPr>
+            <a:r>
+              <a:rPr lang="en-US" dirty="0" smtClean="0">
+                <a:solidFill>
+                  <a:schemeClr val="tx2">
+                    <a:lumMod val="75000"/>
+                  </a:schemeClr>
+                </a:solidFill>
+              </a:rPr>
+              <a:t># onvalue</a:t>
+            </a:r>
+            <a:r>
+              <a:rPr lang="ru-RU" dirty="0">
+                <a:solidFill>
+                  <a:schemeClr val="tx2">
+                    <a:lumMod val="75000"/>
+                  </a:schemeClr>
+                </a:solidFill>
+              </a:rPr>
+              <a:t>,</a:t>
+            </a:r>
+            <a:r>
+              <a:rPr lang="ru-RU" dirty="0" smtClean="0">
+                <a:solidFill>
+                  <a:schemeClr val="tx2">
+                    <a:lumMod val="75000"/>
+                  </a:schemeClr>
+                </a:solidFill>
+              </a:rPr>
+              <a:t> </a:t>
+            </a:r>
+            <a:r>
+              <a:rPr lang="en-US" dirty="0">
+                <a:solidFill>
+                  <a:schemeClr val="tx2">
+                    <a:lumMod val="75000"/>
+                  </a:schemeClr>
+                </a:solidFill>
+              </a:rPr>
+              <a:t>offvalue </a:t>
+            </a:r>
+            <a:r>
+              <a:rPr lang="en-US" dirty="0" smtClean="0">
+                <a:solidFill>
+                  <a:schemeClr val="tx2">
+                    <a:lumMod val="75000"/>
+                  </a:schemeClr>
+                </a:solidFill>
+              </a:rPr>
+              <a:t> – </a:t>
+            </a:r>
+            <a:r>
+              <a:rPr lang="ru-RU" dirty="0" smtClean="0">
+                <a:solidFill>
+                  <a:schemeClr val="tx2">
+                    <a:lumMod val="75000"/>
+                  </a:schemeClr>
+                </a:solidFill>
+              </a:rPr>
+              <a:t>условие включения и выключения</a:t>
+            </a:r>
+            <a:endParaRPr lang="en-US" dirty="0">
+              <a:solidFill>
+                <a:schemeClr val="tx2">
+                  <a:lumMod val="75000"/>
+                </a:schemeClr>
+              </a:solidFill>
+            </a:endParaRPr>
+          </a:p>
+          <a:p>
+            <a:pPr marL="0" indent="0">
+              <a:buNone/>
+            </a:pPr>
+            <a:r>
+              <a:rPr lang="en-US" dirty="0" smtClean="0"/>
+              <a:t>bool2 </a:t>
+            </a:r>
+            <a:r>
+              <a:rPr lang="en-US" dirty="0"/>
+              <a:t>= BooleanVar()</a:t>
+            </a:r>
+          </a:p>
+          <a:p>
+            <a:pPr marL="0" indent="0">
+              <a:buNone/>
+            </a:pPr>
+            <a:r>
+              <a:rPr lang="en-US" dirty="0" smtClean="0"/>
+              <a:t>bool2.set(</a:t>
+            </a:r>
+            <a:r>
+              <a:rPr lang="en-US" dirty="0" smtClean="0">
+                <a:solidFill>
+                  <a:schemeClr val="bg2">
+                    <a:lumMod val="40000"/>
+                    <a:lumOff val="60000"/>
+                  </a:schemeClr>
+                </a:solidFill>
+              </a:rPr>
+              <a:t>0</a:t>
+            </a:r>
+            <a:r>
+              <a:rPr lang="en-US" dirty="0"/>
+              <a:t>)</a:t>
+            </a:r>
+          </a:p>
+          <a:p>
+            <a:pPr marL="0" indent="0">
+              <a:buNone/>
+            </a:pPr>
+            <a:r>
+              <a:rPr lang="en-US" dirty="0" smtClean="0"/>
+              <a:t>flag2 </a:t>
+            </a:r>
+            <a:r>
+              <a:rPr lang="en-US" dirty="0"/>
+              <a:t>= Checkbutton(</a:t>
+            </a:r>
+            <a:r>
+              <a:rPr lang="en-US" dirty="0">
+                <a:solidFill>
+                  <a:schemeClr val="accent5">
+                    <a:lumMod val="60000"/>
+                    <a:lumOff val="40000"/>
+                  </a:schemeClr>
+                </a:solidFill>
+              </a:rPr>
+              <a:t>text</a:t>
+            </a:r>
+            <a:r>
+              <a:rPr lang="en-US" dirty="0"/>
+              <a:t>=‘</a:t>
+            </a:r>
+            <a:r>
+              <a:rPr lang="en-US" dirty="0" smtClean="0">
+                <a:solidFill>
+                  <a:schemeClr val="accent2">
+                    <a:lumMod val="60000"/>
+                    <a:lumOff val="40000"/>
+                  </a:schemeClr>
+                </a:solidFill>
+              </a:rPr>
+              <a:t>flag2</a:t>
+            </a:r>
+            <a:r>
+              <a:rPr lang="en-US" dirty="0" smtClean="0"/>
+              <a:t>’, </a:t>
+            </a:r>
+            <a:r>
+              <a:rPr lang="en-US" dirty="0" smtClean="0">
+                <a:solidFill>
+                  <a:schemeClr val="accent5">
+                    <a:lumMod val="60000"/>
+                    <a:lumOff val="40000"/>
+                  </a:schemeClr>
+                </a:solidFill>
+              </a:rPr>
+              <a:t>variable</a:t>
+            </a:r>
+            <a:r>
+              <a:rPr lang="en-US" dirty="0" smtClean="0"/>
+              <a:t>=bool2, </a:t>
+            </a:r>
+            <a:r>
+              <a:rPr lang="en-US" dirty="0">
+                <a:solidFill>
+                  <a:schemeClr val="accent5">
+                    <a:lumMod val="60000"/>
+                    <a:lumOff val="40000"/>
+                  </a:schemeClr>
+                </a:solidFill>
+              </a:rPr>
+              <a:t>onvalue</a:t>
+            </a:r>
+            <a:r>
+              <a:rPr lang="en-US" dirty="0"/>
+              <a:t>=</a:t>
+            </a:r>
+            <a:r>
+              <a:rPr lang="en-US" dirty="0">
+                <a:solidFill>
+                  <a:schemeClr val="bg2">
+                    <a:lumMod val="40000"/>
+                    <a:lumOff val="60000"/>
+                  </a:schemeClr>
+                </a:solidFill>
+              </a:rPr>
+              <a:t>1</a:t>
+            </a:r>
+            <a:r>
+              <a:rPr lang="en-US" dirty="0"/>
+              <a:t>,</a:t>
+            </a:r>
+            <a:r>
+              <a:rPr lang="ru-RU" dirty="0"/>
+              <a:t> </a:t>
+            </a:r>
+            <a:r>
+              <a:rPr lang="en-US" dirty="0">
+                <a:solidFill>
+                  <a:schemeClr val="accent5">
+                    <a:lumMod val="60000"/>
+                    <a:lumOff val="40000"/>
+                  </a:schemeClr>
+                </a:solidFill>
+              </a:rPr>
+              <a:t>offvalue</a:t>
+            </a:r>
+            <a:r>
+              <a:rPr lang="en-US" dirty="0"/>
+              <a:t>=</a:t>
+            </a:r>
+            <a:r>
+              <a:rPr lang="en-US" dirty="0">
+                <a:solidFill>
+                  <a:schemeClr val="bg2">
+                    <a:lumMod val="40000"/>
+                    <a:lumOff val="60000"/>
+                  </a:schemeClr>
+                </a:solidFill>
+              </a:rPr>
+              <a:t>0</a:t>
+            </a:r>
+            <a:r>
+              <a:rPr lang="en-US" dirty="0" smtClean="0"/>
+              <a:t>).pack()</a:t>
+            </a:r>
+            <a:endParaRPr lang="en-US" dirty="0" smtClean="0">
+              <a:solidFill>
+                <a:schemeClr val="tx2">
+                  <a:lumMod val="75000"/>
+                </a:schemeClr>
+              </a:solidFill>
+            </a:endParaRPr>
+          </a:p>
+        </p:txBody>
+      </p:sp>
+    </p:spTree>
+    <p:extLst>
+      <p:ext uri="{BB962C8B-B14F-4D97-AF65-F5344CB8AC3E}">
+        <p14:creationId xmlns:p14="http://schemas.microsoft.com/office/powerpoint/2010/main" val="276875398"/>
+      </p:ext>
+    </p:extLst>
+  </p:cSld>
+  <p:clrMapOvr>
+    <a:masterClrMapping/>
+  </p:clrMapOvr>
+  <p:timing>
+    <p:tnLst>
+      <p:par>
+        <p:cTn id="1" dur="indefinite" restart="never" nodeType="tmRoot"/>
+      </p:par>
+    </p:tnLst>
+  </p:timing>
+</p:sld>
+</file>
+
+<file path=ppt/slides/slide16.xml><?xml version="1.0" encoding="utf-8"?>
+<p:sld xmlns:a="http://schemas.openxmlformats.org/drawingml/2006/main" xmlns:r="http://schemas.openxmlformats.org/officeDocument/2006/relationships" xmlns:p="http://schemas.openxmlformats.org/presentationml/2006/main">
+  <p:cSld>
+    <p:spTree>
+      <p:nvGrpSpPr>
+        <p:cNvPr id="1" name=""/>
+        <p:cNvGrpSpPr/>
+        <p:nvPr/>
+      </p:nvGrpSpPr>
+      <p:grpSpPr>
+        <a:xfrm>
+          <a:off x="0" y="0"/>
+          <a:ext cx="0" cy="0"/>
+          <a:chOff x="0" y="0"/>
+          <a:chExt cx="0" cy="0"/>
+        </a:xfrm>
+      </p:grpSpPr>
+      <p:sp>
+        <p:nvSpPr>
+          <p:cNvPr id="2" name="Заголовок 1"/>
+          <p:cNvSpPr>
+            <a:spLocks noGrp="1"/>
+          </p:cNvSpPr>
+          <p:nvPr>
+            <p:ph type="title"/>
+          </p:nvPr>
+        </p:nvSpPr>
+        <p:spPr>
+          <a:xfrm>
+            <a:off x="677334" y="609600"/>
+            <a:ext cx="8596668" cy="766618"/>
+          </a:xfrm>
+        </p:spPr>
+        <p:txBody>
+          <a:bodyPr>
+            <a:normAutofit/>
+          </a:bodyPr>
+          <a:lstStyle/>
+          <a:p>
+            <a:r>
+              <a:rPr lang="en-US" sz="3200" dirty="0"/>
+              <a:t>Front </a:t>
+            </a:r>
+            <a:r>
+              <a:rPr lang="en-US" sz="3200" dirty="0"/>
+              <a:t>e</a:t>
+            </a:r>
+            <a:r>
+              <a:rPr lang="en-US" sz="3200" dirty="0" smtClean="0"/>
+              <a:t>nd </a:t>
+            </a:r>
+            <a:r>
+              <a:rPr lang="en-US" sz="3200" dirty="0"/>
+              <a:t>/ </a:t>
+            </a:r>
+            <a:r>
+              <a:rPr lang="ru-RU" sz="3200" dirty="0"/>
+              <a:t>Проектирование </a:t>
+            </a:r>
+            <a:r>
+              <a:rPr lang="ru-RU" sz="3200" dirty="0" smtClean="0"/>
+              <a:t>флагов</a:t>
+            </a:r>
+            <a:endParaRPr lang="ru-RU" sz="3200" dirty="0"/>
+          </a:p>
+        </p:txBody>
+      </p:sp>
+      <p:sp>
+        <p:nvSpPr>
+          <p:cNvPr id="3" name="Объект 2"/>
+          <p:cNvSpPr>
+            <a:spLocks noGrp="1"/>
+          </p:cNvSpPr>
+          <p:nvPr>
+            <p:ph idx="1"/>
+          </p:nvPr>
+        </p:nvSpPr>
+        <p:spPr>
+          <a:xfrm>
+            <a:off x="677334" y="1376219"/>
+            <a:ext cx="8596668" cy="5080000"/>
+          </a:xfrm>
+        </p:spPr>
+        <p:txBody>
+          <a:bodyPr>
+            <a:normAutofit/>
+          </a:bodyPr>
+          <a:lstStyle/>
+          <a:p>
+            <a:pPr marL="0" indent="0">
+              <a:buNone/>
+            </a:pPr>
+            <a:r>
+              <a:rPr lang="en-US" dirty="0">
+                <a:solidFill>
+                  <a:schemeClr val="tx2">
+                    <a:lumMod val="75000"/>
+                  </a:schemeClr>
+                </a:solidFill>
+              </a:rPr>
+              <a:t># </a:t>
+            </a:r>
+            <a:r>
+              <a:rPr lang="ru-RU" dirty="0" smtClean="0">
+                <a:solidFill>
+                  <a:schemeClr val="tx2">
+                    <a:lumMod val="75000"/>
+                  </a:schemeClr>
+                </a:solidFill>
+              </a:rPr>
+              <a:t>Подокно для флагов выбора интересов</a:t>
+            </a:r>
+            <a:endParaRPr lang="en-US" dirty="0">
+              <a:solidFill>
+                <a:schemeClr val="tx2">
+                  <a:lumMod val="75000"/>
+                </a:schemeClr>
+              </a:solidFill>
+            </a:endParaRPr>
+          </a:p>
+          <a:p>
+            <a:pPr marL="0" indent="0">
+              <a:buNone/>
+            </a:pPr>
+            <a:r>
+              <a:rPr lang="en-US" dirty="0"/>
+              <a:t>interest_frame = Frame(</a:t>
+            </a:r>
+            <a:r>
+              <a:rPr lang="en-US" dirty="0">
+                <a:solidFill>
+                  <a:schemeClr val="accent5">
+                    <a:lumMod val="60000"/>
+                    <a:lumOff val="40000"/>
+                  </a:schemeClr>
+                </a:solidFill>
+              </a:rPr>
+              <a:t>master</a:t>
+            </a:r>
+            <a:r>
+              <a:rPr lang="en-US" dirty="0"/>
+              <a:t>=root</a:t>
+            </a:r>
+            <a:r>
+              <a:rPr lang="en-US" dirty="0" smtClean="0"/>
+              <a:t>)</a:t>
+            </a:r>
+          </a:p>
+          <a:p>
+            <a:pPr marL="0" indent="0">
+              <a:buNone/>
+            </a:pPr>
+            <a:r>
+              <a:rPr lang="en-US" dirty="0" smtClean="0">
+                <a:solidFill>
+                  <a:schemeClr val="tx2">
+                    <a:lumMod val="75000"/>
+                  </a:schemeClr>
+                </a:solidFill>
+              </a:rPr>
+              <a:t># </a:t>
+            </a:r>
+            <a:r>
+              <a:rPr lang="ru-RU" dirty="0">
+                <a:solidFill>
+                  <a:schemeClr val="tx2">
+                    <a:lumMod val="75000"/>
+                  </a:schemeClr>
+                </a:solidFill>
+              </a:rPr>
+              <a:t>Н</a:t>
+            </a:r>
+            <a:r>
+              <a:rPr lang="ru-RU" dirty="0" smtClean="0">
+                <a:solidFill>
+                  <a:schemeClr val="tx2">
+                    <a:lumMod val="75000"/>
+                  </a:schemeClr>
+                </a:solidFill>
+              </a:rPr>
+              <a:t>азвание окна</a:t>
+            </a:r>
+            <a:endParaRPr lang="en-US" dirty="0">
+              <a:solidFill>
+                <a:schemeClr val="tx2">
+                  <a:lumMod val="75000"/>
+                </a:schemeClr>
+              </a:solidFill>
+            </a:endParaRPr>
+          </a:p>
+          <a:p>
+            <a:pPr marL="0" indent="0">
+              <a:buNone/>
+            </a:pPr>
+            <a:r>
+              <a:rPr lang="en-US" dirty="0"/>
+              <a:t>interest_lbl = Label(</a:t>
+            </a:r>
+            <a:r>
+              <a:rPr lang="en-US" dirty="0">
+                <a:solidFill>
+                  <a:schemeClr val="accent5">
+                    <a:lumMod val="60000"/>
+                    <a:lumOff val="40000"/>
+                  </a:schemeClr>
+                </a:solidFill>
+              </a:rPr>
+              <a:t>master</a:t>
+            </a:r>
+            <a:r>
+              <a:rPr lang="en-US" dirty="0"/>
+              <a:t>=</a:t>
+            </a:r>
+            <a:r>
+              <a:rPr lang="en-US" dirty="0" err="1"/>
+              <a:t>interest_frame</a:t>
+            </a:r>
+            <a:r>
+              <a:rPr lang="en-US" dirty="0"/>
+              <a:t>, </a:t>
+            </a:r>
+            <a:r>
+              <a:rPr lang="en-US" dirty="0">
+                <a:solidFill>
+                  <a:schemeClr val="accent5">
+                    <a:lumMod val="60000"/>
+                    <a:lumOff val="40000"/>
+                  </a:schemeClr>
+                </a:solidFill>
+              </a:rPr>
+              <a:t>text</a:t>
+            </a:r>
+            <a:r>
+              <a:rPr lang="en-US" dirty="0"/>
+              <a:t>=</a:t>
+            </a:r>
+            <a:r>
+              <a:rPr lang="en-US" dirty="0">
+                <a:solidFill>
+                  <a:schemeClr val="accent2">
+                    <a:lumMod val="60000"/>
+                    <a:lumOff val="40000"/>
+                  </a:schemeClr>
+                </a:solidFill>
+              </a:rPr>
+              <a:t>'</a:t>
+            </a:r>
+            <a:r>
+              <a:rPr lang="ru-RU" dirty="0">
+                <a:solidFill>
+                  <a:schemeClr val="accent2">
+                    <a:lumMod val="60000"/>
+                    <a:lumOff val="40000"/>
+                  </a:schemeClr>
+                </a:solidFill>
+              </a:rPr>
+              <a:t>Выберите интересы</a:t>
+            </a:r>
+            <a:r>
+              <a:rPr lang="ru-RU" dirty="0" smtClean="0">
+                <a:solidFill>
+                  <a:schemeClr val="accent2">
+                    <a:lumMod val="60000"/>
+                    <a:lumOff val="40000"/>
+                  </a:schemeClr>
+                </a:solidFill>
+              </a:rPr>
+              <a:t>:'</a:t>
+            </a:r>
+            <a:r>
+              <a:rPr lang="ru-RU" dirty="0" smtClean="0"/>
+              <a:t>)</a:t>
+            </a:r>
+            <a:endParaRPr lang="ru-RU" dirty="0"/>
+          </a:p>
+          <a:p>
+            <a:pPr marL="0" indent="0">
+              <a:buNone/>
+            </a:pPr>
+            <a:r>
+              <a:rPr lang="ru-RU" dirty="0">
+                <a:solidFill>
+                  <a:schemeClr val="tx2">
+                    <a:lumMod val="75000"/>
+                  </a:schemeClr>
+                </a:solidFill>
+              </a:rPr>
+              <a:t># </a:t>
+            </a:r>
+            <a:r>
+              <a:rPr lang="ru-RU" dirty="0" smtClean="0">
+                <a:solidFill>
+                  <a:schemeClr val="tx2">
+                    <a:lumMod val="75000"/>
+                  </a:schemeClr>
+                </a:solidFill>
+              </a:rPr>
+              <a:t>Список интересов</a:t>
+            </a:r>
+            <a:endParaRPr lang="en-US" dirty="0">
+              <a:solidFill>
+                <a:schemeClr val="tx2">
+                  <a:lumMod val="75000"/>
+                </a:schemeClr>
+              </a:solidFill>
+            </a:endParaRPr>
+          </a:p>
+          <a:p>
+            <a:pPr marL="0" indent="0">
+              <a:buNone/>
+            </a:pPr>
+            <a:r>
+              <a:rPr lang="en-US" dirty="0"/>
+              <a:t>interest_names = '</a:t>
+            </a:r>
+            <a:r>
+              <a:rPr lang="ru-RU" dirty="0">
+                <a:solidFill>
+                  <a:schemeClr val="accent2">
+                    <a:lumMod val="60000"/>
+                    <a:lumOff val="40000"/>
+                  </a:schemeClr>
+                </a:solidFill>
+              </a:rPr>
+              <a:t>Наука</a:t>
+            </a:r>
+            <a:r>
+              <a:rPr lang="ru-RU" dirty="0"/>
+              <a:t>', </a:t>
+            </a:r>
+            <a:r>
+              <a:rPr lang="ru-RU" dirty="0">
+                <a:solidFill>
+                  <a:schemeClr val="accent2">
+                    <a:lumMod val="60000"/>
+                    <a:lumOff val="40000"/>
+                  </a:schemeClr>
+                </a:solidFill>
+              </a:rPr>
+              <a:t>'Техника</a:t>
+            </a:r>
+            <a:r>
+              <a:rPr lang="ru-RU" dirty="0"/>
+              <a:t>', </a:t>
+            </a:r>
+            <a:r>
+              <a:rPr lang="ru-RU" dirty="0">
+                <a:solidFill>
+                  <a:schemeClr val="accent2">
+                    <a:lumMod val="60000"/>
+                    <a:lumOff val="40000"/>
+                  </a:schemeClr>
+                </a:solidFill>
+              </a:rPr>
+              <a:t>'</a:t>
+            </a:r>
+            <a:r>
+              <a:rPr lang="ru-RU" dirty="0" err="1">
+                <a:solidFill>
+                  <a:schemeClr val="accent2">
+                    <a:lumMod val="60000"/>
+                    <a:lumOff val="40000"/>
+                  </a:schemeClr>
+                </a:solidFill>
+              </a:rPr>
+              <a:t>Икусство</a:t>
+            </a:r>
+            <a:r>
+              <a:rPr lang="ru-RU" dirty="0"/>
+              <a:t>', </a:t>
+            </a:r>
+            <a:r>
+              <a:rPr lang="ru-RU" dirty="0">
+                <a:solidFill>
+                  <a:schemeClr val="accent2">
+                    <a:lumMod val="60000"/>
+                    <a:lumOff val="40000"/>
+                  </a:schemeClr>
+                </a:solidFill>
+              </a:rPr>
+              <a:t>'Путешествие</a:t>
+            </a:r>
+            <a:r>
+              <a:rPr lang="ru-RU" dirty="0"/>
+              <a:t>', </a:t>
+            </a:r>
+            <a:r>
+              <a:rPr lang="ru-RU" dirty="0">
+                <a:solidFill>
+                  <a:schemeClr val="accent2">
+                    <a:lumMod val="60000"/>
+                    <a:lumOff val="40000"/>
+                  </a:schemeClr>
+                </a:solidFill>
+              </a:rPr>
+              <a:t>'Спорт</a:t>
+            </a:r>
+            <a:r>
+              <a:rPr lang="ru-RU" dirty="0"/>
+              <a:t>', </a:t>
+            </a:r>
+            <a:r>
+              <a:rPr lang="ru-RU" dirty="0">
+                <a:solidFill>
+                  <a:schemeClr val="accent2">
+                    <a:lumMod val="60000"/>
+                    <a:lumOff val="40000"/>
+                  </a:schemeClr>
+                </a:solidFill>
+              </a:rPr>
+              <a:t>'Другое</a:t>
+            </a:r>
+            <a:r>
+              <a:rPr lang="ru-RU" dirty="0" smtClean="0"/>
+              <a:t>'</a:t>
+            </a:r>
+            <a:endParaRPr lang="ru-RU" dirty="0"/>
+          </a:p>
+        </p:txBody>
+      </p:sp>
+    </p:spTree>
+    <p:extLst>
+      <p:ext uri="{BB962C8B-B14F-4D97-AF65-F5344CB8AC3E}">
+        <p14:creationId xmlns:p14="http://schemas.microsoft.com/office/powerpoint/2010/main" val="839641970"/>
+      </p:ext>
+    </p:extLst>
+  </p:cSld>
+  <p:clrMapOvr>
+    <a:masterClrMapping/>
+  </p:clrMapOvr>
+  <p:timing>
+    <p:tnLst>
+      <p:par>
+        <p:cTn id="1" dur="indefinite" restart="never" nodeType="tmRoot"/>
+      </p:par>
+    </p:tnLst>
+  </p:timing>
+</p:sld>
+</file>
+
+<file path=ppt/slides/slide17.xml><?xml version="1.0" encoding="utf-8"?>
+<p:sld xmlns:a="http://schemas.openxmlformats.org/drawingml/2006/main" xmlns:r="http://schemas.openxmlformats.org/officeDocument/2006/relationships" xmlns:p="http://schemas.openxmlformats.org/presentationml/2006/main">
+  <p:cSld>
+    <p:spTree>
+      <p:nvGrpSpPr>
+        <p:cNvPr id="1" name=""/>
+        <p:cNvGrpSpPr/>
+        <p:nvPr/>
+      </p:nvGrpSpPr>
+      <p:grpSpPr>
+        <a:xfrm>
+          <a:off x="0" y="0"/>
+          <a:ext cx="0" cy="0"/>
+          <a:chOff x="0" y="0"/>
+          <a:chExt cx="0" cy="0"/>
+        </a:xfrm>
+      </p:grpSpPr>
+      <p:sp>
+        <p:nvSpPr>
+          <p:cNvPr id="2" name="Заголовок 1"/>
+          <p:cNvSpPr>
+            <a:spLocks noGrp="1"/>
+          </p:cNvSpPr>
+          <p:nvPr>
+            <p:ph type="title"/>
+          </p:nvPr>
+        </p:nvSpPr>
+        <p:spPr/>
+        <p:txBody>
+          <a:bodyPr>
+            <a:normAutofit/>
+          </a:bodyPr>
+          <a:lstStyle/>
+          <a:p>
+            <a:r>
+              <a:rPr lang="en-US" sz="3200" dirty="0"/>
+              <a:t>Front </a:t>
+            </a:r>
+            <a:r>
+              <a:rPr lang="en-US" sz="3200" dirty="0" smtClean="0"/>
+              <a:t>end</a:t>
+            </a:r>
+            <a:r>
+              <a:rPr lang="ru-RU" sz="3200" dirty="0" smtClean="0"/>
+              <a:t> </a:t>
+            </a:r>
+            <a:r>
+              <a:rPr lang="ru-RU" sz="3200" dirty="0"/>
+              <a:t>/</a:t>
+            </a:r>
+            <a:r>
+              <a:rPr lang="en-US" sz="3200" dirty="0"/>
+              <a:t> </a:t>
+            </a:r>
+            <a:r>
+              <a:rPr lang="ru-RU" sz="3200" dirty="0"/>
+              <a:t>функции </a:t>
+            </a:r>
+            <a:r>
+              <a:rPr lang="ru-RU" sz="3200" dirty="0" smtClean="0"/>
+              <a:t>создания </a:t>
+            </a:r>
+            <a:r>
+              <a:rPr lang="en-US" sz="3200" dirty="0"/>
+              <a:t>/ </a:t>
+            </a:r>
+            <a:r>
+              <a:rPr lang="ru-RU" sz="3200" dirty="0"/>
+              <a:t/>
+            </a:r>
+            <a:br>
+              <a:rPr lang="ru-RU" sz="3200" dirty="0"/>
+            </a:br>
+            <a:r>
+              <a:rPr lang="ru-RU" sz="3200" dirty="0" smtClean="0"/>
+              <a:t>флаги</a:t>
+            </a:r>
+            <a:endParaRPr lang="ru-RU" sz="3200" dirty="0"/>
+          </a:p>
+        </p:txBody>
+      </p:sp>
+      <p:sp>
+        <p:nvSpPr>
+          <p:cNvPr id="3" name="Объект 2"/>
+          <p:cNvSpPr>
+            <a:spLocks noGrp="1"/>
+          </p:cNvSpPr>
+          <p:nvPr>
+            <p:ph idx="1"/>
+          </p:nvPr>
+        </p:nvSpPr>
+        <p:spPr/>
+        <p:txBody>
+          <a:bodyPr/>
+          <a:lstStyle/>
+          <a:p>
+            <a:pPr marL="0" indent="0">
+              <a:buNone/>
+            </a:pPr>
+            <a:r>
+              <a:rPr lang="en-US" dirty="0">
+                <a:solidFill>
+                  <a:schemeClr val="accent3">
+                    <a:lumMod val="60000"/>
+                    <a:lumOff val="40000"/>
+                  </a:schemeClr>
+                </a:solidFill>
+              </a:rPr>
+              <a:t>def</a:t>
+            </a:r>
+            <a:r>
+              <a:rPr lang="en-US" dirty="0"/>
+              <a:t> </a:t>
+            </a:r>
+            <a:r>
+              <a:rPr lang="en-US" dirty="0" smtClean="0"/>
+              <a:t>create_flag(name</a:t>
+            </a:r>
+            <a:r>
+              <a:rPr lang="en-US" dirty="0"/>
+              <a:t>):</a:t>
+            </a:r>
+          </a:p>
+          <a:p>
+            <a:pPr marL="0" indent="0">
+              <a:buNone/>
+            </a:pPr>
+            <a:r>
+              <a:rPr lang="en-US" dirty="0"/>
+              <a:t>    boolean = BooleanVar()</a:t>
+            </a:r>
+          </a:p>
+          <a:p>
+            <a:pPr marL="0" indent="0">
+              <a:buNone/>
+            </a:pPr>
+            <a:r>
+              <a:rPr lang="en-US" dirty="0"/>
+              <a:t>    boolean.set(</a:t>
+            </a:r>
+            <a:r>
+              <a:rPr lang="en-US" dirty="0">
+                <a:solidFill>
+                  <a:schemeClr val="bg2">
+                    <a:lumMod val="40000"/>
+                    <a:lumOff val="60000"/>
+                  </a:schemeClr>
+                </a:solidFill>
+              </a:rPr>
+              <a:t>0</a:t>
+            </a:r>
+            <a:r>
+              <a:rPr lang="en-US" dirty="0"/>
+              <a:t>)</a:t>
+            </a:r>
+          </a:p>
+          <a:p>
+            <a:pPr marL="0" indent="0">
+              <a:buNone/>
+            </a:pPr>
+            <a:r>
+              <a:rPr lang="en-US" dirty="0"/>
+              <a:t>    flag = </a:t>
+            </a:r>
+            <a:r>
+              <a:rPr lang="en-US" dirty="0" smtClean="0"/>
+              <a:t>Checkbutton(</a:t>
+            </a:r>
+            <a:r>
+              <a:rPr lang="en-US" dirty="0" smtClean="0">
+                <a:solidFill>
+                  <a:schemeClr val="accent5">
+                    <a:lumMod val="60000"/>
+                    <a:lumOff val="40000"/>
+                  </a:schemeClr>
+                </a:solidFill>
+              </a:rPr>
+              <a:t>master</a:t>
+            </a:r>
+            <a:r>
+              <a:rPr lang="en-US" dirty="0" smtClean="0"/>
+              <a:t>=</a:t>
+            </a:r>
+            <a:r>
+              <a:rPr lang="en-US" dirty="0"/>
+              <a:t>interest_frame</a:t>
+            </a:r>
+            <a:r>
+              <a:rPr lang="en-US" dirty="0" smtClean="0"/>
+              <a:t>, </a:t>
+            </a:r>
+            <a:r>
+              <a:rPr lang="en-US" dirty="0">
+                <a:solidFill>
+                  <a:schemeClr val="accent5">
+                    <a:lumMod val="60000"/>
+                    <a:lumOff val="40000"/>
+                  </a:schemeClr>
+                </a:solidFill>
+              </a:rPr>
+              <a:t>text</a:t>
+            </a:r>
+            <a:r>
+              <a:rPr lang="en-US" dirty="0"/>
+              <a:t>=name, </a:t>
+            </a:r>
+            <a:r>
+              <a:rPr lang="en-US" dirty="0">
+                <a:solidFill>
+                  <a:schemeClr val="accent5">
+                    <a:lumMod val="60000"/>
+                    <a:lumOff val="40000"/>
+                  </a:schemeClr>
+                </a:solidFill>
+              </a:rPr>
+              <a:t>variable</a:t>
+            </a:r>
+            <a:r>
+              <a:rPr lang="en-US" dirty="0"/>
+              <a:t>=boolean, </a:t>
+            </a:r>
+            <a:endParaRPr lang="ru-RU" dirty="0" smtClean="0"/>
+          </a:p>
+          <a:p>
+            <a:pPr marL="0" indent="0">
+              <a:buNone/>
+            </a:pPr>
+            <a:r>
+              <a:rPr lang="ru-RU" dirty="0"/>
+              <a:t>	</a:t>
+            </a:r>
+            <a:r>
+              <a:rPr lang="ru-RU" dirty="0" smtClean="0"/>
+              <a:t>				</a:t>
+            </a:r>
+            <a:r>
+              <a:rPr lang="en-US" dirty="0" smtClean="0">
+                <a:solidFill>
+                  <a:schemeClr val="accent5">
+                    <a:lumMod val="60000"/>
+                    <a:lumOff val="40000"/>
+                  </a:schemeClr>
+                </a:solidFill>
+              </a:rPr>
+              <a:t>onvalue</a:t>
+            </a:r>
+            <a:r>
+              <a:rPr lang="en-US" dirty="0" smtClean="0"/>
+              <a:t>=</a:t>
+            </a:r>
+            <a:r>
+              <a:rPr lang="en-US" dirty="0" smtClean="0">
+                <a:solidFill>
+                  <a:schemeClr val="bg2">
+                    <a:lumMod val="40000"/>
+                    <a:lumOff val="60000"/>
+                  </a:schemeClr>
+                </a:solidFill>
+              </a:rPr>
+              <a:t>1</a:t>
+            </a:r>
+            <a:r>
+              <a:rPr lang="en-US" dirty="0" smtClean="0"/>
+              <a:t>,</a:t>
+            </a:r>
+            <a:r>
+              <a:rPr lang="ru-RU" dirty="0" smtClean="0"/>
+              <a:t> </a:t>
+            </a:r>
+            <a:r>
+              <a:rPr lang="en-US" dirty="0" smtClean="0">
+                <a:solidFill>
+                  <a:schemeClr val="accent5">
+                    <a:lumMod val="60000"/>
+                    <a:lumOff val="40000"/>
+                  </a:schemeClr>
+                </a:solidFill>
+              </a:rPr>
+              <a:t>offvalue</a:t>
+            </a:r>
+            <a:r>
+              <a:rPr lang="en-US" dirty="0" smtClean="0"/>
+              <a:t>=</a:t>
+            </a:r>
+            <a:r>
+              <a:rPr lang="en-US" dirty="0" smtClean="0">
+                <a:solidFill>
+                  <a:schemeClr val="bg2">
+                    <a:lumMod val="40000"/>
+                    <a:lumOff val="60000"/>
+                  </a:schemeClr>
+                </a:solidFill>
+              </a:rPr>
+              <a:t>0</a:t>
+            </a:r>
+            <a:r>
+              <a:rPr lang="en-US" dirty="0" smtClean="0"/>
+              <a:t>)</a:t>
+            </a:r>
+            <a:endParaRPr lang="en-US" dirty="0"/>
+          </a:p>
+          <a:p>
+            <a:pPr marL="0" indent="0">
+              <a:buNone/>
+            </a:pPr>
+            <a:r>
+              <a:rPr lang="en-US" dirty="0"/>
+              <a:t>    </a:t>
+            </a:r>
+            <a:r>
+              <a:rPr lang="en-US" dirty="0">
+                <a:solidFill>
+                  <a:schemeClr val="accent3">
+                    <a:lumMod val="60000"/>
+                    <a:lumOff val="40000"/>
+                  </a:schemeClr>
+                </a:solidFill>
+              </a:rPr>
+              <a:t>return</a:t>
+            </a:r>
+            <a:r>
+              <a:rPr lang="en-US" dirty="0"/>
+              <a:t> flag, boolean</a:t>
+            </a:r>
+            <a:endParaRPr lang="ru-RU" dirty="0"/>
+          </a:p>
+        </p:txBody>
+      </p:sp>
+    </p:spTree>
+    <p:extLst>
+      <p:ext uri="{BB962C8B-B14F-4D97-AF65-F5344CB8AC3E}">
+        <p14:creationId xmlns:p14="http://schemas.microsoft.com/office/powerpoint/2010/main" val="769429297"/>
+      </p:ext>
+    </p:extLst>
+  </p:cSld>
+  <p:clrMapOvr>
+    <a:masterClrMapping/>
+  </p:clrMapOvr>
+  <p:timing>
+    <p:tnLst>
+      <p:par>
+        <p:cTn id="1" dur="indefinite" restart="never" nodeType="tmRoot"/>
+      </p:par>
+    </p:tnLst>
+  </p:timing>
+</p:sld>
+</file>
+
+<file path=ppt/slides/slide18.xml><?xml version="1.0" encoding="utf-8"?>
+<p:sld xmlns:a="http://schemas.openxmlformats.org/drawingml/2006/main" xmlns:r="http://schemas.openxmlformats.org/officeDocument/2006/relationships" xmlns:p="http://schemas.openxmlformats.org/presentationml/2006/main">
+  <p:cSld>
+    <p:spTree>
+      <p:nvGrpSpPr>
+        <p:cNvPr id="1" name=""/>
+        <p:cNvGrpSpPr/>
+        <p:nvPr/>
+      </p:nvGrpSpPr>
+      <p:grpSpPr>
+        <a:xfrm>
+          <a:off x="0" y="0"/>
+          <a:ext cx="0" cy="0"/>
+          <a:chOff x="0" y="0"/>
+          <a:chExt cx="0" cy="0"/>
+        </a:xfrm>
+      </p:grpSpPr>
+      <p:sp>
+        <p:nvSpPr>
+          <p:cNvPr id="2" name="Заголовок 1"/>
+          <p:cNvSpPr>
+            <a:spLocks noGrp="1"/>
+          </p:cNvSpPr>
+          <p:nvPr>
+            <p:ph type="title"/>
+          </p:nvPr>
+        </p:nvSpPr>
+        <p:spPr>
+          <a:xfrm>
+            <a:off x="677334" y="609600"/>
+            <a:ext cx="8596668" cy="766618"/>
+          </a:xfrm>
+        </p:spPr>
+        <p:txBody>
+          <a:bodyPr>
+            <a:normAutofit/>
+          </a:bodyPr>
+          <a:lstStyle/>
+          <a:p>
+            <a:r>
+              <a:rPr lang="en-US" sz="3200" dirty="0"/>
+              <a:t>Front </a:t>
+            </a:r>
+            <a:r>
+              <a:rPr lang="en-US" sz="3200" dirty="0" smtClean="0"/>
+              <a:t>end </a:t>
+            </a:r>
+            <a:r>
+              <a:rPr lang="en-US" sz="3200" dirty="0"/>
+              <a:t>/ </a:t>
+            </a:r>
+            <a:r>
+              <a:rPr lang="ru-RU" sz="3200" dirty="0"/>
+              <a:t>Проектирование </a:t>
+            </a:r>
+            <a:r>
+              <a:rPr lang="ru-RU" sz="3200" dirty="0" smtClean="0"/>
+              <a:t>флагов</a:t>
+            </a:r>
+            <a:endParaRPr lang="ru-RU" sz="3200" dirty="0"/>
+          </a:p>
+        </p:txBody>
+      </p:sp>
+      <p:sp>
+        <p:nvSpPr>
+          <p:cNvPr id="3" name="Объект 2"/>
+          <p:cNvSpPr>
+            <a:spLocks noGrp="1"/>
+          </p:cNvSpPr>
+          <p:nvPr>
+            <p:ph idx="1"/>
+          </p:nvPr>
+        </p:nvSpPr>
+        <p:spPr>
+          <a:xfrm>
+            <a:off x="677334" y="1376219"/>
+            <a:ext cx="9473430" cy="5080000"/>
+          </a:xfrm>
+        </p:spPr>
+        <p:txBody>
+          <a:bodyPr>
+            <a:normAutofit/>
+          </a:bodyPr>
+          <a:lstStyle/>
+          <a:p>
+            <a:pPr marL="0" indent="0">
+              <a:buNone/>
+            </a:pPr>
+            <a:r>
+              <a:rPr lang="ru-RU" dirty="0" smtClean="0">
+                <a:solidFill>
+                  <a:schemeClr val="tx2">
+                    <a:lumMod val="75000"/>
+                  </a:schemeClr>
+                </a:solidFill>
+              </a:rPr>
+              <a:t># Создание лагов</a:t>
+            </a:r>
+            <a:endParaRPr lang="en-US" dirty="0" smtClean="0">
+              <a:solidFill>
+                <a:schemeClr val="tx2">
+                  <a:lumMod val="75000"/>
+                </a:schemeClr>
+              </a:solidFill>
+            </a:endParaRPr>
+          </a:p>
+          <a:p>
+            <a:pPr marL="0" indent="0">
+              <a:buNone/>
+            </a:pPr>
+            <a:r>
+              <a:rPr lang="en-US" dirty="0" smtClean="0"/>
+              <a:t>flag_sc</a:t>
+            </a:r>
+            <a:r>
+              <a:rPr lang="en-US" dirty="0"/>
+              <a:t>, bool_sc = </a:t>
+            </a:r>
+            <a:r>
+              <a:rPr lang="en-US" dirty="0" smtClean="0"/>
+              <a:t>create_flag(</a:t>
+            </a:r>
+            <a:r>
+              <a:rPr lang="en-US" dirty="0" smtClean="0">
+                <a:solidFill>
+                  <a:schemeClr val="accent5">
+                    <a:lumMod val="60000"/>
+                    <a:lumOff val="40000"/>
+                  </a:schemeClr>
+                </a:solidFill>
+              </a:rPr>
+              <a:t>name</a:t>
+            </a:r>
+            <a:r>
+              <a:rPr lang="en-US" dirty="0" smtClean="0"/>
+              <a:t>=interest_names[0</a:t>
+            </a:r>
+            <a:r>
+              <a:rPr lang="en-US" dirty="0"/>
+              <a:t>])</a:t>
+            </a:r>
+          </a:p>
+          <a:p>
+            <a:pPr marL="0" indent="0">
+              <a:buNone/>
+            </a:pPr>
+            <a:r>
+              <a:rPr lang="en-US" dirty="0"/>
+              <a:t>flag_tech, bool_tech = </a:t>
+            </a:r>
+            <a:r>
+              <a:rPr lang="en-US" dirty="0" smtClean="0"/>
+              <a:t>create_flag(</a:t>
+            </a:r>
+            <a:r>
+              <a:rPr lang="en-US" dirty="0" smtClean="0">
+                <a:solidFill>
+                  <a:schemeClr val="accent5">
+                    <a:lumMod val="60000"/>
+                    <a:lumOff val="40000"/>
+                  </a:schemeClr>
+                </a:solidFill>
+              </a:rPr>
+              <a:t>name</a:t>
+            </a:r>
+            <a:r>
+              <a:rPr lang="en-US" dirty="0" smtClean="0"/>
+              <a:t>=interest_names[1</a:t>
+            </a:r>
+            <a:r>
+              <a:rPr lang="en-US" dirty="0"/>
+              <a:t>])</a:t>
+            </a:r>
+          </a:p>
+          <a:p>
+            <a:pPr marL="0" indent="0">
+              <a:buNone/>
+            </a:pPr>
+            <a:r>
+              <a:rPr lang="en-US" dirty="0"/>
+              <a:t>flag_art, bool_art = </a:t>
+            </a:r>
+            <a:r>
+              <a:rPr lang="en-US" dirty="0" smtClean="0"/>
+              <a:t>create_flag(</a:t>
+            </a:r>
+            <a:r>
+              <a:rPr lang="en-US" dirty="0" smtClean="0">
+                <a:solidFill>
+                  <a:schemeClr val="accent5">
+                    <a:lumMod val="60000"/>
+                    <a:lumOff val="40000"/>
+                  </a:schemeClr>
+                </a:solidFill>
+              </a:rPr>
+              <a:t>name</a:t>
+            </a:r>
+            <a:r>
+              <a:rPr lang="en-US" dirty="0" smtClean="0"/>
+              <a:t>=interest_names[2</a:t>
+            </a:r>
+            <a:r>
+              <a:rPr lang="en-US" dirty="0"/>
+              <a:t>])</a:t>
+            </a:r>
+          </a:p>
+          <a:p>
+            <a:pPr marL="0" indent="0">
+              <a:buNone/>
+            </a:pPr>
+            <a:r>
+              <a:rPr lang="en-US" dirty="0"/>
+              <a:t>flag_tr, bool_tr = </a:t>
+            </a:r>
+            <a:r>
+              <a:rPr lang="en-US" dirty="0" smtClean="0"/>
+              <a:t>create_flag(</a:t>
+            </a:r>
+            <a:r>
+              <a:rPr lang="en-US" dirty="0" smtClean="0">
+                <a:solidFill>
+                  <a:schemeClr val="accent5">
+                    <a:lumMod val="60000"/>
+                    <a:lumOff val="40000"/>
+                  </a:schemeClr>
+                </a:solidFill>
+              </a:rPr>
+              <a:t>name</a:t>
+            </a:r>
+            <a:r>
+              <a:rPr lang="en-US" dirty="0" smtClean="0"/>
+              <a:t>=interest_names[3</a:t>
+            </a:r>
+            <a:r>
+              <a:rPr lang="en-US" dirty="0"/>
+              <a:t>])</a:t>
+            </a:r>
+          </a:p>
+          <a:p>
+            <a:pPr marL="0" indent="0">
+              <a:buNone/>
+            </a:pPr>
+            <a:r>
+              <a:rPr lang="en-US" dirty="0"/>
+              <a:t>flag_sp, bool_sp = </a:t>
+            </a:r>
+            <a:r>
+              <a:rPr lang="en-US" dirty="0" smtClean="0"/>
+              <a:t>create_flag(</a:t>
+            </a:r>
+            <a:r>
+              <a:rPr lang="en-US" dirty="0" smtClean="0">
+                <a:solidFill>
+                  <a:schemeClr val="accent5">
+                    <a:lumMod val="60000"/>
+                    <a:lumOff val="40000"/>
+                  </a:schemeClr>
+                </a:solidFill>
+              </a:rPr>
+              <a:t>name</a:t>
+            </a:r>
+            <a:r>
+              <a:rPr lang="en-US" dirty="0" smtClean="0"/>
+              <a:t>=interest_names[4</a:t>
+            </a:r>
+            <a:r>
+              <a:rPr lang="en-US" dirty="0"/>
+              <a:t>])</a:t>
+            </a:r>
+          </a:p>
+          <a:p>
+            <a:pPr marL="0" indent="0">
+              <a:buNone/>
+            </a:pPr>
+            <a:r>
+              <a:rPr lang="en-US" dirty="0"/>
+              <a:t>flag_an, bool_an = </a:t>
+            </a:r>
+            <a:r>
+              <a:rPr lang="en-US" dirty="0" smtClean="0"/>
+              <a:t>create_flag(</a:t>
+            </a:r>
+            <a:r>
+              <a:rPr lang="en-US" dirty="0" smtClean="0">
+                <a:solidFill>
+                  <a:schemeClr val="accent5">
+                    <a:lumMod val="60000"/>
+                    <a:lumOff val="40000"/>
+                  </a:schemeClr>
+                </a:solidFill>
+              </a:rPr>
+              <a:t>name</a:t>
+            </a:r>
+            <a:r>
+              <a:rPr lang="en-US" dirty="0" smtClean="0"/>
+              <a:t>=interest_names[5</a:t>
+            </a:r>
+            <a:r>
+              <a:rPr lang="en-US" dirty="0"/>
+              <a:t>])</a:t>
+            </a:r>
+          </a:p>
+          <a:p>
+            <a:pPr marL="0" indent="0">
+              <a:buNone/>
+            </a:pPr>
+            <a:r>
+              <a:rPr lang="en-US" dirty="0">
+                <a:solidFill>
+                  <a:schemeClr val="tx2">
+                    <a:lumMod val="75000"/>
+                  </a:schemeClr>
+                </a:solidFill>
+              </a:rPr>
+              <a:t># </a:t>
+            </a:r>
+            <a:r>
+              <a:rPr lang="ru-RU" dirty="0" smtClean="0">
+                <a:solidFill>
+                  <a:schemeClr val="tx2">
+                    <a:lumMod val="75000"/>
+                  </a:schemeClr>
+                </a:solidFill>
+              </a:rPr>
+              <a:t>Списки флагов и их булевых значений</a:t>
+            </a:r>
+          </a:p>
+          <a:p>
+            <a:pPr marL="0" indent="0">
+              <a:buNone/>
+            </a:pPr>
+            <a:r>
+              <a:rPr lang="en-US" dirty="0" smtClean="0"/>
+              <a:t>flags </a:t>
+            </a:r>
+            <a:r>
+              <a:rPr lang="en-US" dirty="0"/>
+              <a:t>= flag_sc, flag_tech, flag_art, flag_tr, flag_sp, flag_an</a:t>
+            </a:r>
+          </a:p>
+          <a:p>
+            <a:pPr marL="0" indent="0">
+              <a:buNone/>
+            </a:pPr>
+            <a:r>
+              <a:rPr lang="en-US" dirty="0"/>
+              <a:t>booleans_interest = bool_sc, bool_tech, bool_art, bool_tr, bool_sp, bool_an</a:t>
+            </a:r>
+            <a:endParaRPr lang="ru-RU" dirty="0"/>
+          </a:p>
+        </p:txBody>
+      </p:sp>
+    </p:spTree>
+    <p:extLst>
+      <p:ext uri="{BB962C8B-B14F-4D97-AF65-F5344CB8AC3E}">
+        <p14:creationId xmlns:p14="http://schemas.microsoft.com/office/powerpoint/2010/main" val="576490313"/>
+      </p:ext>
+    </p:extLst>
+  </p:cSld>
+  <p:clrMapOvr>
+    <a:masterClrMapping/>
+  </p:clrMapOvr>
+  <p:timing>
+    <p:tnLst>
+      <p:par>
+        <p:cTn id="1" dur="indefinite" restart="never" nodeType="tmRoot"/>
+      </p:par>
+    </p:tnLst>
+  </p:timing>
+</p:sld>
+</file>
+
+<file path=ppt/slides/slide19.xml><?xml version="1.0" encoding="utf-8"?>
+<p:sld xmlns:a="http://schemas.openxmlformats.org/drawingml/2006/main" xmlns:r="http://schemas.openxmlformats.org/officeDocument/2006/relationships" xmlns:p="http://schemas.openxmlformats.org/presentationml/2006/main">
+  <p:cSld>
+    <p:spTree>
+      <p:nvGrpSpPr>
+        <p:cNvPr id="1" name=""/>
+        <p:cNvGrpSpPr/>
+        <p:nvPr/>
+      </p:nvGrpSpPr>
+      <p:grpSpPr>
+        <a:xfrm>
+          <a:off x="0" y="0"/>
+          <a:ext cx="0" cy="0"/>
+          <a:chOff x="0" y="0"/>
+          <a:chExt cx="0" cy="0"/>
+        </a:xfrm>
+      </p:grpSpPr>
+      <p:sp>
+        <p:nvSpPr>
+          <p:cNvPr id="2" name="Заголовок 1"/>
+          <p:cNvSpPr>
+            <a:spLocks noGrp="1"/>
+          </p:cNvSpPr>
+          <p:nvPr>
+            <p:ph type="title"/>
+          </p:nvPr>
+        </p:nvSpPr>
+        <p:spPr/>
+        <p:txBody>
+          <a:bodyPr/>
+          <a:lstStyle/>
+          <a:p>
+            <a:r>
+              <a:rPr lang="ru-RU" dirty="0" smtClean="0"/>
+              <a:t>Функция </a:t>
+            </a:r>
+            <a:r>
+              <a:rPr lang="en-US" dirty="0" smtClean="0"/>
+              <a:t>len()</a:t>
+            </a:r>
+            <a:endParaRPr lang="ru-RU" dirty="0"/>
+          </a:p>
+        </p:txBody>
+      </p:sp>
+      <p:sp>
+        <p:nvSpPr>
+          <p:cNvPr id="3" name="Объект 2"/>
+          <p:cNvSpPr>
+            <a:spLocks noGrp="1"/>
+          </p:cNvSpPr>
+          <p:nvPr>
+            <p:ph idx="1"/>
+          </p:nvPr>
+        </p:nvSpPr>
+        <p:spPr/>
+        <p:txBody>
+          <a:bodyPr/>
+          <a:lstStyle/>
+          <a:p>
+            <a:pPr marL="0" indent="0">
+              <a:buNone/>
+            </a:pPr>
+            <a:r>
+              <a:rPr lang="ru-RU" dirty="0" smtClean="0"/>
+              <a:t>Считает количество объектов в списке</a:t>
+            </a:r>
+          </a:p>
+          <a:p>
+            <a:pPr marL="0" indent="0">
+              <a:buNone/>
+            </a:pPr>
+            <a:endParaRPr lang="ru-RU" dirty="0"/>
+          </a:p>
+          <a:p>
+            <a:pPr marL="0" indent="0">
+              <a:buNone/>
+            </a:pPr>
+            <a:r>
+              <a:rPr lang="en-US" dirty="0" smtClean="0">
+                <a:solidFill>
+                  <a:schemeClr val="tx1">
+                    <a:lumMod val="75000"/>
+                  </a:schemeClr>
+                </a:solidFill>
+              </a:rPr>
+              <a:t># </a:t>
+            </a:r>
+            <a:r>
+              <a:rPr lang="ru-RU" dirty="0" smtClean="0">
+                <a:solidFill>
+                  <a:schemeClr val="tx1">
+                    <a:lumMod val="75000"/>
+                  </a:schemeClr>
+                </a:solidFill>
+              </a:rPr>
+              <a:t>синтаксис</a:t>
+            </a:r>
+          </a:p>
+          <a:p>
+            <a:pPr marL="0" indent="0">
+              <a:buNone/>
+            </a:pPr>
+            <a:r>
+              <a:rPr lang="en-US" dirty="0"/>
+              <a:t>s</a:t>
+            </a:r>
+            <a:r>
+              <a:rPr lang="en-US" dirty="0" smtClean="0"/>
+              <a:t>ome_list = 76, 23, 45, 87</a:t>
+            </a:r>
+            <a:endParaRPr lang="ru-RU" dirty="0" smtClean="0"/>
+          </a:p>
+          <a:p>
+            <a:pPr marL="0" indent="0">
+              <a:buNone/>
+            </a:pPr>
+            <a:endParaRPr lang="en-US" dirty="0" smtClean="0"/>
+          </a:p>
+          <a:p>
+            <a:pPr marL="0" indent="0">
+              <a:buNone/>
+            </a:pPr>
+            <a:r>
+              <a:rPr lang="en-US" dirty="0" smtClean="0">
+                <a:solidFill>
+                  <a:schemeClr val="bg2">
+                    <a:lumMod val="40000"/>
+                    <a:lumOff val="60000"/>
+                  </a:schemeClr>
+                </a:solidFill>
+              </a:rPr>
+              <a:t>len</a:t>
+            </a:r>
+            <a:r>
+              <a:rPr lang="en-US" dirty="0" smtClean="0"/>
+              <a:t>(some_list)	</a:t>
+            </a:r>
+            <a:r>
+              <a:rPr lang="en-US" dirty="0" smtClean="0">
+                <a:solidFill>
+                  <a:schemeClr val="tx1">
+                    <a:lumMod val="75000"/>
+                  </a:schemeClr>
+                </a:solidFill>
+              </a:rPr>
+              <a:t># </a:t>
+            </a:r>
+            <a:r>
+              <a:rPr lang="ru-RU" dirty="0" smtClean="0">
+                <a:solidFill>
+                  <a:schemeClr val="tx1">
+                    <a:lumMod val="75000"/>
+                  </a:schemeClr>
+                </a:solidFill>
+              </a:rPr>
+              <a:t>результат</a:t>
+            </a:r>
+            <a:r>
+              <a:rPr lang="en-US" dirty="0" smtClean="0">
+                <a:solidFill>
+                  <a:schemeClr val="tx1">
+                    <a:lumMod val="75000"/>
+                  </a:schemeClr>
+                </a:solidFill>
+              </a:rPr>
+              <a:t> 4</a:t>
+            </a:r>
+            <a:endParaRPr lang="ru-RU" dirty="0">
+              <a:solidFill>
+                <a:schemeClr val="tx1">
+                  <a:lumMod val="75000"/>
+                </a:schemeClr>
+              </a:solidFill>
+            </a:endParaRPr>
+          </a:p>
+        </p:txBody>
+      </p:sp>
+    </p:spTree>
+    <p:extLst>
+      <p:ext uri="{BB962C8B-B14F-4D97-AF65-F5344CB8AC3E}">
+        <p14:creationId xmlns:p14="http://schemas.microsoft.com/office/powerpoint/2010/main" val="82992220"/>
       </p:ext>
     </p:extLst>
   </p:cSld>
@@ -6003,6 +10239,33 @@
               <a:rPr lang="ru-RU" dirty="0" smtClean="0"/>
               <a:t>Построение каркаса программы</a:t>
             </a:r>
+            <a:endParaRPr lang="en-US" dirty="0" smtClean="0"/>
+          </a:p>
+          <a:p>
+            <a:r>
+              <a:rPr lang="ru-RU" dirty="0" smtClean="0"/>
+              <a:t>Проекти</a:t>
+            </a:r>
+            <a:r>
+              <a:rPr lang="ru-RU" dirty="0"/>
+              <a:t>р</a:t>
+            </a:r>
+            <a:r>
+              <a:rPr lang="ru-RU" dirty="0" smtClean="0"/>
+              <a:t>ование </a:t>
+            </a:r>
+            <a:r>
+              <a:rPr lang="en-US" dirty="0" smtClean="0"/>
+              <a:t>frond </a:t>
+            </a:r>
+            <a:r>
+              <a:rPr lang="en-US" dirty="0"/>
+              <a:t>e</a:t>
+            </a:r>
+            <a:r>
+              <a:rPr lang="en-US" dirty="0" smtClean="0"/>
+              <a:t>nd</a:t>
+            </a:r>
             <a:endParaRPr lang="ru-RU" dirty="0"/>
           </a:p>
         </p:txBody>
@@ -6010,13 +10273,1231 @@
     </p:spTree>
     <p:extLst>
       <p:ext uri="{BB962C8B-B14F-4D97-AF65-F5344CB8AC3E}">
-        <p14:creationId xmlns:p14="http://schemas.microsoft.com/office/powerpoint/2010/main" xmlns="" val="3361041512"/>
+        <p14:creationId xmlns:p14="http://schemas.microsoft.com/office/powerpoint/2010/main" val="3361041512"/>
       </p:ext>
     </p:extLst>
   </p:cSld>
   <p:clrMapOvr>
     <a:masterClrMapping/>
   </p:clrMapOvr>
+</p:sld>
+</file>
+
+<file path=ppt/slides/slide20.xml><?xml version="1.0" encoding="utf-8"?>
+<p:sld xmlns:a="http://schemas.openxmlformats.org/drawingml/2006/main" xmlns:r="http://schemas.openxmlformats.org/officeDocument/2006/relationships" xmlns:p="http://schemas.openxmlformats.org/presentationml/2006/main">
+  <p:cSld>
+    <p:spTree>
+      <p:nvGrpSpPr>
+        <p:cNvPr id="1" name=""/>
+        <p:cNvGrpSpPr/>
+        <p:nvPr/>
+      </p:nvGrpSpPr>
+      <p:grpSpPr>
+        <a:xfrm>
+          <a:off x="0" y="0"/>
+          <a:ext cx="0" cy="0"/>
+          <a:chOff x="0" y="0"/>
+          <a:chExt cx="0" cy="0"/>
+        </a:xfrm>
+      </p:grpSpPr>
+      <p:sp>
+        <p:nvSpPr>
+          <p:cNvPr id="2" name="Заголовок 1"/>
+          <p:cNvSpPr>
+            <a:spLocks noGrp="1"/>
+          </p:cNvSpPr>
+          <p:nvPr>
+            <p:ph type="title"/>
+          </p:nvPr>
+        </p:nvSpPr>
+        <p:spPr/>
+        <p:txBody>
+          <a:bodyPr>
+            <a:normAutofit/>
+          </a:bodyPr>
+          <a:lstStyle/>
+          <a:p>
+            <a:r>
+              <a:rPr lang="en-US" sz="3200" dirty="0"/>
+              <a:t>Front </a:t>
+            </a:r>
+            <a:r>
+              <a:rPr lang="en-US" sz="3200" dirty="0" smtClean="0"/>
+              <a:t>end</a:t>
+            </a:r>
+            <a:r>
+              <a:rPr lang="ru-RU" sz="3200" dirty="0" smtClean="0"/>
+              <a:t> </a:t>
+            </a:r>
+            <a:r>
+              <a:rPr lang="ru-RU" sz="3200" dirty="0"/>
+              <a:t>/</a:t>
+            </a:r>
+            <a:r>
+              <a:rPr lang="en-US" sz="3200" dirty="0"/>
+              <a:t> </a:t>
+            </a:r>
+            <a:r>
+              <a:rPr lang="ru-RU" sz="3200" dirty="0"/>
+              <a:t>функции развертывания </a:t>
+            </a:r>
+            <a:r>
+              <a:rPr lang="en-US" sz="3200" dirty="0"/>
+              <a:t>/ </a:t>
+            </a:r>
+            <a:r>
+              <a:rPr lang="ru-RU" sz="3200" dirty="0"/>
+              <a:t/>
+            </a:r>
+            <a:br>
+              <a:rPr lang="ru-RU" sz="3200" dirty="0"/>
+            </a:br>
+            <a:r>
+              <a:rPr lang="ru-RU" sz="3200" dirty="0" smtClean="0"/>
+              <a:t>флаги</a:t>
+            </a:r>
+            <a:endParaRPr lang="ru-RU" sz="3200" dirty="0"/>
+          </a:p>
+        </p:txBody>
+      </p:sp>
+      <p:sp>
+        <p:nvSpPr>
+          <p:cNvPr id="3" name="Объект 2"/>
+          <p:cNvSpPr>
+            <a:spLocks noGrp="1"/>
+          </p:cNvSpPr>
+          <p:nvPr>
+            <p:ph idx="1"/>
+          </p:nvPr>
+        </p:nvSpPr>
+        <p:spPr/>
+        <p:txBody>
+          <a:bodyPr/>
+          <a:lstStyle/>
+          <a:p>
+            <a:pPr marL="0" indent="0">
+              <a:buNone/>
+            </a:pPr>
+            <a:r>
+              <a:rPr lang="en-US" dirty="0">
+                <a:solidFill>
+                  <a:schemeClr val="accent3">
+                    <a:lumMod val="60000"/>
+                    <a:lumOff val="40000"/>
+                  </a:schemeClr>
+                </a:solidFill>
+              </a:rPr>
+              <a:t>def</a:t>
+            </a:r>
+            <a:r>
+              <a:rPr lang="en-US" dirty="0"/>
+              <a:t> flags_open():</a:t>
+            </a:r>
+          </a:p>
+          <a:p>
+            <a:pPr marL="0" indent="0">
+              <a:buNone/>
+            </a:pPr>
+            <a:r>
+              <a:rPr lang="en-US" dirty="0"/>
+              <a:t>    interest_frame.pack(</a:t>
+            </a:r>
+            <a:r>
+              <a:rPr lang="en-US" dirty="0">
+                <a:solidFill>
+                  <a:schemeClr val="accent5">
+                    <a:lumMod val="60000"/>
+                    <a:lumOff val="40000"/>
+                  </a:schemeClr>
+                </a:solidFill>
+              </a:rPr>
+              <a:t>side</a:t>
+            </a:r>
+            <a:r>
+              <a:rPr lang="en-US" dirty="0"/>
+              <a:t>=TOP, </a:t>
+            </a:r>
+            <a:r>
+              <a:rPr lang="en-US" dirty="0">
+                <a:solidFill>
+                  <a:schemeClr val="accent5">
+                    <a:lumMod val="60000"/>
+                    <a:lumOff val="40000"/>
+                  </a:schemeClr>
+                </a:solidFill>
+              </a:rPr>
+              <a:t>anchor</a:t>
+            </a:r>
+            <a:r>
+              <a:rPr lang="en-US" dirty="0"/>
+              <a:t>=W, </a:t>
+            </a:r>
+            <a:r>
+              <a:rPr lang="en-US" dirty="0">
+                <a:solidFill>
+                  <a:schemeClr val="accent5">
+                    <a:lumMod val="60000"/>
+                    <a:lumOff val="40000"/>
+                  </a:schemeClr>
+                </a:solidFill>
+              </a:rPr>
+              <a:t>pady</a:t>
+            </a:r>
+            <a:r>
+              <a:rPr lang="en-US" dirty="0"/>
+              <a:t>=10)</a:t>
+            </a:r>
+          </a:p>
+          <a:p>
+            <a:pPr marL="0" indent="0">
+              <a:buNone/>
+            </a:pPr>
+            <a:endParaRPr lang="en-US" dirty="0"/>
+          </a:p>
+          <a:p>
+            <a:pPr marL="0" indent="0">
+              <a:buNone/>
+            </a:pPr>
+            <a:r>
+              <a:rPr lang="en-US" dirty="0"/>
+              <a:t>    interest_lbl.pack(</a:t>
+            </a:r>
+            <a:r>
+              <a:rPr lang="en-US" dirty="0">
+                <a:solidFill>
+                  <a:schemeClr val="accent5">
+                    <a:lumMod val="60000"/>
+                    <a:lumOff val="40000"/>
+                  </a:schemeClr>
+                </a:solidFill>
+              </a:rPr>
+              <a:t>side</a:t>
+            </a:r>
+            <a:r>
+              <a:rPr lang="en-US" dirty="0"/>
+              <a:t>=TOP, </a:t>
+            </a:r>
+            <a:r>
+              <a:rPr lang="en-US" dirty="0">
+                <a:solidFill>
+                  <a:schemeClr val="accent5">
+                    <a:lumMod val="60000"/>
+                    <a:lumOff val="40000"/>
+                  </a:schemeClr>
+                </a:solidFill>
+              </a:rPr>
+              <a:t>anchor</a:t>
+            </a:r>
+            <a:r>
+              <a:rPr lang="en-US" dirty="0"/>
+              <a:t>=W)</a:t>
+            </a:r>
+          </a:p>
+          <a:p>
+            <a:pPr marL="0" indent="0">
+              <a:buNone/>
+            </a:pPr>
+            <a:endParaRPr lang="en-US" dirty="0"/>
+          </a:p>
+          <a:p>
+            <a:pPr marL="0" indent="0">
+              <a:buNone/>
+            </a:pPr>
+            <a:r>
+              <a:rPr lang="en-US" dirty="0"/>
+              <a:t>    i = 0</a:t>
+            </a:r>
+          </a:p>
+          <a:p>
+            <a:pPr marL="0" indent="0">
+              <a:buNone/>
+            </a:pPr>
+            <a:r>
+              <a:rPr lang="en-US" dirty="0"/>
+              <a:t>    </a:t>
+            </a:r>
+            <a:r>
+              <a:rPr lang="en-US" dirty="0">
+                <a:solidFill>
+                  <a:schemeClr val="accent3">
+                    <a:lumMod val="60000"/>
+                    <a:lumOff val="40000"/>
+                  </a:schemeClr>
+                </a:solidFill>
+              </a:rPr>
+              <a:t>while</a:t>
+            </a:r>
+            <a:r>
+              <a:rPr lang="en-US" dirty="0"/>
+              <a:t> i &lt; </a:t>
+            </a:r>
+            <a:r>
+              <a:rPr lang="en-US" dirty="0">
+                <a:solidFill>
+                  <a:schemeClr val="bg2">
+                    <a:lumMod val="40000"/>
+                    <a:lumOff val="60000"/>
+                  </a:schemeClr>
+                </a:solidFill>
+              </a:rPr>
+              <a:t>len</a:t>
+            </a:r>
+            <a:r>
+              <a:rPr lang="en-US" dirty="0"/>
+              <a:t>(flags):</a:t>
+            </a:r>
+          </a:p>
+          <a:p>
+            <a:pPr marL="0" indent="0">
+              <a:buNone/>
+            </a:pPr>
+            <a:r>
+              <a:rPr lang="en-US" dirty="0"/>
+              <a:t>        flags[i].pack(</a:t>
+            </a:r>
+            <a:r>
+              <a:rPr lang="en-US" dirty="0">
+                <a:solidFill>
+                  <a:schemeClr val="accent5">
+                    <a:lumMod val="60000"/>
+                    <a:lumOff val="40000"/>
+                  </a:schemeClr>
+                </a:solidFill>
+              </a:rPr>
+              <a:t>side</a:t>
+            </a:r>
+            <a:r>
+              <a:rPr lang="en-US" dirty="0"/>
+              <a:t>=TOP, </a:t>
+            </a:r>
+            <a:r>
+              <a:rPr lang="en-US" dirty="0">
+                <a:solidFill>
+                  <a:schemeClr val="accent5">
+                    <a:lumMod val="60000"/>
+                    <a:lumOff val="40000"/>
+                  </a:schemeClr>
+                </a:solidFill>
+              </a:rPr>
+              <a:t>anchor</a:t>
+            </a:r>
+            <a:r>
+              <a:rPr lang="en-US" dirty="0"/>
+              <a:t>=W)</a:t>
+            </a:r>
+          </a:p>
+          <a:p>
+            <a:pPr marL="0" indent="0">
+              <a:buNone/>
+            </a:pPr>
+            <a:r>
+              <a:rPr lang="en-US" dirty="0"/>
+              <a:t>        i += 1</a:t>
+            </a:r>
+            <a:endParaRPr lang="ru-RU" dirty="0"/>
+          </a:p>
+        </p:txBody>
+      </p:sp>
+    </p:spTree>
+    <p:extLst>
+      <p:ext uri="{BB962C8B-B14F-4D97-AF65-F5344CB8AC3E}">
+        <p14:creationId xmlns:p14="http://schemas.microsoft.com/office/powerpoint/2010/main" val="1138292712"/>
+      </p:ext>
+    </p:extLst>
+  </p:cSld>
+  <p:clrMapOvr>
+    <a:masterClrMapping/>
+  </p:clrMapOvr>
+  <p:timing>
+    <p:tnLst>
+      <p:par>
+        <p:cTn id="1" dur="indefinite" restart="never" nodeType="tmRoot"/>
+      </p:par>
+    </p:tnLst>
+  </p:timing>
+</p:sld>
+</file>
+
+<file path=ppt/slides/slide21.xml><?xml version="1.0" encoding="utf-8"?>
+<p:sld xmlns:a="http://schemas.openxmlformats.org/drawingml/2006/main" xmlns:r="http://schemas.openxmlformats.org/officeDocument/2006/relationships" xmlns:p="http://schemas.openxmlformats.org/presentationml/2006/main">
+  <p:cSld>
+    <p:spTree>
+      <p:nvGrpSpPr>
+        <p:cNvPr id="1" name=""/>
+        <p:cNvGrpSpPr/>
+        <p:nvPr/>
+      </p:nvGrpSpPr>
+      <p:grpSpPr>
+        <a:xfrm>
+          <a:off x="0" y="0"/>
+          <a:ext cx="0" cy="0"/>
+          <a:chOff x="0" y="0"/>
+          <a:chExt cx="0" cy="0"/>
+        </a:xfrm>
+      </p:grpSpPr>
+      <p:sp>
+        <p:nvSpPr>
+          <p:cNvPr id="2" name="Заголовок 1"/>
+          <p:cNvSpPr>
+            <a:spLocks noGrp="1"/>
+          </p:cNvSpPr>
+          <p:nvPr>
+            <p:ph type="title"/>
+          </p:nvPr>
+        </p:nvSpPr>
+        <p:spPr/>
+        <p:txBody>
+          <a:bodyPr/>
+          <a:lstStyle/>
+          <a:p>
+            <a:r>
+              <a:rPr lang="en-US" dirty="0" smtClean="0"/>
+              <a:t>destroy()</a:t>
+            </a:r>
+            <a:endParaRPr lang="ru-RU" dirty="0"/>
+          </a:p>
+        </p:txBody>
+      </p:sp>
+      <p:sp>
+        <p:nvSpPr>
+          <p:cNvPr id="3" name="Объект 2"/>
+          <p:cNvSpPr>
+            <a:spLocks noGrp="1"/>
+          </p:cNvSpPr>
+          <p:nvPr>
+            <p:ph idx="1"/>
+          </p:nvPr>
+        </p:nvSpPr>
+        <p:spPr/>
+        <p:txBody>
+          <a:bodyPr/>
+          <a:lstStyle/>
+          <a:p>
+            <a:pPr marL="0" indent="0">
+              <a:buNone/>
+            </a:pPr>
+            <a:r>
+              <a:rPr lang="ru-RU" dirty="0" smtClean="0"/>
+              <a:t>Функция закрытия окна</a:t>
+            </a:r>
+          </a:p>
+          <a:p>
+            <a:pPr marL="0" indent="0">
+              <a:buNone/>
+            </a:pPr>
+            <a:endParaRPr lang="ru-RU" dirty="0"/>
+          </a:p>
+          <a:p>
+            <a:pPr marL="0" indent="0">
+              <a:buNone/>
+            </a:pPr>
+            <a:r>
+              <a:rPr lang="en-US" dirty="0" smtClean="0">
+                <a:solidFill>
+                  <a:schemeClr val="tx1">
+                    <a:lumMod val="75000"/>
+                  </a:schemeClr>
+                </a:solidFill>
+              </a:rPr>
+              <a:t># </a:t>
+            </a:r>
+            <a:r>
+              <a:rPr lang="ru-RU" dirty="0" smtClean="0">
+                <a:solidFill>
+                  <a:schemeClr val="tx1">
+                    <a:lumMod val="75000"/>
+                  </a:schemeClr>
+                </a:solidFill>
+              </a:rPr>
+              <a:t>синтаксис</a:t>
+            </a:r>
+          </a:p>
+          <a:p>
+            <a:pPr marL="0" indent="0">
+              <a:buNone/>
+            </a:pPr>
+            <a:r>
+              <a:rPr lang="en-US" dirty="0" smtClean="0"/>
+              <a:t>Tk().destroy()</a:t>
+            </a:r>
+            <a:endParaRPr lang="ru-RU" dirty="0"/>
+          </a:p>
+        </p:txBody>
+      </p:sp>
+    </p:spTree>
+    <p:extLst>
+      <p:ext uri="{BB962C8B-B14F-4D97-AF65-F5344CB8AC3E}">
+        <p14:creationId xmlns:p14="http://schemas.microsoft.com/office/powerpoint/2010/main" val="872615902"/>
+      </p:ext>
+    </p:extLst>
+  </p:cSld>
+  <p:clrMapOvr>
+    <a:masterClrMapping/>
+  </p:clrMapOvr>
+  <p:timing>
+    <p:tnLst>
+      <p:par>
+        <p:cTn id="1" dur="indefinite" restart="never" nodeType="tmRoot"/>
+      </p:par>
+    </p:tnLst>
+  </p:timing>
+</p:sld>
+</file>
+
+<file path=ppt/slides/slide22.xml><?xml version="1.0" encoding="utf-8"?>
+<p:sld xmlns:a="http://schemas.openxmlformats.org/drawingml/2006/main" xmlns:r="http://schemas.openxmlformats.org/officeDocument/2006/relationships" xmlns:p="http://schemas.openxmlformats.org/presentationml/2006/main">
+  <p:cSld>
+    <p:spTree>
+      <p:nvGrpSpPr>
+        <p:cNvPr id="1" name=""/>
+        <p:cNvGrpSpPr/>
+        <p:nvPr/>
+      </p:nvGrpSpPr>
+      <p:grpSpPr>
+        <a:xfrm>
+          <a:off x="0" y="0"/>
+          <a:ext cx="0" cy="0"/>
+          <a:chOff x="0" y="0"/>
+          <a:chExt cx="0" cy="0"/>
+        </a:xfrm>
+      </p:grpSpPr>
+      <p:sp>
+        <p:nvSpPr>
+          <p:cNvPr id="2" name="Заголовок 1"/>
+          <p:cNvSpPr>
+            <a:spLocks noGrp="1"/>
+          </p:cNvSpPr>
+          <p:nvPr>
+            <p:ph type="title"/>
+          </p:nvPr>
+        </p:nvSpPr>
+        <p:spPr/>
+        <p:txBody>
+          <a:bodyPr>
+            <a:normAutofit/>
+          </a:bodyPr>
+          <a:lstStyle/>
+          <a:p>
+            <a:r>
+              <a:rPr lang="en-US" sz="3200" dirty="0" smtClean="0"/>
+              <a:t>Front end / </a:t>
+            </a:r>
+            <a:r>
+              <a:rPr lang="ru-RU" sz="3200" dirty="0" smtClean="0"/>
+              <a:t>кнопки действий</a:t>
+            </a:r>
+            <a:endParaRPr lang="ru-RU" sz="3200" dirty="0"/>
+          </a:p>
+        </p:txBody>
+      </p:sp>
+      <p:sp>
+        <p:nvSpPr>
+          <p:cNvPr id="3" name="Объект 2"/>
+          <p:cNvSpPr>
+            <a:spLocks noGrp="1"/>
+          </p:cNvSpPr>
+          <p:nvPr>
+            <p:ph idx="1"/>
+          </p:nvPr>
+        </p:nvSpPr>
+        <p:spPr>
+          <a:xfrm>
+            <a:off x="677334" y="2160589"/>
+            <a:ext cx="9187102" cy="3880773"/>
+          </a:xfrm>
+        </p:spPr>
+        <p:txBody>
+          <a:bodyPr/>
+          <a:lstStyle/>
+          <a:p>
+            <a:pPr marL="0" indent="0">
+              <a:buNone/>
+            </a:pPr>
+            <a:r>
+              <a:rPr lang="en-US" dirty="0">
+                <a:solidFill>
+                  <a:schemeClr val="tx1">
+                    <a:lumMod val="75000"/>
+                  </a:schemeClr>
+                </a:solidFill>
+              </a:rPr>
+              <a:t># </a:t>
+            </a:r>
+            <a:r>
+              <a:rPr lang="ru-RU" dirty="0" smtClean="0">
+                <a:solidFill>
+                  <a:schemeClr val="tx1">
+                    <a:lumMod val="75000"/>
+                  </a:schemeClr>
+                </a:solidFill>
+              </a:rPr>
+              <a:t>Подокно для кнопок действий</a:t>
+            </a:r>
+            <a:endParaRPr lang="en-US" dirty="0">
+              <a:solidFill>
+                <a:schemeClr val="tx1">
+                  <a:lumMod val="75000"/>
+                </a:schemeClr>
+              </a:solidFill>
+            </a:endParaRPr>
+          </a:p>
+          <a:p>
+            <a:pPr marL="0" indent="0">
+              <a:buNone/>
+            </a:pPr>
+            <a:r>
+              <a:rPr lang="en-US" dirty="0"/>
+              <a:t>but_frame = Frame(</a:t>
+            </a:r>
+            <a:r>
+              <a:rPr lang="en-US" dirty="0">
+                <a:solidFill>
+                  <a:schemeClr val="accent5">
+                    <a:lumMod val="60000"/>
+                    <a:lumOff val="40000"/>
+                  </a:schemeClr>
+                </a:solidFill>
+              </a:rPr>
+              <a:t>master</a:t>
+            </a:r>
+            <a:r>
+              <a:rPr lang="en-US" dirty="0"/>
+              <a:t>=root</a:t>
+            </a:r>
+            <a:r>
+              <a:rPr lang="en-US" dirty="0" smtClean="0"/>
+              <a:t>)</a:t>
+            </a:r>
+            <a:endParaRPr lang="ru-RU" dirty="0" smtClean="0"/>
+          </a:p>
+          <a:p>
+            <a:pPr marL="0" indent="0">
+              <a:buNone/>
+            </a:pPr>
+            <a:endParaRPr lang="en-US" dirty="0"/>
+          </a:p>
+          <a:p>
+            <a:pPr marL="0" indent="0">
+              <a:buNone/>
+            </a:pPr>
+            <a:r>
+              <a:rPr lang="en-US" dirty="0" smtClean="0">
+                <a:solidFill>
+                  <a:schemeClr val="tx1">
+                    <a:lumMod val="75000"/>
+                  </a:schemeClr>
+                </a:solidFill>
+              </a:rPr>
+              <a:t># </a:t>
+            </a:r>
+            <a:r>
+              <a:rPr lang="ru-RU" dirty="0" smtClean="0">
+                <a:solidFill>
+                  <a:schemeClr val="tx1">
+                    <a:lumMod val="75000"/>
+                  </a:schemeClr>
+                </a:solidFill>
+              </a:rPr>
+              <a:t>Кнопки действий</a:t>
+            </a:r>
+            <a:endParaRPr lang="en-US" dirty="0" smtClean="0">
+              <a:solidFill>
+                <a:schemeClr val="tx1">
+                  <a:lumMod val="75000"/>
+                </a:schemeClr>
+              </a:solidFill>
+            </a:endParaRPr>
+          </a:p>
+          <a:p>
+            <a:pPr marL="0" indent="0">
+              <a:buNone/>
+            </a:pPr>
+            <a:r>
+              <a:rPr lang="en-US" dirty="0" smtClean="0"/>
+              <a:t>but_data </a:t>
+            </a:r>
+            <a:r>
+              <a:rPr lang="en-US" dirty="0"/>
+              <a:t>= Button(</a:t>
+            </a:r>
+            <a:r>
+              <a:rPr lang="en-US" dirty="0">
+                <a:solidFill>
+                  <a:schemeClr val="accent5">
+                    <a:lumMod val="60000"/>
+                    <a:lumOff val="40000"/>
+                  </a:schemeClr>
+                </a:solidFill>
+              </a:rPr>
+              <a:t>master</a:t>
+            </a:r>
+            <a:r>
+              <a:rPr lang="en-US" dirty="0"/>
+              <a:t>=but_frame,</a:t>
+            </a:r>
+            <a:r>
+              <a:rPr lang="en-US" dirty="0">
+                <a:solidFill>
+                  <a:schemeClr val="accent5">
+                    <a:lumMod val="60000"/>
+                    <a:lumOff val="40000"/>
+                  </a:schemeClr>
+                </a:solidFill>
+              </a:rPr>
+              <a:t> text</a:t>
+            </a:r>
+            <a:r>
+              <a:rPr lang="en-US" dirty="0"/>
+              <a:t>=</a:t>
+            </a:r>
+            <a:r>
+              <a:rPr lang="en-US" dirty="0">
+                <a:solidFill>
+                  <a:schemeClr val="accent2">
+                    <a:lumMod val="60000"/>
+                    <a:lumOff val="40000"/>
+                  </a:schemeClr>
+                </a:solidFill>
+              </a:rPr>
+              <a:t>'Enter</a:t>
+            </a:r>
+            <a:r>
+              <a:rPr lang="en-US" dirty="0"/>
+              <a:t>', </a:t>
+            </a:r>
+            <a:r>
+              <a:rPr lang="en-US" dirty="0" smtClean="0">
+                <a:solidFill>
+                  <a:schemeClr val="accent5">
+                    <a:lumMod val="60000"/>
+                    <a:lumOff val="40000"/>
+                  </a:schemeClr>
+                </a:solidFill>
+              </a:rPr>
+              <a:t>width</a:t>
+            </a:r>
+            <a:r>
+              <a:rPr lang="en-US" dirty="0" smtClean="0"/>
+              <a:t>=</a:t>
+            </a:r>
+            <a:r>
+              <a:rPr lang="en-US" dirty="0" smtClean="0">
+                <a:solidFill>
+                  <a:schemeClr val="bg2">
+                    <a:lumMod val="40000"/>
+                    <a:lumOff val="60000"/>
+                  </a:schemeClr>
+                </a:solidFill>
+              </a:rPr>
+              <a:t>10</a:t>
+            </a:r>
+            <a:r>
+              <a:rPr lang="en-US" dirty="0" smtClean="0"/>
+              <a:t>,</a:t>
+            </a:r>
+            <a:r>
+              <a:rPr lang="ru-RU" dirty="0" smtClean="0"/>
+              <a:t> </a:t>
+            </a:r>
+            <a:r>
+              <a:rPr lang="en-US" dirty="0" smtClean="0">
+                <a:solidFill>
+                  <a:schemeClr val="accent5">
+                    <a:lumMod val="60000"/>
+                    <a:lumOff val="40000"/>
+                  </a:schemeClr>
+                </a:solidFill>
+              </a:rPr>
+              <a:t>command</a:t>
+            </a:r>
+            <a:r>
+              <a:rPr lang="en-US" dirty="0" smtClean="0"/>
+              <a:t>=</a:t>
+            </a:r>
+            <a:r>
+              <a:rPr lang="en-US" dirty="0" err="1" smtClean="0"/>
+              <a:t>collect_data</a:t>
+            </a:r>
+            <a:r>
+              <a:rPr lang="en-US" dirty="0"/>
+              <a:t>)</a:t>
+            </a:r>
+          </a:p>
+          <a:p>
+            <a:pPr marL="0" indent="0">
+              <a:buNone/>
+            </a:pPr>
+            <a:r>
+              <a:rPr lang="en-US" dirty="0"/>
+              <a:t>but_close = Button(</a:t>
+            </a:r>
+            <a:r>
+              <a:rPr lang="en-US" dirty="0">
+                <a:solidFill>
+                  <a:schemeClr val="accent5">
+                    <a:lumMod val="60000"/>
+                    <a:lumOff val="40000"/>
+                  </a:schemeClr>
+                </a:solidFill>
+              </a:rPr>
+              <a:t>master</a:t>
+            </a:r>
+            <a:r>
+              <a:rPr lang="en-US" dirty="0"/>
+              <a:t>=but_frame, </a:t>
+            </a:r>
+            <a:r>
+              <a:rPr lang="en-US" dirty="0">
+                <a:solidFill>
+                  <a:schemeClr val="accent5">
+                    <a:lumMod val="60000"/>
+                    <a:lumOff val="40000"/>
+                  </a:schemeClr>
+                </a:solidFill>
+              </a:rPr>
+              <a:t>text</a:t>
+            </a:r>
+            <a:r>
+              <a:rPr lang="en-US" dirty="0"/>
+              <a:t>=</a:t>
+            </a:r>
+            <a:r>
+              <a:rPr lang="en-US" dirty="0">
+                <a:solidFill>
+                  <a:schemeClr val="accent2">
+                    <a:lumMod val="60000"/>
+                    <a:lumOff val="40000"/>
+                  </a:schemeClr>
+                </a:solidFill>
+              </a:rPr>
+              <a:t>'Close</a:t>
+            </a:r>
+            <a:r>
+              <a:rPr lang="en-US" dirty="0"/>
+              <a:t>', </a:t>
+            </a:r>
+            <a:r>
+              <a:rPr lang="en-US" dirty="0">
+                <a:solidFill>
+                  <a:schemeClr val="accent5">
+                    <a:lumMod val="60000"/>
+                    <a:lumOff val="40000"/>
+                  </a:schemeClr>
+                </a:solidFill>
+              </a:rPr>
+              <a:t>width</a:t>
+            </a:r>
+            <a:r>
+              <a:rPr lang="en-US" dirty="0"/>
+              <a:t>=</a:t>
+            </a:r>
+            <a:r>
+              <a:rPr lang="en-US" dirty="0">
+                <a:solidFill>
+                  <a:schemeClr val="bg2">
+                    <a:lumMod val="40000"/>
+                    <a:lumOff val="60000"/>
+                  </a:schemeClr>
+                </a:solidFill>
+              </a:rPr>
+              <a:t>10</a:t>
+            </a:r>
+            <a:r>
+              <a:rPr lang="en-US" dirty="0"/>
+              <a:t>, </a:t>
+            </a:r>
+            <a:r>
+              <a:rPr lang="en-US" dirty="0">
+                <a:solidFill>
+                  <a:schemeClr val="accent5">
+                    <a:lumMod val="60000"/>
+                    <a:lumOff val="40000"/>
+                  </a:schemeClr>
+                </a:solidFill>
+              </a:rPr>
+              <a:t>command</a:t>
+            </a:r>
+            <a:r>
+              <a:rPr lang="en-US" dirty="0"/>
+              <a:t>=</a:t>
+            </a:r>
+            <a:r>
+              <a:rPr lang="en-US" dirty="0" err="1"/>
+              <a:t>root.destroy</a:t>
+            </a:r>
+            <a:r>
+              <a:rPr lang="en-US" dirty="0"/>
+              <a:t>)</a:t>
+            </a:r>
+            <a:endParaRPr lang="ru-RU" dirty="0"/>
+          </a:p>
+        </p:txBody>
+      </p:sp>
+    </p:spTree>
+    <p:extLst>
+      <p:ext uri="{BB962C8B-B14F-4D97-AF65-F5344CB8AC3E}">
+        <p14:creationId xmlns:p14="http://schemas.microsoft.com/office/powerpoint/2010/main" val="995350619"/>
+      </p:ext>
+    </p:extLst>
+  </p:cSld>
+  <p:clrMapOvr>
+    <a:masterClrMapping/>
+  </p:clrMapOvr>
+  <p:timing>
+    <p:tnLst>
+      <p:par>
+        <p:cTn id="1" dur="indefinite" restart="never" nodeType="tmRoot"/>
+      </p:par>
+    </p:tnLst>
+  </p:timing>
+</p:sld>
+</file>
+
+<file path=ppt/slides/slide23.xml><?xml version="1.0" encoding="utf-8"?>
+<p:sld xmlns:a="http://schemas.openxmlformats.org/drawingml/2006/main" xmlns:r="http://schemas.openxmlformats.org/officeDocument/2006/relationships" xmlns:p="http://schemas.openxmlformats.org/presentationml/2006/main">
+  <p:cSld>
+    <p:spTree>
+      <p:nvGrpSpPr>
+        <p:cNvPr id="1" name=""/>
+        <p:cNvGrpSpPr/>
+        <p:nvPr/>
+      </p:nvGrpSpPr>
+      <p:grpSpPr>
+        <a:xfrm>
+          <a:off x="0" y="0"/>
+          <a:ext cx="0" cy="0"/>
+          <a:chOff x="0" y="0"/>
+          <a:chExt cx="0" cy="0"/>
+        </a:xfrm>
+      </p:grpSpPr>
+      <p:sp>
+        <p:nvSpPr>
+          <p:cNvPr id="2" name="Заголовок 1"/>
+          <p:cNvSpPr>
+            <a:spLocks noGrp="1"/>
+          </p:cNvSpPr>
+          <p:nvPr>
+            <p:ph type="title"/>
+          </p:nvPr>
+        </p:nvSpPr>
+        <p:spPr/>
+        <p:txBody>
+          <a:bodyPr>
+            <a:normAutofit/>
+          </a:bodyPr>
+          <a:lstStyle/>
+          <a:p>
+            <a:r>
+              <a:rPr lang="en-US" sz="3200" dirty="0"/>
+              <a:t>Front end</a:t>
+            </a:r>
+            <a:r>
+              <a:rPr lang="ru-RU" sz="3200" dirty="0"/>
+              <a:t> /</a:t>
+            </a:r>
+            <a:r>
+              <a:rPr lang="en-US" sz="3200" dirty="0"/>
+              <a:t> </a:t>
+            </a:r>
+            <a:r>
+              <a:rPr lang="ru-RU" sz="3200" dirty="0"/>
+              <a:t>функции развертывания </a:t>
+            </a:r>
+            <a:r>
+              <a:rPr lang="en-US" sz="3200" dirty="0"/>
+              <a:t>/ </a:t>
+            </a:r>
+            <a:r>
+              <a:rPr lang="ru-RU" sz="3200" dirty="0"/>
+              <a:t/>
+            </a:r>
+            <a:br>
+              <a:rPr lang="ru-RU" sz="3200" dirty="0"/>
+            </a:br>
+            <a:r>
+              <a:rPr lang="ru-RU" sz="3200" dirty="0" smtClean="0"/>
+              <a:t>кнопки действий</a:t>
+            </a:r>
+            <a:endParaRPr lang="ru-RU" sz="3200" dirty="0"/>
+          </a:p>
+        </p:txBody>
+      </p:sp>
+      <p:sp>
+        <p:nvSpPr>
+          <p:cNvPr id="3" name="Объект 2"/>
+          <p:cNvSpPr>
+            <a:spLocks noGrp="1"/>
+          </p:cNvSpPr>
+          <p:nvPr>
+            <p:ph idx="1"/>
+          </p:nvPr>
+        </p:nvSpPr>
+        <p:spPr/>
+        <p:txBody>
+          <a:bodyPr/>
+          <a:lstStyle/>
+          <a:p>
+            <a:pPr marL="0" indent="0">
+              <a:buNone/>
+            </a:pPr>
+            <a:r>
+              <a:rPr lang="en-US" dirty="0">
+                <a:solidFill>
+                  <a:schemeClr val="accent3">
+                    <a:lumMod val="60000"/>
+                    <a:lumOff val="40000"/>
+                  </a:schemeClr>
+                </a:solidFill>
+              </a:rPr>
+              <a:t>def</a:t>
+            </a:r>
+            <a:r>
+              <a:rPr lang="en-US" dirty="0"/>
+              <a:t> buttons_open():</a:t>
+            </a:r>
+          </a:p>
+          <a:p>
+            <a:pPr marL="0" indent="0">
+              <a:buNone/>
+            </a:pPr>
+            <a:r>
+              <a:rPr lang="en-US" dirty="0"/>
+              <a:t>    </a:t>
+            </a:r>
+            <a:r>
+              <a:rPr lang="en-US" dirty="0" err="1"/>
+              <a:t>but_frame.pack</a:t>
+            </a:r>
+            <a:r>
+              <a:rPr lang="en-US" dirty="0"/>
+              <a:t>(side=TOP, anchor=E)</a:t>
+            </a:r>
+          </a:p>
+          <a:p>
+            <a:pPr marL="0" indent="0">
+              <a:buNone/>
+            </a:pPr>
+            <a:endParaRPr lang="en-US" dirty="0"/>
+          </a:p>
+          <a:p>
+            <a:pPr marL="0" indent="0">
+              <a:buNone/>
+            </a:pPr>
+            <a:r>
+              <a:rPr lang="en-US" dirty="0"/>
+              <a:t>    </a:t>
+            </a:r>
+            <a:r>
+              <a:rPr lang="en-US" dirty="0" err="1"/>
+              <a:t>but_data.pack</a:t>
+            </a:r>
+            <a:r>
+              <a:rPr lang="en-US" dirty="0"/>
+              <a:t>(side=LEFT, pady=10)</a:t>
+            </a:r>
+          </a:p>
+          <a:p>
+            <a:pPr marL="0" indent="0">
+              <a:buNone/>
+            </a:pPr>
+            <a:r>
+              <a:rPr lang="en-US" dirty="0"/>
+              <a:t>    </a:t>
+            </a:r>
+            <a:r>
+              <a:rPr lang="en-US" dirty="0" err="1"/>
+              <a:t>but_close.pack</a:t>
+            </a:r>
+            <a:r>
+              <a:rPr lang="en-US" dirty="0"/>
+              <a:t>(side=LEFT, padx=10, pady=10)</a:t>
+            </a:r>
+            <a:endParaRPr lang="ru-RU" dirty="0"/>
+          </a:p>
+        </p:txBody>
+      </p:sp>
+    </p:spTree>
+    <p:extLst>
+      <p:ext uri="{BB962C8B-B14F-4D97-AF65-F5344CB8AC3E}">
+        <p14:creationId xmlns:p14="http://schemas.microsoft.com/office/powerpoint/2010/main" val="1454125077"/>
+      </p:ext>
+    </p:extLst>
+  </p:cSld>
+  <p:clrMapOvr>
+    <a:masterClrMapping/>
+  </p:clrMapOvr>
+  <p:timing>
+    <p:tnLst>
+      <p:par>
+        <p:cTn id="1" dur="indefinite" restart="never" nodeType="tmRoot"/>
+      </p:par>
+    </p:tnLst>
+  </p:timing>
+</p:sld>
+</file>
+
+<file path=ppt/slides/slide24.xml><?xml version="1.0" encoding="utf-8"?>
+<p:sld xmlns:a="http://schemas.openxmlformats.org/drawingml/2006/main" xmlns:r="http://schemas.openxmlformats.org/officeDocument/2006/relationships" xmlns:p="http://schemas.openxmlformats.org/presentationml/2006/main">
+  <p:cSld>
+    <p:spTree>
+      <p:nvGrpSpPr>
+        <p:cNvPr id="1" name=""/>
+        <p:cNvGrpSpPr/>
+        <p:nvPr/>
+      </p:nvGrpSpPr>
+      <p:grpSpPr>
+        <a:xfrm>
+          <a:off x="0" y="0"/>
+          <a:ext cx="0" cy="0"/>
+          <a:chOff x="0" y="0"/>
+          <a:chExt cx="0" cy="0"/>
+        </a:xfrm>
+      </p:grpSpPr>
+      <p:sp>
+        <p:nvSpPr>
+          <p:cNvPr id="2" name="Заголовок 1"/>
+          <p:cNvSpPr>
+            <a:spLocks noGrp="1"/>
+          </p:cNvSpPr>
+          <p:nvPr>
+            <p:ph type="title"/>
+          </p:nvPr>
+        </p:nvSpPr>
+        <p:spPr/>
+        <p:txBody>
+          <a:bodyPr>
+            <a:normAutofit/>
+          </a:bodyPr>
+          <a:lstStyle/>
+          <a:p>
+            <a:r>
+              <a:rPr lang="en-US" sz="3200" dirty="0" smtClean="0"/>
+              <a:t>Back_end </a:t>
+            </a:r>
+            <a:r>
+              <a:rPr lang="ru-RU" sz="3200" dirty="0" smtClean="0"/>
+              <a:t>/</a:t>
+            </a:r>
+            <a:r>
+              <a:rPr lang="en-US" sz="3200" dirty="0" smtClean="0"/>
+              <a:t> </a:t>
+            </a:r>
+            <a:r>
+              <a:rPr lang="ru-RU" sz="3200" dirty="0"/>
+              <a:t>функции </a:t>
+            </a:r>
+            <a:r>
+              <a:rPr lang="ru-RU" sz="3200" dirty="0" smtClean="0"/>
+              <a:t>обработки данных</a:t>
+            </a:r>
+            <a:endParaRPr lang="ru-RU" sz="3200" dirty="0"/>
+          </a:p>
+        </p:txBody>
+      </p:sp>
+      <p:sp>
+        <p:nvSpPr>
+          <p:cNvPr id="3" name="Объект 2"/>
+          <p:cNvSpPr>
+            <a:spLocks noGrp="1"/>
+          </p:cNvSpPr>
+          <p:nvPr>
+            <p:ph idx="1"/>
+          </p:nvPr>
+        </p:nvSpPr>
+        <p:spPr/>
+        <p:txBody>
+          <a:bodyPr/>
+          <a:lstStyle/>
+          <a:p>
+            <a:pPr marL="0" indent="0">
+              <a:buNone/>
+            </a:pPr>
+            <a:r>
+              <a:rPr lang="en-US" dirty="0" smtClean="0">
+                <a:solidFill>
+                  <a:schemeClr val="accent3">
+                    <a:lumMod val="60000"/>
+                    <a:lumOff val="40000"/>
+                  </a:schemeClr>
+                </a:solidFill>
+              </a:rPr>
+              <a:t>def</a:t>
+            </a:r>
+            <a:r>
+              <a:rPr lang="en-US" dirty="0" smtClean="0"/>
+              <a:t> collect_data():</a:t>
+            </a:r>
+          </a:p>
+          <a:p>
+            <a:pPr marL="0" indent="0">
+              <a:buNone/>
+            </a:pPr>
+            <a:r>
+              <a:rPr lang="en-US" dirty="0"/>
+              <a:t>	</a:t>
+            </a:r>
+            <a:r>
+              <a:rPr lang="en-US" dirty="0" smtClean="0">
+                <a:solidFill>
+                  <a:schemeClr val="accent3">
+                    <a:lumMod val="60000"/>
+                    <a:lumOff val="40000"/>
+                  </a:schemeClr>
+                </a:solidFill>
+              </a:rPr>
+              <a:t>pass</a:t>
+            </a:r>
+            <a:r>
+              <a:rPr lang="en-US" dirty="0" smtClean="0"/>
+              <a:t>		</a:t>
+            </a:r>
+            <a:r>
+              <a:rPr lang="en-US" dirty="0" smtClean="0">
+                <a:solidFill>
+                  <a:schemeClr val="tx2">
+                    <a:lumMod val="75000"/>
+                  </a:schemeClr>
+                </a:solidFill>
+              </a:rPr>
+              <a:t># </a:t>
+            </a:r>
+            <a:r>
+              <a:rPr lang="ru-RU" dirty="0" smtClean="0">
+                <a:solidFill>
+                  <a:schemeClr val="tx2">
+                    <a:lumMod val="75000"/>
+                  </a:schemeClr>
+                </a:solidFill>
+              </a:rPr>
+              <a:t>оператор - заглушка</a:t>
+            </a:r>
+            <a:endParaRPr lang="ru-RU" dirty="0">
+              <a:solidFill>
+                <a:schemeClr val="tx2">
+                  <a:lumMod val="75000"/>
+                </a:schemeClr>
+              </a:solidFill>
+            </a:endParaRPr>
+          </a:p>
+        </p:txBody>
+      </p:sp>
+    </p:spTree>
+    <p:extLst>
+      <p:ext uri="{BB962C8B-B14F-4D97-AF65-F5344CB8AC3E}">
+        <p14:creationId xmlns:p14="http://schemas.microsoft.com/office/powerpoint/2010/main" val="2036377716"/>
+      </p:ext>
+    </p:extLst>
+  </p:cSld>
+  <p:clrMapOvr>
+    <a:masterClrMapping/>
+  </p:clrMapOvr>
+  <p:timing>
+    <p:tnLst>
+      <p:par>
+        <p:cTn id="1" dur="indefinite" restart="never" nodeType="tmRoot"/>
+      </p:par>
+    </p:tnLst>
+  </p:timing>
 </p:sld>
 </file>
 
@@ -6037,38 +11518,6 @@
           <a:chExt cx="0" cy="0"/>
         </a:xfrm>
       </p:grpSpPr>
-      <p:pic>
-        <p:nvPicPr>
-          <p:cNvPr id="2050" name="Picture 2"/>
-          <p:cNvPicPr>
-            <a:picLocks noChangeAspect="1" noChangeArrowheads="1"/>
-          </p:cNvPicPr>
-          <p:nvPr/>
-        </p:nvPicPr>
-        <p:blipFill>
-          <a:blip r:embed="rId2" cstate="print"/>
-          <a:srcRect/>
-          <a:stretch>
-            <a:fillRect/>
-          </a:stretch>
-        </p:blipFill>
-        <p:spPr bwMode="auto">
-          <a:xfrm>
-            <a:off x="6104405" y="3226734"/>
-            <a:ext cx="3155127" cy="2958913"/>
-          </a:xfrm>
-          <a:prstGeom prst="rect">
-            <a:avLst/>
-          </a:prstGeom>
-          <a:noFill/>
-          <a:ln w="9525">
-            <a:noFill/>
-            <a:miter lim="800000"/>
-            <a:headEnd/>
-            <a:tailEnd/>
-          </a:ln>
-        </p:spPr>
-      </p:pic>
       <p:sp>
         <p:nvSpPr>
           <p:cNvPr id="2" name="Заголовок 1"/>
@@ -6104,13 +11553,22 @@
         </p:nvSpPr>
         <p:spPr>
           <a:xfrm>
-            <a:off x="677334" y="1496291"/>
-            <a:ext cx="9152466" cy="1542744"/>
+            <a:off x="677334" y="2013527"/>
+            <a:ext cx="8383539" cy="4433454"/>
           </a:xfrm>
         </p:spPr>
         <p:txBody>
-          <a:bodyPr/>
+          <a:bodyPr>
+            <a:normAutofit/>
+          </a:bodyPr>
           <a:lstStyle/>
+          <a:p>
+            <a:r>
+              <a:rPr lang="ru-RU" dirty="0" smtClean="0"/>
+              <a:t>Программа для регистрации клиентов – собирает данные с пользователей и сохраняет их в базу данных</a:t>
+            </a:r>
+            <a:endParaRPr lang="en-US" dirty="0" smtClean="0"/>
+          </a:p>
           <a:p>
             <a:r>
               <a:rPr lang="ru-RU" dirty="0" smtClean="0"/>
@@ -6122,106 +11580,49 @@
             </a:r>
             <a:r>
               <a:rPr lang="ru-RU" dirty="0" smtClean="0"/>
-              <a:t>вводит данные (ФИО, пол, дату рождения, интересы)</a:t>
+              <a:t>вводит свои данные (ФИО, пол, дату рождения, интересы)</a:t>
             </a:r>
           </a:p>
           <a:p>
             <a:r>
               <a:rPr lang="ru-RU" dirty="0" smtClean="0"/>
-              <a:t>Программа автоматически обрабатывает данные (меняет формат, считает возраст, сортирует, присваивает идентификационный номер)</a:t>
+              <a:t>Программа автоматически обрабатывает данные (меняет формат, считает возраст, сортирует, присваивает идентификационный номер, заносит в базу данных, обновляет информацию в базе данных)</a:t>
             </a:r>
           </a:p>
           <a:p>
             <a:r>
               <a:rPr lang="ru-RU" dirty="0" smtClean="0"/>
-              <a:t>Данные записываются в базу данных в формате </a:t>
-            </a:r>
-            <a:r>
-              <a:rPr lang="en-US" dirty="0"/>
-              <a:t>.</a:t>
-            </a:r>
-            <a:r>
-              <a:rPr lang="en-US" dirty="0" err="1" smtClean="0"/>
-              <a:t>csv</a:t>
+              <a:t>Данные сохраняются  в файл в формате </a:t>
+            </a:r>
+            <a:r>
+              <a:rPr lang="en-US" dirty="0" smtClean="0"/>
+              <a:t>.csv</a:t>
+            </a:r>
+            <a:r>
+              <a:rPr lang="ru-RU" dirty="0" smtClean="0"/>
+              <a:t>, для последующей обработки</a:t>
             </a:r>
             <a:endParaRPr lang="en-US" dirty="0" smtClean="0"/>
-          </a:p>
-        </p:txBody>
-      </p:sp>
-      <p:sp>
-        <p:nvSpPr>
-          <p:cNvPr id="7" name="TextBox 6"/>
-          <p:cNvSpPr txBox="1"/>
-          <p:nvPr/>
-        </p:nvSpPr>
-        <p:spPr>
-          <a:xfrm>
-            <a:off x="666766" y="3185699"/>
-            <a:ext cx="5276834" cy="2862322"/>
-          </a:xfrm>
-          <a:prstGeom prst="rect">
-            <a:avLst/>
-          </a:prstGeom>
-          <a:noFill/>
-        </p:spPr>
-        <p:txBody>
-          <a:bodyPr wrap="square" rtlCol="0">
-            <a:spAutoFit/>
-          </a:bodyPr>
-          <a:lstStyle/>
-          <a:p>
-            <a:r>
-              <a:rPr lang="ru-RU" dirty="0" smtClean="0"/>
-              <a:t>Подобные программы мы часто встречаем на сайтах или на </a:t>
-            </a:r>
-            <a:r>
-              <a:rPr lang="ru-RU" dirty="0" err="1" smtClean="0"/>
-              <a:t>десктопных</a:t>
-            </a:r>
-            <a:r>
-              <a:rPr lang="ru-RU" dirty="0" smtClean="0"/>
-              <a:t> приложениях при регистрации. Из архитектура может варьироваться (внешний вид, внутренняя логика, база данных).</a:t>
-            </a:r>
-          </a:p>
-          <a:p>
-            <a:r>
-              <a:rPr lang="ru-RU" dirty="0" smtClean="0"/>
-              <a:t>Эти программы очень важны так как они помогают собирать данные о пользователях в </a:t>
-            </a:r>
-            <a:r>
-              <a:rPr lang="ru-RU" dirty="0" err="1" smtClean="0"/>
-              <a:t>соцсетях</a:t>
-            </a:r>
-            <a:r>
-              <a:rPr lang="ru-RU" dirty="0" smtClean="0"/>
-              <a:t>, мобильных приложений, </a:t>
-            </a:r>
-            <a:r>
-              <a:rPr lang="ru-RU" dirty="0" err="1" smtClean="0"/>
-              <a:t>онлайн</a:t>
-            </a:r>
-            <a:r>
-              <a:rPr lang="ru-RU" dirty="0" smtClean="0"/>
-              <a:t> игр, операционных систем, драйверов и т.д., с целью их дальнейшего анализа</a:t>
-            </a:r>
-            <a:r>
-              <a:rPr lang="ru-RU" dirty="0" smtClean="0"/>
-              <a:t>.</a:t>
-            </a:r>
-            <a:endParaRPr lang="ru-RU" dirty="0" smtClean="0"/>
           </a:p>
         </p:txBody>
       </p:sp>
     </p:spTree>
     <p:extLst>
       <p:ext uri="{BB962C8B-B14F-4D97-AF65-F5344CB8AC3E}">
-        <p14:creationId xmlns:p14="http://schemas.microsoft.com/office/powerpoint/2010/main" xmlns="" val="4248498130"/>
+        <p14:creationId xmlns:p14="http://schemas.microsoft.com/office/powerpoint/2010/main" val="4248498130"/>
       </p:ext>
     </p:extLst>
   </p:cSld>
   <p:clrMapOvr>
     <a:masterClrMapping/>
   </p:clrMapOvr>
+  <p:timing>
+    <p:tnLst>
+      <p:par>
+        <p:cTn id="1" dur="indefinite" restart="never" nodeType="tmRoot"/>
+      </p:par>
+    </p:tnLst>
+  </p:timing>
 </p:sld>
 </file>
 
@@ -6254,29 +11655,18 @@
         </p:nvSpPr>
         <p:spPr>
           <a:xfrm>
-            <a:off x="677333" y="609600"/>
-            <a:ext cx="8882303" cy="628073"/>
+            <a:off x="677334" y="609600"/>
+            <a:ext cx="8596668" cy="794327"/>
           </a:xfrm>
         </p:spPr>
         <p:txBody>
-          <a:bodyPr>
-            <a:normAutofit fontScale="90000"/>
-          </a:bodyPr>
+          <a:bodyPr/>
           <a:lstStyle/>
           <a:p>
             <a:r>
-              <a:rPr lang="en-US" dirty="0"/>
-              <a:t>Front </a:t>
-            </a:r>
-            <a:r>
-              <a:rPr lang="en-US" dirty="0" smtClean="0"/>
-              <a:t>and</a:t>
-            </a:r>
-            <a:r>
-              <a:rPr lang="ru-RU" dirty="0" smtClean="0"/>
-              <a:t> / Развертывание основного окна</a:t>
-            </a:r>
-            <a:endParaRPr lang="ru-RU" dirty="0"/>
+              <a:rPr lang="ru-RU" dirty="0"/>
+              <a:t>Описание проекта</a:t>
+            </a:r>
           </a:p>
         </p:txBody>
       </p:sp>
@@ -6292,238 +11682,118 @@
         </p:nvSpPr>
         <p:spPr>
           <a:xfrm>
-            <a:off x="677334" y="1717965"/>
-            <a:ext cx="8596668" cy="4895272"/>
+            <a:off x="677334" y="2160589"/>
+            <a:ext cx="5434174" cy="3492065"/>
           </a:xfrm>
         </p:spPr>
         <p:txBody>
-          <a:bodyPr>
-            <a:normAutofit/>
-          </a:bodyPr>
+          <a:bodyPr/>
           <a:lstStyle/>
           <a:p>
-            <a:pPr marL="0" indent="0">
-              <a:buNone/>
-            </a:pPr>
-            <a:r>
-              <a:rPr lang="en-US" dirty="0" smtClean="0">
-                <a:solidFill>
-                  <a:schemeClr val="tx2">
-                    <a:lumMod val="75000"/>
-                  </a:schemeClr>
-                </a:solidFill>
-              </a:rPr>
-              <a:t># </a:t>
-            </a:r>
-            <a:r>
-              <a:rPr lang="ru-RU" dirty="0" smtClean="0">
-                <a:solidFill>
-                  <a:schemeClr val="tx2">
-                    <a:lumMod val="75000"/>
-                  </a:schemeClr>
-                </a:solidFill>
-              </a:rPr>
-              <a:t>Импортируем библиотеку для создания </a:t>
-            </a:r>
-            <a:r>
-              <a:rPr lang="en-US" dirty="0" smtClean="0">
-                <a:solidFill>
-                  <a:schemeClr val="tx2">
-                    <a:lumMod val="75000"/>
-                  </a:schemeClr>
-                </a:solidFill>
-              </a:rPr>
-              <a:t>GUI</a:t>
+            <a:r>
+              <a:rPr lang="ru-RU" dirty="0"/>
+              <a:t>Подобные программы мы часто встречаем на сайтах или на десктопных приложениях при регистрации. Из архитектура может варьироваться (внешний вид, внутренняя логика, база </a:t>
+            </a:r>
+            <a:r>
+              <a:rPr lang="ru-RU" dirty="0" smtClean="0"/>
+              <a:t>данных и тд.).</a:t>
             </a:r>
             <a:endParaRPr lang="ru-RU" dirty="0"/>
           </a:p>
           <a:p>
-            <a:pPr marL="0" indent="0">
-              <a:buNone/>
-            </a:pPr>
-            <a:r>
-              <a:rPr lang="en-US" dirty="0">
-                <a:solidFill>
-                  <a:schemeClr val="accent3">
-                    <a:lumMod val="40000"/>
-                    <a:lumOff val="60000"/>
-                  </a:schemeClr>
-                </a:solidFill>
-              </a:rPr>
-              <a:t>from</a:t>
-            </a:r>
-            <a:r>
-              <a:rPr lang="en-US" dirty="0"/>
-              <a:t> tkinter </a:t>
-            </a:r>
-            <a:r>
-              <a:rPr lang="en-US" dirty="0" smtClean="0">
-                <a:solidFill>
-                  <a:schemeClr val="accent3">
-                    <a:lumMod val="40000"/>
-                    <a:lumOff val="60000"/>
-                  </a:schemeClr>
-                </a:solidFill>
-              </a:rPr>
-              <a:t>import</a:t>
-            </a:r>
-            <a:r>
-              <a:rPr lang="en-US" dirty="0" smtClean="0"/>
-              <a:t> *</a:t>
-            </a:r>
-            <a:endParaRPr lang="ru-RU" dirty="0" smtClean="0"/>
-          </a:p>
-          <a:p>
-            <a:pPr marL="0" indent="0">
-              <a:buNone/>
-            </a:pPr>
-            <a:endParaRPr lang="ru-RU" dirty="0" smtClean="0"/>
-          </a:p>
-          <a:p>
-            <a:pPr marL="0" indent="0">
-              <a:buNone/>
-            </a:pPr>
-            <a:r>
-              <a:rPr lang="en-US" dirty="0" smtClean="0">
-                <a:solidFill>
-                  <a:schemeClr val="tx2">
-                    <a:lumMod val="75000"/>
-                  </a:schemeClr>
-                </a:solidFill>
-              </a:rPr>
-              <a:t># </a:t>
-            </a:r>
-            <a:r>
-              <a:rPr lang="ru-RU" dirty="0" smtClean="0">
-                <a:solidFill>
-                  <a:schemeClr val="tx2">
-                    <a:lumMod val="75000"/>
-                  </a:schemeClr>
-                </a:solidFill>
-              </a:rPr>
-              <a:t>Инициализируем основное окно и переименовываем</a:t>
+            <a:r>
+              <a:rPr lang="ru-RU" dirty="0"/>
+              <a:t>Эти программы очень важны так как они помогают собирать данные о пользователях в соцсетях, мобильных у</a:t>
+            </a:r>
+            <a:r>
+              <a:rPr lang="ru-RU" dirty="0" smtClean="0"/>
+              <a:t>стройств, </a:t>
+            </a:r>
+            <a:r>
+              <a:rPr lang="ru-RU" dirty="0"/>
+              <a:t>онлайн </a:t>
+            </a:r>
+            <a:r>
+              <a:rPr lang="ru-RU" dirty="0" smtClean="0"/>
+              <a:t>игр, </a:t>
+            </a:r>
+            <a:r>
+              <a:rPr lang="ru-RU" dirty="0"/>
+              <a:t>операционных </a:t>
+            </a:r>
+            <a:r>
+              <a:rPr lang="ru-RU" dirty="0" smtClean="0"/>
+              <a:t>систем, </a:t>
+            </a:r>
+            <a:r>
+              <a:rPr lang="ru-RU" dirty="0"/>
+              <a:t>драйверов и </a:t>
+            </a:r>
+            <a:r>
+              <a:rPr lang="ru-RU" dirty="0" smtClean="0"/>
+              <a:t>тд</a:t>
+            </a:r>
+            <a:r>
+              <a:rPr lang="ru-RU" dirty="0"/>
+              <a:t>., с целью их дальнейшего </a:t>
+            </a:r>
+            <a:r>
+              <a:rPr lang="ru-RU" dirty="0" smtClean="0"/>
+              <a:t>использования.</a:t>
             </a:r>
             <a:endParaRPr lang="ru-RU" dirty="0"/>
           </a:p>
-          <a:p>
-            <a:pPr marL="0" indent="0">
-              <a:buNone/>
-            </a:pPr>
-            <a:r>
-              <a:rPr lang="en-US" dirty="0"/>
-              <a:t>root = Tk</a:t>
-            </a:r>
-            <a:r>
-              <a:rPr lang="en-US" dirty="0" smtClean="0"/>
-              <a:t>()</a:t>
-            </a:r>
-            <a:endParaRPr lang="ru-RU" dirty="0" smtClean="0"/>
-          </a:p>
-          <a:p>
-            <a:pPr marL="0" indent="0">
-              <a:buNone/>
-            </a:pPr>
-            <a:r>
-              <a:rPr lang="en-US" dirty="0"/>
-              <a:t>root.title</a:t>
-            </a:r>
-            <a:r>
-              <a:rPr lang="en-US" dirty="0" smtClean="0"/>
-              <a:t>(</a:t>
-            </a:r>
-            <a:r>
-              <a:rPr lang="en-US" dirty="0" smtClean="0">
-                <a:solidFill>
-                  <a:schemeClr val="accent2">
-                    <a:lumMod val="40000"/>
-                    <a:lumOff val="60000"/>
-                  </a:schemeClr>
-                </a:solidFill>
-              </a:rPr>
-              <a:t>‘</a:t>
-            </a:r>
-            <a:r>
-              <a:rPr lang="ru-RU" dirty="0" smtClean="0">
-                <a:solidFill>
-                  <a:schemeClr val="accent2">
-                    <a:lumMod val="40000"/>
-                    <a:lumOff val="60000"/>
-                  </a:schemeClr>
-                </a:solidFill>
-              </a:rPr>
-              <a:t>Регистрация клиентов</a:t>
-            </a:r>
-            <a:r>
-              <a:rPr lang="en-US" dirty="0" smtClean="0">
-                <a:solidFill>
-                  <a:schemeClr val="accent2">
-                    <a:lumMod val="40000"/>
-                    <a:lumOff val="60000"/>
-                  </a:schemeClr>
-                </a:solidFill>
-              </a:rPr>
-              <a:t>’</a:t>
-            </a:r>
-            <a:r>
-              <a:rPr lang="ru-RU" dirty="0" smtClean="0"/>
-              <a:t>)</a:t>
-            </a:r>
-            <a:endParaRPr lang="en-US" dirty="0" smtClean="0"/>
-          </a:p>
-          <a:p>
-            <a:pPr marL="0" indent="0">
-              <a:buNone/>
-            </a:pPr>
-            <a:endParaRPr lang="en-US" dirty="0" smtClean="0"/>
-          </a:p>
-          <a:p>
-            <a:pPr marL="0" indent="0">
-              <a:buNone/>
-            </a:pPr>
-            <a:r>
-              <a:rPr lang="en-US" dirty="0" smtClean="0">
-                <a:solidFill>
-                  <a:schemeClr val="tx2">
-                    <a:lumMod val="75000"/>
-                  </a:schemeClr>
-                </a:solidFill>
-              </a:rPr>
-              <a:t># </a:t>
-            </a:r>
-            <a:r>
-              <a:rPr lang="ru-RU" dirty="0" smtClean="0">
-                <a:solidFill>
-                  <a:schemeClr val="tx2">
-                    <a:lumMod val="75000"/>
-                  </a:schemeClr>
-                </a:solidFill>
-              </a:rPr>
-              <a:t>Запускаем окно</a:t>
-            </a:r>
-            <a:endParaRPr lang="en-US" dirty="0"/>
-          </a:p>
-          <a:p>
-            <a:pPr marL="0" indent="0">
-              <a:buNone/>
-            </a:pPr>
-            <a:r>
-              <a:rPr lang="en-US" dirty="0"/>
-              <a:t>root.mainloop()</a:t>
-            </a:r>
-            <a:endParaRPr lang="ru-RU" dirty="0"/>
-          </a:p>
-        </p:txBody>
-      </p:sp>
+        </p:txBody>
+      </p:sp>
+      <p:pic>
+        <p:nvPicPr>
+          <p:cNvPr id="4" name="Picture 2"/>
+          <p:cNvPicPr>
+            <a:picLocks noChangeAspect="1" noChangeArrowheads="1"/>
+          </p:cNvPicPr>
+          <p:nvPr/>
+        </p:nvPicPr>
+        <p:blipFill>
+          <a:blip r:embed="rId2" cstate="print"/>
+          <a:srcRect/>
+          <a:stretch>
+            <a:fillRect/>
+          </a:stretch>
+        </p:blipFill>
+        <p:spPr bwMode="auto">
+          <a:xfrm>
+            <a:off x="6270660" y="2160589"/>
+            <a:ext cx="4093666" cy="3839085"/>
+          </a:xfrm>
+          <a:prstGeom prst="rect">
+            <a:avLst/>
+          </a:prstGeom>
+          <a:noFill/>
+          <a:ln w="9525">
+            <a:noFill/>
+            <a:miter lim="800000"/>
+            <a:headEnd/>
+            <a:tailEnd/>
+          </a:ln>
+        </p:spPr>
+      </p:pic>
     </p:spTree>
     <p:extLst>
       <p:ext uri="{BB962C8B-B14F-4D97-AF65-F5344CB8AC3E}">
-        <p14:creationId xmlns:p14="http://schemas.microsoft.com/office/powerpoint/2010/main" xmlns="" val="2614216554"/>
+        <p14:creationId xmlns:p14="http://schemas.microsoft.com/office/powerpoint/2010/main" val="1597511641"/>
       </p:ext>
     </p:extLst>
   </p:cSld>
   <p:clrMapOvr>
     <a:masterClrMapping/>
   </p:clrMapOvr>
+  <p:timing>
+    <p:tnLst>
+      <p:par>
+        <p:cTn id="1" dur="indefinite" restart="never" nodeType="tmRoot"/>
+      </p:par>
+    </p:tnLst>
+  </p:timing>
 </p:sld>
 </file>
 
@@ -6554,35 +11824,16 @@
             <p:ph type="title"/>
           </p:nvPr>
         </p:nvSpPr>
-        <p:spPr>
-          <a:xfrm>
-            <a:off x="677334" y="609599"/>
-            <a:ext cx="8596668" cy="1468583"/>
-          </a:xfrm>
-        </p:spPr>
-        <p:txBody>
-          <a:bodyPr>
-            <a:normAutofit/>
-          </a:bodyPr>
+        <p:spPr/>
+        <p:txBody>
+          <a:bodyPr/>
           <a:lstStyle/>
           <a:p>
             <a:r>
-              <a:rPr lang="en-US" sz="3200" dirty="0" smtClean="0"/>
-              <a:t>Front and</a:t>
-            </a:r>
-            <a:r>
-              <a:rPr lang="ru-RU" sz="3200" dirty="0" smtClean="0"/>
-              <a:t> / Проектирование</a:t>
-            </a:r>
-            <a:r>
-              <a:rPr lang="en-US" sz="3200" dirty="0"/>
-              <a:t> </a:t>
-            </a:r>
-            <a:r>
-              <a:rPr lang="ru-RU" sz="3200" dirty="0" smtClean="0"/>
-              <a:t>текстовых окон</a:t>
-            </a:r>
-            <a:endParaRPr lang="ru-RU" sz="3200" dirty="0"/>
+              <a:rPr lang="en-US" dirty="0" smtClean="0"/>
+              <a:t>reg_list / main.py</a:t>
+            </a:r>
+            <a:endParaRPr lang="ru-RU" dirty="0"/>
           </a:p>
         </p:txBody>
       </p:sp>
@@ -6596,16 +11847,9 @@
             <p:ph idx="1"/>
           </p:nvPr>
         </p:nvSpPr>
-        <p:spPr>
-          <a:xfrm>
-            <a:off x="677333" y="1311565"/>
-            <a:ext cx="8891539" cy="5209308"/>
-          </a:xfrm>
-        </p:spPr>
-        <p:txBody>
-          <a:bodyPr>
-            <a:normAutofit/>
-          </a:bodyPr>
+        <p:spPr/>
+        <p:txBody>
+          <a:bodyPr/>
           <a:lstStyle/>
           <a:p>
             <a:pPr>
@@ -6613,526 +11857,39 @@
               <a:buChar char="Ø"/>
             </a:pPr>
             <a:r>
+              <a:rPr lang="en-US" dirty="0" smtClean="0"/>
+              <a:t>C</a:t>
+            </a:r>
+            <a:r>
               <a:rPr lang="ru-RU" dirty="0" smtClean="0"/>
-              <a:t>Так как наша программа имеет сложную конструкцию нам придется разбивать основное окно на </a:t>
-            </a:r>
-            <a:r>
-              <a:rPr lang="ru-RU" smtClean="0"/>
-              <a:t>невидимые подокна</a:t>
-            </a:r>
-            <a:endParaRPr lang="ru-RU" dirty="0" smtClean="0"/>
-          </a:p>
-          <a:p>
-            <a:pPr marL="0" indent="0">
-              <a:buNone/>
+              <a:t>оздадим проек</a:t>
+            </a:r>
+            <a:r>
+              <a:rPr lang="ru-RU" dirty="0"/>
+              <a:t>т</a:t>
+            </a:r>
+            <a:r>
+              <a:rPr lang="ru-RU" dirty="0" smtClean="0"/>
+              <a:t> под название </a:t>
+            </a:r>
+            <a:r>
+              <a:rPr lang="en-US" dirty="0" smtClean="0"/>
+              <a:t>reg_list</a:t>
+            </a:r>
+          </a:p>
+          <a:p>
+            <a:pPr>
+              <a:buFont typeface="Wingdings" panose="05000000000000000000" pitchFamily="2" charset="2"/>
+              <a:buChar char="Ø"/>
             </a:pPr>
-            <a:endParaRPr lang="ru-RU" dirty="0" smtClean="0"/>
-          </a:p>
-          <a:p>
-            <a:pPr marL="0" indent="0">
-              <a:buNone/>
-            </a:pPr>
-            <a:r>
-              <a:rPr lang="en-US" dirty="0" smtClean="0">
-                <a:solidFill>
-                  <a:schemeClr val="tx2">
-                    <a:lumMod val="75000"/>
-                  </a:schemeClr>
-                </a:solidFill>
-              </a:rPr>
-              <a:t># </a:t>
-            </a:r>
-            <a:r>
-              <a:rPr lang="ru-RU" dirty="0" smtClean="0">
-                <a:solidFill>
-                  <a:schemeClr val="tx2">
-                    <a:lumMod val="75000"/>
-                  </a:schemeClr>
-                </a:solidFill>
-              </a:rPr>
-              <a:t>Создаем под окно</a:t>
-            </a:r>
-          </a:p>
-          <a:p>
-            <a:pPr marL="0" indent="0">
-              <a:buNone/>
-            </a:pPr>
+            <a:r>
+              <a:rPr lang="ru-RU" dirty="0" smtClean="0"/>
+              <a:t>В нем создадим файл </a:t>
+            </a:r>
             <a:r>
               <a:rPr lang="en-US" dirty="0" smtClean="0"/>
-              <a:t>text_frame </a:t>
-            </a:r>
-            <a:r>
-              <a:rPr lang="en-US" dirty="0"/>
-              <a:t>= Frame(</a:t>
-            </a:r>
-            <a:r>
-              <a:rPr lang="en-US" dirty="0">
-                <a:solidFill>
-                  <a:schemeClr val="accent5">
-                    <a:lumMod val="60000"/>
-                    <a:lumOff val="40000"/>
-                  </a:schemeClr>
-                </a:solidFill>
-              </a:rPr>
-              <a:t>master</a:t>
-            </a:r>
-            <a:r>
-              <a:rPr lang="en-US" dirty="0"/>
-              <a:t>=root</a:t>
-            </a:r>
-            <a:r>
-              <a:rPr lang="en-US" dirty="0" smtClean="0"/>
-              <a:t>)</a:t>
-            </a:r>
-            <a:endParaRPr lang="ru-RU" dirty="0" smtClean="0"/>
-          </a:p>
-          <a:p>
-            <a:pPr marL="0" indent="0">
-              <a:buNone/>
-            </a:pPr>
-            <a:endParaRPr lang="en-US" dirty="0" smtClean="0"/>
-          </a:p>
-          <a:p>
-            <a:pPr marL="0" indent="0">
-              <a:buNone/>
-            </a:pPr>
-            <a:r>
-              <a:rPr lang="en-US" dirty="0" smtClean="0">
-                <a:solidFill>
-                  <a:schemeClr val="tx2">
-                    <a:lumMod val="75000"/>
-                  </a:schemeClr>
-                </a:solidFill>
-              </a:rPr>
-              <a:t># </a:t>
-            </a:r>
-            <a:r>
-              <a:rPr lang="ru-RU" dirty="0" smtClean="0">
-                <a:solidFill>
-                  <a:schemeClr val="tx2">
-                    <a:lumMod val="75000"/>
-                  </a:schemeClr>
-                </a:solidFill>
-              </a:rPr>
-              <a:t>Проектируем внутреннюю конструкцию текстового подокна ВСЕ объекты </a:t>
-            </a:r>
-            <a:endParaRPr lang="en-US" dirty="0" smtClean="0">
-              <a:solidFill>
-                <a:schemeClr val="tx2">
-                  <a:lumMod val="75000"/>
-                </a:schemeClr>
-              </a:solidFill>
-            </a:endParaRPr>
-          </a:p>
-          <a:p>
-            <a:pPr marL="0" indent="0">
-              <a:buNone/>
-            </a:pPr>
-            <a:r>
-              <a:rPr lang="en-US" dirty="0" smtClean="0">
-                <a:solidFill>
-                  <a:schemeClr val="tx2">
-                    <a:lumMod val="75000"/>
-                  </a:schemeClr>
-                </a:solidFill>
-              </a:rPr>
-              <a:t># </a:t>
-            </a:r>
-            <a:r>
-              <a:rPr lang="ru-RU" dirty="0" smtClean="0">
-                <a:solidFill>
-                  <a:schemeClr val="tx2">
-                    <a:lumMod val="75000"/>
-                  </a:schemeClr>
-                </a:solidFill>
-              </a:rPr>
-              <a:t>обязательно привязываем к нему через</a:t>
-            </a:r>
-            <a:r>
-              <a:rPr lang="en-US" dirty="0" smtClean="0">
-                <a:solidFill>
-                  <a:schemeClr val="tx2">
-                    <a:lumMod val="75000"/>
-                  </a:schemeClr>
-                </a:solidFill>
-              </a:rPr>
-              <a:t> </a:t>
-            </a:r>
-            <a:r>
-              <a:rPr lang="ru-RU" dirty="0" smtClean="0">
-                <a:solidFill>
-                  <a:schemeClr val="tx2">
-                    <a:lumMod val="75000"/>
-                  </a:schemeClr>
-                </a:solidFill>
-              </a:rPr>
-              <a:t>аргумент </a:t>
-            </a:r>
-            <a:r>
-              <a:rPr lang="en-US" dirty="0" smtClean="0">
-                <a:solidFill>
-                  <a:schemeClr val="tx2">
-                    <a:lumMod val="75000"/>
-                  </a:schemeClr>
-                </a:solidFill>
-              </a:rPr>
-              <a:t>master</a:t>
-            </a:r>
-          </a:p>
-          <a:p>
-            <a:pPr marL="0" indent="0">
-              <a:buNone/>
-            </a:pPr>
-            <a:r>
-              <a:rPr lang="en-US" dirty="0"/>
-              <a:t>n</a:t>
-            </a:r>
-            <a:r>
-              <a:rPr lang="en-US" dirty="0" smtClean="0"/>
-              <a:t>ame_lbl </a:t>
-            </a:r>
-            <a:r>
-              <a:rPr lang="en-US" dirty="0"/>
-              <a:t>= Label(</a:t>
-            </a:r>
-            <a:r>
-              <a:rPr lang="en-US" dirty="0">
-                <a:solidFill>
-                  <a:schemeClr val="accent5">
-                    <a:lumMod val="60000"/>
-                    <a:lumOff val="40000"/>
-                  </a:schemeClr>
-                </a:solidFill>
-              </a:rPr>
-              <a:t>master</a:t>
-            </a:r>
-            <a:r>
-              <a:rPr lang="en-US" dirty="0"/>
-              <a:t>=base_frame, </a:t>
-            </a:r>
-            <a:r>
-              <a:rPr lang="en-US" dirty="0">
-                <a:solidFill>
-                  <a:schemeClr val="accent5">
-                    <a:lumMod val="60000"/>
-                    <a:lumOff val="40000"/>
-                  </a:schemeClr>
-                </a:solidFill>
-              </a:rPr>
-              <a:t>text</a:t>
-            </a:r>
-            <a:r>
-              <a:rPr lang="en-US" dirty="0"/>
-              <a:t>=</a:t>
-            </a:r>
-            <a:r>
-              <a:rPr lang="en-US" dirty="0">
-                <a:solidFill>
-                  <a:schemeClr val="accent2">
-                    <a:lumMod val="40000"/>
-                    <a:lumOff val="60000"/>
-                  </a:schemeClr>
-                </a:solidFill>
-              </a:rPr>
-              <a:t>'</a:t>
-            </a:r>
-            <a:r>
-              <a:rPr lang="ru-RU" dirty="0">
-                <a:solidFill>
-                  <a:schemeClr val="accent2">
-                    <a:lumMod val="40000"/>
-                    <a:lumOff val="60000"/>
-                  </a:schemeClr>
-                </a:solidFill>
-              </a:rPr>
-              <a:t>Введите ФИО</a:t>
-            </a:r>
-            <a:r>
-              <a:rPr lang="ru-RU" dirty="0" smtClean="0">
-                <a:solidFill>
-                  <a:schemeClr val="accent2">
-                    <a:lumMod val="40000"/>
-                    <a:lumOff val="60000"/>
-                  </a:schemeClr>
-                </a:solidFill>
-              </a:rPr>
-              <a:t>:‘</a:t>
-            </a:r>
-            <a:r>
-              <a:rPr lang="ru-RU" dirty="0" smtClean="0">
-                <a:solidFill>
-                  <a:schemeClr val="tx1"/>
-                </a:solidFill>
-              </a:rPr>
-              <a:t>)</a:t>
-            </a:r>
-            <a:endParaRPr lang="en-US" dirty="0" smtClean="0">
-              <a:solidFill>
-                <a:schemeClr val="tx1"/>
-              </a:solidFill>
-            </a:endParaRPr>
-          </a:p>
-          <a:p>
-            <a:pPr marL="0" indent="0">
-              <a:buNone/>
-            </a:pPr>
-            <a:r>
-              <a:rPr lang="en-US" dirty="0" smtClean="0">
-                <a:solidFill>
-                  <a:schemeClr val="tx1"/>
-                </a:solidFill>
-              </a:rPr>
-              <a:t>bdate</a:t>
-            </a:r>
-            <a:r>
-              <a:rPr lang="ru-RU" dirty="0">
-                <a:solidFill>
-                  <a:schemeClr val="tx1"/>
-                </a:solidFill>
-              </a:rPr>
-              <a:t>_</a:t>
-            </a:r>
-            <a:r>
-              <a:rPr lang="en-US" dirty="0">
-                <a:solidFill>
-                  <a:schemeClr val="tx1"/>
-                </a:solidFill>
-              </a:rPr>
-              <a:t>lbl = Label(</a:t>
-            </a:r>
-            <a:r>
-              <a:rPr lang="en-US" dirty="0">
-                <a:solidFill>
-                  <a:schemeClr val="accent5">
-                    <a:lumMod val="60000"/>
-                    <a:lumOff val="40000"/>
-                  </a:schemeClr>
-                </a:solidFill>
-              </a:rPr>
-              <a:t>master</a:t>
-            </a:r>
-            <a:r>
-              <a:rPr lang="en-US" dirty="0">
-                <a:solidFill>
-                  <a:schemeClr val="tx1"/>
-                </a:solidFill>
-              </a:rPr>
-              <a:t>=base_frame, </a:t>
-            </a:r>
-            <a:r>
-              <a:rPr lang="en-US" dirty="0">
-                <a:solidFill>
-                  <a:schemeClr val="accent5">
-                    <a:lumMod val="60000"/>
-                    <a:lumOff val="40000"/>
-                  </a:schemeClr>
-                </a:solidFill>
-              </a:rPr>
-              <a:t>text</a:t>
-            </a:r>
-            <a:r>
-              <a:rPr lang="en-US" dirty="0">
-                <a:solidFill>
-                  <a:schemeClr val="tx1"/>
-                </a:solidFill>
-              </a:rPr>
-              <a:t>=</a:t>
-            </a:r>
-            <a:r>
-              <a:rPr lang="en-US" dirty="0">
-                <a:solidFill>
-                  <a:schemeClr val="accent2">
-                    <a:lumMod val="40000"/>
-                    <a:lumOff val="60000"/>
-                  </a:schemeClr>
-                </a:solidFill>
-              </a:rPr>
-              <a:t>'</a:t>
-            </a:r>
-            <a:r>
-              <a:rPr lang="ru-RU" dirty="0">
-                <a:solidFill>
-                  <a:schemeClr val="accent2">
-                    <a:lumMod val="40000"/>
-                    <a:lumOff val="60000"/>
-                  </a:schemeClr>
-                </a:solidFill>
-              </a:rPr>
-              <a:t>Введите дату рождения:'</a:t>
-            </a:r>
-            <a:r>
-              <a:rPr lang="ru-RU" dirty="0">
-                <a:solidFill>
-                  <a:schemeClr val="tx1"/>
-                </a:solidFill>
-              </a:rPr>
-              <a:t>)</a:t>
-            </a:r>
-          </a:p>
-          <a:p>
-            <a:pPr marL="0" indent="0">
-              <a:buNone/>
-            </a:pPr>
-            <a:endParaRPr lang="en-US" dirty="0" smtClean="0">
-              <a:solidFill>
-                <a:schemeClr val="accent2">
-                  <a:lumMod val="40000"/>
-                  <a:lumOff val="60000"/>
-                </a:schemeClr>
-              </a:solidFill>
-            </a:endParaRPr>
-          </a:p>
-          <a:p>
-            <a:pPr marL="0" indent="0">
-              <a:buNone/>
-            </a:pPr>
-            <a:r>
-              <a:rPr lang="en-US" dirty="0"/>
-              <a:t>n</a:t>
-            </a:r>
-            <a:r>
-              <a:rPr lang="en-US" dirty="0" smtClean="0"/>
-              <a:t>ame_line </a:t>
-            </a:r>
-            <a:r>
-              <a:rPr lang="en-US" dirty="0"/>
-              <a:t>= Entry(</a:t>
-            </a:r>
-            <a:r>
-              <a:rPr lang="en-US" dirty="0">
-                <a:solidFill>
-                  <a:schemeClr val="accent5">
-                    <a:lumMod val="60000"/>
-                    <a:lumOff val="40000"/>
-                  </a:schemeClr>
-                </a:solidFill>
-              </a:rPr>
-              <a:t>master</a:t>
-            </a:r>
-            <a:r>
-              <a:rPr lang="en-US" dirty="0"/>
-              <a:t>=base_frame, </a:t>
-            </a:r>
-            <a:r>
-              <a:rPr lang="en-US" dirty="0">
-                <a:solidFill>
-                  <a:schemeClr val="accent5">
-                    <a:lumMod val="60000"/>
-                    <a:lumOff val="40000"/>
-                  </a:schemeClr>
-                </a:solidFill>
-              </a:rPr>
-              <a:t>width</a:t>
-            </a:r>
-            <a:r>
-              <a:rPr lang="en-US" dirty="0"/>
-              <a:t>=40</a:t>
-            </a:r>
-            <a:r>
-              <a:rPr lang="en-US" dirty="0" smtClean="0"/>
-              <a:t>)</a:t>
-            </a:r>
-            <a:r>
-              <a:rPr lang="ru-RU" dirty="0"/>
-              <a:t>	</a:t>
-            </a:r>
-            <a:r>
-              <a:rPr lang="en-US" dirty="0" smtClean="0">
-                <a:solidFill>
-                  <a:schemeClr val="tx2">
-                    <a:lumMod val="75000"/>
-                  </a:schemeClr>
-                </a:solidFill>
-              </a:rPr>
-              <a:t># width – </a:t>
-            </a:r>
-            <a:r>
-              <a:rPr lang="ru-RU" dirty="0" smtClean="0">
-                <a:solidFill>
-                  <a:schemeClr val="tx2">
-                    <a:lumMod val="75000"/>
-                  </a:schemeClr>
-                </a:solidFill>
-              </a:rPr>
-              <a:t>ширина виджета</a:t>
-            </a:r>
-          </a:p>
-          <a:p>
-            <a:pPr marL="0" indent="0">
-              <a:buNone/>
-            </a:pPr>
-            <a:r>
-              <a:rPr lang="en-US" dirty="0" smtClean="0">
-                <a:solidFill>
-                  <a:schemeClr val="tx1"/>
-                </a:solidFill>
-              </a:rPr>
-              <a:t>bdate_line </a:t>
-            </a:r>
-            <a:r>
-              <a:rPr lang="en-US" dirty="0">
-                <a:solidFill>
-                  <a:schemeClr val="tx1"/>
-                </a:solidFill>
-              </a:rPr>
-              <a:t>= Entry(</a:t>
-            </a:r>
-            <a:r>
-              <a:rPr lang="en-US" dirty="0">
-                <a:solidFill>
-                  <a:schemeClr val="accent5">
-                    <a:lumMod val="60000"/>
-                    <a:lumOff val="40000"/>
-                  </a:schemeClr>
-                </a:solidFill>
-              </a:rPr>
-              <a:t>master</a:t>
-            </a:r>
-            <a:r>
-              <a:rPr lang="en-US" dirty="0">
-                <a:solidFill>
-                  <a:schemeClr val="tx1"/>
-                </a:solidFill>
-              </a:rPr>
-              <a:t>=base_frame, </a:t>
-            </a:r>
-            <a:r>
-              <a:rPr lang="en-US" dirty="0">
-                <a:solidFill>
-                  <a:schemeClr val="accent5">
-                    <a:lumMod val="60000"/>
-                    <a:lumOff val="40000"/>
-                  </a:schemeClr>
-                </a:solidFill>
-              </a:rPr>
-              <a:t>width</a:t>
-            </a:r>
-            <a:r>
-              <a:rPr lang="en-US" dirty="0">
-                <a:solidFill>
-                  <a:schemeClr val="tx1"/>
-                </a:solidFill>
-              </a:rPr>
-              <a:t>=40</a:t>
-            </a:r>
-            <a:r>
-              <a:rPr lang="en-US" dirty="0" smtClean="0">
-                <a:solidFill>
-                  <a:schemeClr val="tx1"/>
-                </a:solidFill>
-              </a:rPr>
-              <a:t>)</a:t>
-            </a:r>
-            <a:endParaRPr lang="ru-RU" dirty="0" smtClean="0">
-              <a:solidFill>
-                <a:schemeClr val="tx1"/>
-              </a:solidFill>
-            </a:endParaRPr>
-          </a:p>
-          <a:p>
-            <a:pPr marL="0" indent="0">
-              <a:buNone/>
-            </a:pPr>
+              <a:t>main.py</a:t>
+            </a:r>
             <a:endParaRPr lang="ru-RU" dirty="0"/>
           </a:p>
         </p:txBody>
@@ -7140,13 +11897,20 @@
     </p:spTree>
     <p:extLst>
       <p:ext uri="{BB962C8B-B14F-4D97-AF65-F5344CB8AC3E}">
-        <p14:creationId xmlns:p14="http://schemas.microsoft.com/office/powerpoint/2010/main" xmlns="" val="1680309241"/>
+        <p14:creationId xmlns:p14="http://schemas.microsoft.com/office/powerpoint/2010/main" val="1861724192"/>
       </p:ext>
     </p:extLst>
   </p:cSld>
   <p:clrMapOvr>
     <a:masterClrMapping/>
   </p:clrMapOvr>
+  <p:timing>
+    <p:tnLst>
+      <p:par>
+        <p:cTn id="1" dur="indefinite" restart="never" nodeType="tmRoot"/>
+      </p:par>
+    </p:tnLst>
+  </p:timing>
 </p:sld>
 </file>
 
@@ -7179,21 +11943,31 @@
         </p:nvSpPr>
         <p:spPr>
           <a:xfrm>
-            <a:off x="677334" y="609600"/>
-            <a:ext cx="8596668" cy="757382"/>
+            <a:off x="677333" y="609600"/>
+            <a:ext cx="8882303" cy="628073"/>
           </a:xfrm>
         </p:spPr>
         <p:txBody>
-          <a:bodyPr/>
+          <a:bodyPr>
+            <a:normAutofit fontScale="90000"/>
+          </a:bodyPr>
           <a:lstStyle/>
           <a:p>
             <a:r>
+              <a:rPr lang="en-US" dirty="0"/>
+              <a:t>Front </a:t>
+            </a:r>
+            <a:r>
               <a:rPr lang="en-US" dirty="0" smtClean="0"/>
-              <a:t>Front and / </a:t>
+              <a:t>end</a:t>
             </a:r>
             <a:r>
               <a:rPr lang="ru-RU" dirty="0" smtClean="0"/>
-              <a:t>Проектирования флагов</a:t>
+              <a:t> </a:t>
+            </a:r>
+            <a:r>
+              <a:rPr lang="ru-RU" dirty="0" smtClean="0"/>
+              <a:t>/ Развертывание основного окна</a:t>
             </a:r>
             <a:endParaRPr lang="ru-RU" dirty="0"/>
           </a:p>
@@ -7209,7 +11983,12 @@
             <p:ph idx="1"/>
           </p:nvPr>
         </p:nvSpPr>
-        <p:spPr/>
+        <p:spPr>
+          <a:xfrm>
+            <a:off x="677334" y="1717965"/>
+            <a:ext cx="8596668" cy="4895272"/>
+          </a:xfrm>
+        </p:spPr>
         <p:txBody>
           <a:bodyPr>
             <a:normAutofit/>
@@ -7220,99 +11999,126 @@
               <a:buNone/>
             </a:pPr>
             <a:r>
-              <a:rPr lang="nn-NO" dirty="0" smtClean="0"/>
-              <a:t>flag_frame </a:t>
-            </a:r>
-            <a:r>
-              <a:rPr lang="nn-NO" dirty="0"/>
-              <a:t>= Frame(</a:t>
-            </a:r>
-            <a:r>
-              <a:rPr lang="nn-NO" dirty="0">
-                <a:solidFill>
-                  <a:schemeClr val="accent5">
-                    <a:lumMod val="60000"/>
-                    <a:lumOff val="40000"/>
-                  </a:schemeClr>
-                </a:solidFill>
-              </a:rPr>
-              <a:t>master</a:t>
-            </a:r>
-            <a:r>
-              <a:rPr lang="nn-NO" dirty="0"/>
-              <a:t>=root</a:t>
-            </a:r>
-            <a:r>
-              <a:rPr lang="nn-NO" dirty="0" smtClean="0"/>
-              <a:t>)</a:t>
+              <a:rPr lang="en-US" dirty="0" smtClean="0">
+                <a:solidFill>
+                  <a:schemeClr val="tx2">
+                    <a:lumMod val="75000"/>
+                  </a:schemeClr>
+                </a:solidFill>
+              </a:rPr>
+              <a:t># </a:t>
+            </a:r>
+            <a:r>
+              <a:rPr lang="ru-RU" dirty="0" smtClean="0">
+                <a:solidFill>
+                  <a:schemeClr val="tx2">
+                    <a:lumMod val="75000"/>
+                  </a:schemeClr>
+                </a:solidFill>
+              </a:rPr>
+              <a:t>Импортируем библиотеки</a:t>
             </a:r>
           </a:p>
           <a:p>
             <a:pPr marL="0" indent="0">
               <a:buNone/>
             </a:pPr>
-            <a:endParaRPr lang="nn-NO" dirty="0"/>
+            <a:r>
+              <a:rPr lang="en-US" dirty="0" smtClean="0">
+                <a:solidFill>
+                  <a:schemeClr val="accent3">
+                    <a:lumMod val="40000"/>
+                    <a:lumOff val="60000"/>
+                  </a:schemeClr>
+                </a:solidFill>
+              </a:rPr>
+              <a:t>from</a:t>
+            </a:r>
+            <a:r>
+              <a:rPr lang="en-US" dirty="0" smtClean="0"/>
+              <a:t> </a:t>
+            </a:r>
+            <a:r>
+              <a:rPr lang="en-US" dirty="0"/>
+              <a:t>tkinter </a:t>
+            </a:r>
+            <a:r>
+              <a:rPr lang="en-US" dirty="0" smtClean="0">
+                <a:solidFill>
+                  <a:schemeClr val="accent3">
+                    <a:lumMod val="40000"/>
+                    <a:lumOff val="60000"/>
+                  </a:schemeClr>
+                </a:solidFill>
+              </a:rPr>
+              <a:t>import</a:t>
+            </a:r>
+            <a:r>
+              <a:rPr lang="en-US" dirty="0" smtClean="0"/>
+              <a:t> *</a:t>
+            </a:r>
+            <a:endParaRPr lang="ru-RU" dirty="0" smtClean="0"/>
           </a:p>
           <a:p>
             <a:pPr marL="0" indent="0">
               <a:buNone/>
             </a:pPr>
-            <a:r>
-              <a:rPr lang="en-US" dirty="0"/>
-              <a:t>i</a:t>
+            <a:endParaRPr lang="ru-RU" dirty="0" smtClean="0"/>
+          </a:p>
+          <a:p>
+            <a:pPr marL="0" indent="0">
+              <a:buNone/>
+            </a:pPr>
+            <a:r>
+              <a:rPr lang="en-US" dirty="0" smtClean="0">
+                <a:solidFill>
+                  <a:schemeClr val="tx2">
+                    <a:lumMod val="75000"/>
+                  </a:schemeClr>
+                </a:solidFill>
+              </a:rPr>
+              <a:t># </a:t>
+            </a:r>
+            <a:r>
+              <a:rPr lang="ru-RU" dirty="0" smtClean="0">
+                <a:solidFill>
+                  <a:schemeClr val="tx2">
+                    <a:lumMod val="75000"/>
+                  </a:schemeClr>
+                </a:solidFill>
+              </a:rPr>
+              <a:t>Инициализируем основное окно и переименовываем</a:t>
+            </a:r>
+            <a:endParaRPr lang="ru-RU" dirty="0"/>
+          </a:p>
+          <a:p>
+            <a:pPr marL="0" indent="0">
+              <a:buNone/>
+            </a:pPr>
+            <a:r>
+              <a:rPr lang="en-US" dirty="0"/>
+              <a:t>root = Tk</a:t>
             </a:r>
             <a:r>
               <a:rPr lang="en-US" dirty="0" smtClean="0"/>
-              <a:t>nterest_lbl</a:t>
-            </a:r>
-            <a:r>
-              <a:rPr lang="nn-NO" dirty="0" smtClean="0"/>
-              <a:t> </a:t>
-            </a:r>
-            <a:r>
-              <a:rPr lang="nn-NO" dirty="0"/>
-              <a:t>= Label(</a:t>
-            </a:r>
-            <a:r>
-              <a:rPr lang="nn-NO" dirty="0">
-                <a:solidFill>
-                  <a:schemeClr val="accent5">
-                    <a:lumMod val="60000"/>
-                    <a:lumOff val="40000"/>
-                  </a:schemeClr>
-                </a:solidFill>
-              </a:rPr>
-              <a:t>master</a:t>
-            </a:r>
-            <a:r>
-              <a:rPr lang="nn-NO" dirty="0" smtClean="0"/>
-              <a:t>=</a:t>
-            </a:r>
-            <a:r>
-              <a:rPr lang="nn-NO" dirty="0"/>
-              <a:t> flag_frame</a:t>
-            </a:r>
-            <a:r>
-              <a:rPr lang="nn-NO" dirty="0" smtClean="0"/>
-              <a:t>, </a:t>
-            </a:r>
-            <a:r>
-              <a:rPr lang="nn-NO" dirty="0">
-                <a:solidFill>
-                  <a:schemeClr val="accent5">
-                    <a:lumMod val="60000"/>
-                    <a:lumOff val="40000"/>
-                  </a:schemeClr>
-                </a:solidFill>
-              </a:rPr>
-              <a:t>text</a:t>
-            </a:r>
-            <a:r>
-              <a:rPr lang="nn-NO" dirty="0" smtClean="0"/>
-              <a:t>=</a:t>
-            </a:r>
-            <a:r>
-              <a:rPr lang="nn-NO" dirty="0" smtClean="0">
+              <a:t>()</a:t>
+            </a:r>
+            <a:endParaRPr lang="ru-RU" dirty="0" smtClean="0"/>
+          </a:p>
+          <a:p>
+            <a:pPr marL="0" indent="0">
+              <a:buNone/>
+            </a:pPr>
+            <a:r>
+              <a:rPr lang="en-US" dirty="0"/>
+              <a:t>root.title</a:t>
+            </a:r>
+            <a:r>
+              <a:rPr lang="en-US" dirty="0" smtClean="0"/>
+              <a:t>(</a:t>
+            </a:r>
+            <a:r>
+              <a:rPr lang="en-US" dirty="0" smtClean="0">
                 <a:solidFill>
                   <a:schemeClr val="accent2">
                     <a:lumMod val="40000"/>
@@ -7331,7 +12137,7 @@
                   </a:schemeClr>
                 </a:solidFill>
               </a:rPr>
-              <a:t>Выдерите интересы:</a:t>
+              <a:t>Регистрация клиентов</a:t>
             </a:r>
             <a:r>
               <a:rPr lang="en-US" dirty="0" smtClean="0">
@@ -7345,244 +12151,50 @@
               <a:t>’</a:t>
             </a:r>
             <a:r>
-              <a:rPr lang="nn-NO" dirty="0" smtClean="0"/>
+              <a:rPr lang="ru-RU" dirty="0" smtClean="0"/>
               <a:t>)</a:t>
             </a:r>
+            <a:endParaRPr lang="en-US" dirty="0" smtClean="0"/>
           </a:p>
           <a:p>
             <a:pPr marL="0" indent="0">
               <a:buNone/>
             </a:pPr>
-            <a:endParaRPr lang="nn-NO" dirty="0" smtClean="0"/>
+            <a:endParaRPr lang="en-US" dirty="0" smtClean="0"/>
           </a:p>
           <a:p>
             <a:pPr marL="0" indent="0">
               <a:buNone/>
             </a:pPr>
             <a:r>
-              <a:rPr lang="nn-NO" dirty="0">
-                <a:solidFill>
-                  <a:schemeClr val="accent3">
-                    <a:lumMod val="60000"/>
-                    <a:lumOff val="40000"/>
-                  </a:schemeClr>
-                </a:solidFill>
-              </a:rPr>
-              <a:t>d</a:t>
-            </a:r>
-            <a:r>
-              <a:rPr lang="nn-NO" dirty="0" smtClean="0">
-                <a:solidFill>
-                  <a:schemeClr val="accent3">
-                    <a:lumMod val="60000"/>
-                    <a:lumOff val="40000"/>
-                  </a:schemeClr>
-                </a:solidFill>
-              </a:rPr>
-              <a:t>ef</a:t>
-            </a:r>
-            <a:r>
-              <a:rPr lang="nn-NO" dirty="0" smtClean="0"/>
-              <a:t> create_flag(text, master):</a:t>
-            </a:r>
+              <a:rPr lang="en-US" dirty="0" smtClean="0">
+                <a:solidFill>
+                  <a:schemeClr val="tx2">
+                    <a:lumMod val="75000"/>
+                  </a:schemeClr>
+                </a:solidFill>
+              </a:rPr>
+              <a:t># </a:t>
+            </a:r>
+            <a:r>
+              <a:rPr lang="ru-RU" dirty="0" smtClean="0">
+                <a:solidFill>
+                  <a:schemeClr val="tx2">
+                    <a:lumMod val="75000"/>
+                  </a:schemeClr>
+                </a:solidFill>
+              </a:rPr>
+              <a:t>Запускаем окно</a:t>
+            </a:r>
+            <a:endParaRPr lang="en-US" dirty="0"/>
           </a:p>
           <a:p>
             <a:pPr marL="0" indent="0">
               <a:buNone/>
             </a:pPr>
             <a:r>
-              <a:rPr lang="en-US" dirty="0" smtClean="0"/>
-              <a:t>	interest_lbl</a:t>
-            </a:r>
-            <a:r>
-              <a:rPr lang="nn-NO" dirty="0" smtClean="0"/>
-              <a:t> </a:t>
-            </a:r>
-            <a:r>
-              <a:rPr lang="nn-NO" dirty="0"/>
-              <a:t>= </a:t>
-            </a:r>
-            <a:r>
-              <a:rPr lang="nn-NO" dirty="0" smtClean="0"/>
-              <a:t>Label(</a:t>
-            </a:r>
-            <a:r>
-              <a:rPr lang="nn-NO" dirty="0" smtClean="0">
-                <a:solidFill>
-                  <a:schemeClr val="accent5">
-                    <a:lumMod val="60000"/>
-                    <a:lumOff val="40000"/>
-                  </a:schemeClr>
-                </a:solidFill>
-              </a:rPr>
-              <a:t>master</a:t>
-            </a:r>
-            <a:r>
-              <a:rPr lang="nn-NO" dirty="0" smtClean="0"/>
-              <a:t>=master, </a:t>
-            </a:r>
-            <a:r>
-              <a:rPr lang="nn-NO" dirty="0">
-                <a:solidFill>
-                  <a:schemeClr val="accent5">
-                    <a:lumMod val="60000"/>
-                    <a:lumOff val="40000"/>
-                  </a:schemeClr>
-                </a:solidFill>
-              </a:rPr>
-              <a:t>text</a:t>
-            </a:r>
-            <a:r>
-              <a:rPr lang="nn-NO" dirty="0"/>
-              <a:t>=</a:t>
-            </a:r>
-            <a:r>
-              <a:rPr lang="nn-NO" dirty="0">
-                <a:solidFill>
-                  <a:schemeClr val="accent2">
-                    <a:lumMod val="40000"/>
-                    <a:lumOff val="60000"/>
-                  </a:schemeClr>
-                </a:solidFill>
-              </a:rPr>
-              <a:t>‘</a:t>
-            </a:r>
-            <a:r>
-              <a:rPr lang="ru-RU" dirty="0">
-                <a:solidFill>
-                  <a:schemeClr val="accent2">
-                    <a:lumMod val="40000"/>
-                    <a:lumOff val="60000"/>
-                  </a:schemeClr>
-                </a:solidFill>
-              </a:rPr>
-              <a:t>Выдерите интересы:</a:t>
-            </a:r>
-            <a:r>
-              <a:rPr lang="en-US" dirty="0">
-                <a:solidFill>
-                  <a:schemeClr val="accent2">
-                    <a:lumMod val="40000"/>
-                    <a:lumOff val="60000"/>
-                  </a:schemeClr>
-                </a:solidFill>
-              </a:rPr>
-              <a:t>’</a:t>
-            </a:r>
-            <a:r>
-              <a:rPr lang="nn-NO" dirty="0" smtClean="0"/>
-              <a:t>)</a:t>
-            </a:r>
-          </a:p>
-          <a:p>
-            <a:pPr marL="0" indent="0">
-              <a:buNone/>
-            </a:pPr>
-            <a:r>
-              <a:rPr lang="nn-NO" dirty="0"/>
-              <a:t>	</a:t>
-            </a:r>
-            <a:r>
-              <a:rPr lang="en-US" dirty="0" err="1" smtClean="0"/>
-              <a:t>Init_bool</a:t>
-            </a:r>
-            <a:r>
-              <a:rPr lang="en-US" dirty="0" smtClean="0"/>
-              <a:t> </a:t>
-            </a:r>
-            <a:r>
-              <a:rPr lang="en-US" dirty="0"/>
-              <a:t>= </a:t>
-            </a:r>
-            <a:r>
-              <a:rPr lang="en-US" dirty="0" err="1"/>
-              <a:t>BooleanVar</a:t>
-            </a:r>
-            <a:r>
-              <a:rPr lang="en-US" dirty="0" smtClean="0"/>
-              <a:t>()</a:t>
-            </a:r>
-          </a:p>
-          <a:p>
-            <a:pPr marL="0" indent="0">
-              <a:buNone/>
-            </a:pPr>
-            <a:r>
-              <a:rPr lang="en-US" dirty="0"/>
-              <a:t>	</a:t>
-            </a:r>
-            <a:r>
-              <a:rPr lang="en-US" dirty="0" err="1" smtClean="0"/>
-              <a:t>Init_bool.set</a:t>
-            </a:r>
-            <a:r>
-              <a:rPr lang="en-US" dirty="0" smtClean="0"/>
-              <a:t>(0)</a:t>
-            </a:r>
-          </a:p>
-          <a:p>
-            <a:pPr marL="0" indent="0">
-              <a:buNone/>
-            </a:pPr>
-            <a:r>
-              <a:rPr lang="en-US" dirty="0"/>
-              <a:t>	</a:t>
-            </a:r>
-            <a:r>
-              <a:rPr lang="en-US" dirty="0" smtClean="0"/>
-              <a:t>flag </a:t>
-            </a:r>
-            <a:r>
-              <a:rPr lang="en-US" dirty="0"/>
-              <a:t>= </a:t>
-            </a:r>
-            <a:r>
-              <a:rPr lang="en-US" dirty="0" err="1"/>
-              <a:t>Checkbutton</a:t>
-            </a:r>
-            <a:r>
-              <a:rPr lang="en-US" dirty="0"/>
-              <a:t>(master=</a:t>
-            </a:r>
-            <a:r>
-              <a:rPr lang="en-US" dirty="0" err="1"/>
-              <a:t>lang_frame</a:t>
-            </a:r>
-            <a:r>
-              <a:rPr lang="en-US" dirty="0"/>
-              <a:t>, text='Python', variable=</a:t>
-            </a:r>
-            <a:r>
-              <a:rPr lang="en-US" dirty="0" err="1"/>
-              <a:t>bool_py</a:t>
-            </a:r>
-            <a:r>
-              <a:rPr lang="en-US" dirty="0"/>
-              <a:t>, </a:t>
-            </a:r>
-            <a:r>
-              <a:rPr lang="en-US" dirty="0" smtClean="0"/>
-              <a:t>	</a:t>
-            </a:r>
-            <a:r>
-              <a:rPr lang="en-US" dirty="0" err="1" smtClean="0"/>
-              <a:t>onvalue</a:t>
-            </a:r>
-            <a:r>
-              <a:rPr lang="en-US" dirty="0" smtClean="0"/>
-              <a:t>=1</a:t>
-            </a:r>
-            <a:r>
-              <a:rPr lang="en-US" dirty="0"/>
-              <a:t>, </a:t>
-            </a:r>
-            <a:r>
-              <a:rPr lang="en-US" dirty="0" err="1"/>
-              <a:t>offvalue</a:t>
-            </a:r>
-            <a:r>
-              <a:rPr lang="en-US" dirty="0"/>
-              <a:t>=0)</a:t>
+              <a:rPr lang="en-US" dirty="0"/>
+              <a:t>root.mainloop()</a:t>
             </a:r>
             <a:endParaRPr lang="ru-RU" dirty="0"/>
           </a:p>
@@ -7591,13 +12203,882 @@
     </p:spTree>
     <p:extLst>
       <p:ext uri="{BB962C8B-B14F-4D97-AF65-F5344CB8AC3E}">
-        <p14:creationId xmlns:p14="http://schemas.microsoft.com/office/powerpoint/2010/main" xmlns="" val="443032182"/>
+        <p14:creationId xmlns:p14="http://schemas.microsoft.com/office/powerpoint/2010/main" val="2614216554"/>
       </p:ext>
     </p:extLst>
   </p:cSld>
   <p:clrMapOvr>
     <a:masterClrMapping/>
   </p:clrMapOvr>
+  <p:timing>
+    <p:tnLst>
+      <p:par>
+        <p:cTn id="1" dur="indefinite" restart="never" nodeType="tmRoot"/>
+      </p:par>
+    </p:tnLst>
+  </p:timing>
+</p:sld>
+</file>
+
+<file path=ppt/slides/slide7.xml><?xml version="1.0" encoding="utf-8"?>
+<p:sld xmlns:a="http://schemas.openxmlformats.org/drawingml/2006/main" xmlns:r="http://schemas.openxmlformats.org/officeDocument/2006/relationships" xmlns:p="http://schemas.openxmlformats.org/presentationml/2006/main">
+  <p:cSld>
+    <p:spTree>
+      <p:nvGrpSpPr>
+        <p:cNvPr id="1" name=""/>
+        <p:cNvGrpSpPr/>
+        <p:nvPr/>
+      </p:nvGrpSpPr>
+      <p:grpSpPr>
+        <a:xfrm>
+          <a:off x="0" y="0"/>
+          <a:ext cx="0" cy="0"/>
+          <a:chOff x="0" y="0"/>
+          <a:chExt cx="0" cy="0"/>
+        </a:xfrm>
+      </p:grpSpPr>
+      <p:sp>
+        <p:nvSpPr>
+          <p:cNvPr id="2" name="Заголовок 1"/>
+          <p:cNvSpPr>
+            <a:spLocks noGrp="1"/>
+          </p:cNvSpPr>
+          <p:nvPr>
+            <p:ph type="title"/>
+          </p:nvPr>
+        </p:nvSpPr>
+        <p:spPr/>
+        <p:txBody>
+          <a:bodyPr/>
+          <a:lstStyle/>
+          <a:p>
+            <a:r>
+              <a:rPr lang="ru-RU" dirty="0" smtClean="0"/>
+              <a:t>Особенности</a:t>
+            </a:r>
+            <a:r>
+              <a:rPr lang="en-US" dirty="0" smtClean="0"/>
+              <a:t> </a:t>
+            </a:r>
+            <a:r>
+              <a:rPr lang="ru-RU" dirty="0" smtClean="0"/>
+              <a:t>объектов </a:t>
+            </a:r>
+            <a:r>
+              <a:rPr lang="en-US" dirty="0" smtClean="0"/>
+              <a:t>tkinter</a:t>
+            </a:r>
+            <a:endParaRPr lang="ru-RU" dirty="0"/>
+          </a:p>
+        </p:txBody>
+      </p:sp>
+      <p:sp>
+        <p:nvSpPr>
+          <p:cNvPr id="3" name="Объект 2"/>
+          <p:cNvSpPr>
+            <a:spLocks noGrp="1"/>
+          </p:cNvSpPr>
+          <p:nvPr>
+            <p:ph idx="1"/>
+          </p:nvPr>
+        </p:nvSpPr>
+        <p:spPr/>
+        <p:txBody>
+          <a:bodyPr/>
+          <a:lstStyle/>
+          <a:p>
+            <a:r>
+              <a:rPr lang="ru-RU" dirty="0" smtClean="0"/>
+              <a:t>Многие опции у разных классов и функций пересекаются ввиду специфики библиотеки, например такие аргументы как </a:t>
+            </a:r>
+            <a:r>
+              <a:rPr lang="en-US" dirty="0" smtClean="0"/>
+              <a:t>master</a:t>
+            </a:r>
+            <a:r>
+              <a:rPr lang="ru-RU" dirty="0" smtClean="0"/>
+              <a:t>, </a:t>
+            </a:r>
+            <a:r>
+              <a:rPr lang="en-US" dirty="0" smtClean="0"/>
+              <a:t>width</a:t>
+            </a:r>
+            <a:r>
+              <a:rPr lang="ru-RU" dirty="0" smtClean="0"/>
+              <a:t> или функции </a:t>
+            </a:r>
+            <a:r>
+              <a:rPr lang="en-US" dirty="0" smtClean="0"/>
+              <a:t>grid, pack.</a:t>
+            </a:r>
+            <a:endParaRPr lang="ru-RU" dirty="0" smtClean="0"/>
+          </a:p>
+          <a:p>
+            <a:r>
+              <a:rPr lang="ru-RU" dirty="0" smtClean="0"/>
+              <a:t>Все опции можно просмотреть в официальной документации в сети интернет или при нажатии </a:t>
+            </a:r>
+            <a:r>
+              <a:rPr lang="en-US" dirty="0" smtClean="0"/>
+              <a:t>ctrl + mouse1 </a:t>
+            </a:r>
+            <a:r>
+              <a:rPr lang="ru-RU" dirty="0" smtClean="0"/>
+              <a:t>по интересуемому классу, функции или модулю.</a:t>
+            </a:r>
+            <a:endParaRPr lang="ru-RU" dirty="0"/>
+          </a:p>
+        </p:txBody>
+      </p:sp>
+    </p:spTree>
+    <p:extLst>
+      <p:ext uri="{BB962C8B-B14F-4D97-AF65-F5344CB8AC3E}">
+        <p14:creationId xmlns:p14="http://schemas.microsoft.com/office/powerpoint/2010/main" val="734041654"/>
+      </p:ext>
+    </p:extLst>
+  </p:cSld>
+  <p:clrMapOvr>
+    <a:masterClrMapping/>
+  </p:clrMapOvr>
+</p:sld>
+</file>
+
+<file path=ppt/slides/slide8.xml><?xml version="1.0" encoding="utf-8"?>
+<p:sld xmlns:a="http://schemas.openxmlformats.org/drawingml/2006/main" xmlns:r="http://schemas.openxmlformats.org/officeDocument/2006/relationships" xmlns:p="http://schemas.openxmlformats.org/presentationml/2006/main">
+  <p:cSld>
+    <p:spTree>
+      <p:nvGrpSpPr>
+        <p:cNvPr id="1" name=""/>
+        <p:cNvGrpSpPr/>
+        <p:nvPr/>
+      </p:nvGrpSpPr>
+      <p:grpSpPr>
+        <a:xfrm>
+          <a:off x="0" y="0"/>
+          <a:ext cx="0" cy="0"/>
+          <a:chOff x="0" y="0"/>
+          <a:chExt cx="0" cy="0"/>
+        </a:xfrm>
+      </p:grpSpPr>
+      <p:sp>
+        <p:nvSpPr>
+          <p:cNvPr id="2" name="Заголовок 1"/>
+          <p:cNvSpPr>
+            <a:spLocks noGrp="1"/>
+          </p:cNvSpPr>
+          <p:nvPr>
+            <p:ph type="title"/>
+          </p:nvPr>
+        </p:nvSpPr>
+        <p:spPr/>
+        <p:txBody>
+          <a:bodyPr/>
+          <a:lstStyle/>
+          <a:p>
+            <a:r>
+              <a:rPr lang="ru-RU" dirty="0" smtClean="0"/>
+              <a:t>Класс </a:t>
+            </a:r>
+            <a:r>
+              <a:rPr lang="en-US" dirty="0" smtClean="0"/>
+              <a:t>Frame()</a:t>
+            </a:r>
+            <a:endParaRPr lang="ru-RU" dirty="0"/>
+          </a:p>
+        </p:txBody>
+      </p:sp>
+      <p:sp>
+        <p:nvSpPr>
+          <p:cNvPr id="3" name="Объект 2"/>
+          <p:cNvSpPr>
+            <a:spLocks noGrp="1"/>
+          </p:cNvSpPr>
+          <p:nvPr>
+            <p:ph idx="1"/>
+          </p:nvPr>
+        </p:nvSpPr>
+        <p:spPr/>
+        <p:txBody>
+          <a:bodyPr>
+            <a:normAutofit/>
+          </a:bodyPr>
+          <a:lstStyle/>
+          <a:p>
+            <a:pPr marL="0" indent="0">
+              <a:buNone/>
+            </a:pPr>
+            <a:r>
+              <a:rPr lang="ru-RU" dirty="0" smtClean="0"/>
+              <a:t>Позволяет создать невидимое окно внутри другого окна</a:t>
+            </a:r>
+          </a:p>
+          <a:p>
+            <a:endParaRPr lang="ru-RU" dirty="0"/>
+          </a:p>
+          <a:p>
+            <a:pPr marL="0" indent="0">
+              <a:buNone/>
+            </a:pPr>
+            <a:r>
+              <a:rPr lang="ru-RU" dirty="0" smtClean="0"/>
+              <a:t>Принимает такие аргументы как:</a:t>
+            </a:r>
+            <a:endParaRPr lang="en-US" dirty="0" smtClean="0"/>
+          </a:p>
+          <a:p>
+            <a:pPr>
+              <a:buFontTx/>
+              <a:buChar char="-"/>
+            </a:pPr>
+            <a:r>
+              <a:rPr lang="en-US" dirty="0" smtClean="0"/>
+              <a:t>master – </a:t>
+            </a:r>
+            <a:r>
+              <a:rPr lang="ru-RU" dirty="0" smtClean="0"/>
+              <a:t>окно хозяин, которому присваивается соз</a:t>
+            </a:r>
+            <a:r>
+              <a:rPr lang="ru-RU" dirty="0"/>
+              <a:t>д</a:t>
+            </a:r>
+            <a:r>
+              <a:rPr lang="ru-RU" dirty="0" smtClean="0"/>
+              <a:t>анный </a:t>
+            </a:r>
+            <a:r>
+              <a:rPr lang="en-US" dirty="0" smtClean="0"/>
+              <a:t>Frame</a:t>
+            </a:r>
+            <a:endParaRPr lang="ru-RU" dirty="0" smtClean="0"/>
+          </a:p>
+        </p:txBody>
+      </p:sp>
+    </p:spTree>
+    <p:extLst>
+      <p:ext uri="{BB962C8B-B14F-4D97-AF65-F5344CB8AC3E}">
+        <p14:creationId xmlns:p14="http://schemas.microsoft.com/office/powerpoint/2010/main" val="887464908"/>
+      </p:ext>
+    </p:extLst>
+  </p:cSld>
+  <p:clrMapOvr>
+    <a:masterClrMapping/>
+  </p:clrMapOvr>
+  <p:timing>
+    <p:tnLst>
+      <p:par>
+        <p:cTn id="1" dur="indefinite" restart="never" nodeType="tmRoot"/>
+      </p:par>
+    </p:tnLst>
+  </p:timing>
+</p:sld>
+</file>
+
+<file path=ppt/slides/slide9.xml><?xml version="1.0" encoding="utf-8"?>
+<p:sld xmlns:a="http://schemas.openxmlformats.org/drawingml/2006/main" xmlns:r="http://schemas.openxmlformats.org/officeDocument/2006/relationships" xmlns:p="http://schemas.openxmlformats.org/presentationml/2006/main">
+  <p:cSld>
+    <p:spTree>
+      <p:nvGrpSpPr>
+        <p:cNvPr id="1" name=""/>
+        <p:cNvGrpSpPr/>
+        <p:nvPr/>
+      </p:nvGrpSpPr>
+      <p:grpSpPr>
+        <a:xfrm>
+          <a:off x="0" y="0"/>
+          <a:ext cx="0" cy="0"/>
+          <a:chOff x="0" y="0"/>
+          <a:chExt cx="0" cy="0"/>
+        </a:xfrm>
+      </p:grpSpPr>
+      <p:sp>
+        <p:nvSpPr>
+          <p:cNvPr id="2" name="Заголовок 1"/>
+          <p:cNvSpPr>
+            <a:spLocks noGrp="1"/>
+          </p:cNvSpPr>
+          <p:nvPr>
+            <p:ph type="title"/>
+          </p:nvPr>
+        </p:nvSpPr>
+        <p:spPr>
+          <a:xfrm>
+            <a:off x="677334" y="609599"/>
+            <a:ext cx="9067030" cy="1468583"/>
+          </a:xfrm>
+        </p:spPr>
+        <p:txBody>
+          <a:bodyPr>
+            <a:normAutofit/>
+          </a:bodyPr>
+          <a:lstStyle/>
+          <a:p>
+            <a:r>
+              <a:rPr lang="en-US" sz="3200" dirty="0" smtClean="0"/>
+              <a:t>Front </a:t>
+            </a:r>
+            <a:r>
+              <a:rPr lang="en-US" sz="3200" dirty="0" smtClean="0"/>
+              <a:t>end</a:t>
+            </a:r>
+            <a:r>
+              <a:rPr lang="ru-RU" sz="3200" dirty="0" smtClean="0"/>
+              <a:t> </a:t>
+            </a:r>
+            <a:r>
+              <a:rPr lang="ru-RU" sz="3200" dirty="0" smtClean="0"/>
+              <a:t>/ Проектирование</a:t>
+            </a:r>
+            <a:r>
+              <a:rPr lang="en-US" sz="3200" dirty="0"/>
+              <a:t> </a:t>
+            </a:r>
+            <a:r>
+              <a:rPr lang="ru-RU" sz="3200" dirty="0" smtClean="0"/>
+              <a:t>текстового окна</a:t>
+            </a:r>
+            <a:endParaRPr lang="ru-RU" sz="3200" dirty="0"/>
+          </a:p>
+        </p:txBody>
+      </p:sp>
+      <p:sp>
+        <p:nvSpPr>
+          <p:cNvPr id="3" name="Объект 2"/>
+          <p:cNvSpPr>
+            <a:spLocks noGrp="1"/>
+          </p:cNvSpPr>
+          <p:nvPr>
+            <p:ph idx="1"/>
+          </p:nvPr>
+        </p:nvSpPr>
+        <p:spPr>
+          <a:xfrm>
+            <a:off x="677333" y="1533235"/>
+            <a:ext cx="8891539" cy="4987637"/>
+          </a:xfrm>
+        </p:spPr>
+        <p:txBody>
+          <a:bodyPr>
+            <a:normAutofit/>
+          </a:bodyPr>
+          <a:lstStyle/>
+          <a:p>
+            <a:pPr>
+              <a:buFont typeface="Wingdings" panose="05000000000000000000" pitchFamily="2" charset="2"/>
+              <a:buChar char="Ø"/>
+            </a:pPr>
+            <a:r>
+              <a:rPr lang="ru-RU" dirty="0" smtClean="0"/>
+              <a:t>Так как наша программа имеет сложную конструкцию нам придется разбивать основное окно на невидимые подокна</a:t>
+            </a:r>
+          </a:p>
+          <a:p>
+            <a:pPr marL="0" indent="0">
+              <a:buNone/>
+            </a:pPr>
+            <a:endParaRPr lang="ru-RU" dirty="0" smtClean="0"/>
+          </a:p>
+          <a:p>
+            <a:pPr marL="0" indent="0">
+              <a:buNone/>
+            </a:pPr>
+            <a:r>
+              <a:rPr lang="en-US" dirty="0" smtClean="0">
+                <a:solidFill>
+                  <a:schemeClr val="tx2">
+                    <a:lumMod val="75000"/>
+                  </a:schemeClr>
+                </a:solidFill>
+              </a:rPr>
+              <a:t># </a:t>
+            </a:r>
+            <a:r>
+              <a:rPr lang="ru-RU" dirty="0">
+                <a:solidFill>
+                  <a:schemeClr val="tx2">
+                    <a:lumMod val="75000"/>
+                  </a:schemeClr>
+                </a:solidFill>
+              </a:rPr>
+              <a:t>П</a:t>
+            </a:r>
+            <a:r>
+              <a:rPr lang="ru-RU" dirty="0" smtClean="0">
+                <a:solidFill>
+                  <a:schemeClr val="tx2">
+                    <a:lumMod val="75000"/>
+                  </a:schemeClr>
+                </a:solidFill>
+              </a:rPr>
+              <a:t>од окно для текстовых виджетов</a:t>
+            </a:r>
+          </a:p>
+          <a:p>
+            <a:pPr marL="0" indent="0">
+              <a:buNone/>
+            </a:pPr>
+            <a:r>
+              <a:rPr lang="en-US" dirty="0" smtClean="0"/>
+              <a:t>text_frame </a:t>
+            </a:r>
+            <a:r>
+              <a:rPr lang="en-US" dirty="0"/>
+              <a:t>= Frame(</a:t>
+            </a:r>
+            <a:r>
+              <a:rPr lang="en-US" dirty="0">
+                <a:solidFill>
+                  <a:schemeClr val="accent5">
+                    <a:lumMod val="60000"/>
+                    <a:lumOff val="40000"/>
+                  </a:schemeClr>
+                </a:solidFill>
+              </a:rPr>
+              <a:t>master</a:t>
+            </a:r>
+            <a:r>
+              <a:rPr lang="en-US" dirty="0"/>
+              <a:t>=root</a:t>
+            </a:r>
+            <a:r>
+              <a:rPr lang="en-US" dirty="0" smtClean="0"/>
+              <a:t>)</a:t>
+            </a:r>
+            <a:endParaRPr lang="ru-RU" dirty="0" smtClean="0"/>
+          </a:p>
+          <a:p>
+            <a:pPr marL="0" indent="0">
+              <a:buNone/>
+            </a:pPr>
+            <a:endParaRPr lang="en-US" dirty="0" smtClean="0"/>
+          </a:p>
+          <a:p>
+            <a:pPr marL="0" indent="0">
+              <a:buNone/>
+            </a:pPr>
+            <a:r>
+              <a:rPr lang="en-US" dirty="0" smtClean="0">
+                <a:solidFill>
+                  <a:schemeClr val="tx2">
+                    <a:lumMod val="75000"/>
+                  </a:schemeClr>
+                </a:solidFill>
+              </a:rPr>
+              <a:t># </a:t>
+            </a:r>
+            <a:r>
+              <a:rPr lang="ru-RU" dirty="0" smtClean="0">
+                <a:solidFill>
+                  <a:schemeClr val="tx2">
+                    <a:lumMod val="75000"/>
+                  </a:schemeClr>
+                </a:solidFill>
+              </a:rPr>
+              <a:t>В </a:t>
+            </a:r>
+            <a:r>
+              <a:rPr lang="en-US" dirty="0" smtClean="0">
+                <a:solidFill>
+                  <a:schemeClr val="tx2">
+                    <a:lumMod val="75000"/>
+                  </a:schemeClr>
+                </a:solidFill>
+              </a:rPr>
+              <a:t>text_frame </a:t>
+            </a:r>
+            <a:r>
+              <a:rPr lang="ru-RU" dirty="0" smtClean="0">
+                <a:solidFill>
+                  <a:schemeClr val="tx2">
+                    <a:lumMod val="75000"/>
+                  </a:schemeClr>
+                </a:solidFill>
+              </a:rPr>
+              <a:t>создаем объекты для сбора текстовых данных</a:t>
+            </a:r>
+            <a:endParaRPr lang="en-US" dirty="0" smtClean="0">
+              <a:solidFill>
+                <a:schemeClr val="tx2">
+                  <a:lumMod val="75000"/>
+                </a:schemeClr>
+              </a:solidFill>
+            </a:endParaRPr>
+          </a:p>
+          <a:p>
+            <a:pPr marL="0" indent="0">
+              <a:buNone/>
+            </a:pPr>
+            <a:r>
+              <a:rPr lang="en-US" dirty="0" smtClean="0"/>
+              <a:t>lbl_name </a:t>
+            </a:r>
+            <a:r>
+              <a:rPr lang="en-US" dirty="0"/>
+              <a:t>= Label(</a:t>
+            </a:r>
+            <a:r>
+              <a:rPr lang="en-US" dirty="0">
+                <a:solidFill>
+                  <a:schemeClr val="accent5">
+                    <a:lumMod val="60000"/>
+                    <a:lumOff val="40000"/>
+                  </a:schemeClr>
+                </a:solidFill>
+              </a:rPr>
+              <a:t>master</a:t>
+            </a:r>
+            <a:r>
+              <a:rPr lang="en-US" dirty="0"/>
+              <a:t>=base_frame, </a:t>
+            </a:r>
+            <a:r>
+              <a:rPr lang="en-US" dirty="0">
+                <a:solidFill>
+                  <a:schemeClr val="accent5">
+                    <a:lumMod val="60000"/>
+                    <a:lumOff val="40000"/>
+                  </a:schemeClr>
+                </a:solidFill>
+              </a:rPr>
+              <a:t>text</a:t>
+            </a:r>
+            <a:r>
+              <a:rPr lang="en-US" dirty="0"/>
+              <a:t>=</a:t>
+            </a:r>
+            <a:r>
+              <a:rPr lang="en-US" dirty="0">
+                <a:solidFill>
+                  <a:schemeClr val="accent2">
+                    <a:lumMod val="40000"/>
+                    <a:lumOff val="60000"/>
+                  </a:schemeClr>
+                </a:solidFill>
+              </a:rPr>
+              <a:t>'</a:t>
+            </a:r>
+            <a:r>
+              <a:rPr lang="ru-RU" dirty="0">
+                <a:solidFill>
+                  <a:schemeClr val="accent2">
+                    <a:lumMod val="40000"/>
+                    <a:lumOff val="60000"/>
+                  </a:schemeClr>
+                </a:solidFill>
+              </a:rPr>
+              <a:t>Введите ФИО</a:t>
+            </a:r>
+            <a:r>
+              <a:rPr lang="ru-RU" dirty="0" smtClean="0">
+                <a:solidFill>
+                  <a:schemeClr val="accent2">
+                    <a:lumMod val="40000"/>
+                    <a:lumOff val="60000"/>
+                  </a:schemeClr>
+                </a:solidFill>
+              </a:rPr>
+              <a:t>:‘</a:t>
+            </a:r>
+            <a:r>
+              <a:rPr lang="ru-RU" dirty="0" smtClean="0">
+                <a:solidFill>
+                  <a:schemeClr val="tx1"/>
+                </a:solidFill>
+              </a:rPr>
+              <a:t>)</a:t>
+            </a:r>
+            <a:endParaRPr lang="en-US" dirty="0" smtClean="0">
+              <a:solidFill>
+                <a:schemeClr val="tx1"/>
+              </a:solidFill>
+            </a:endParaRPr>
+          </a:p>
+          <a:p>
+            <a:pPr marL="0" indent="0">
+              <a:buNone/>
+            </a:pPr>
+            <a:r>
+              <a:rPr lang="en-US" dirty="0">
+                <a:solidFill>
+                  <a:schemeClr val="tx1"/>
+                </a:solidFill>
+              </a:rPr>
+              <a:t>l</a:t>
+            </a:r>
+            <a:r>
+              <a:rPr lang="en-US" dirty="0" smtClean="0">
+                <a:solidFill>
+                  <a:schemeClr val="tx1"/>
+                </a:solidFill>
+              </a:rPr>
+              <a:t>bl_bdatel </a:t>
+            </a:r>
+            <a:r>
+              <a:rPr lang="en-US" dirty="0">
+                <a:solidFill>
+                  <a:schemeClr val="tx1"/>
+                </a:solidFill>
+              </a:rPr>
+              <a:t>= Label(</a:t>
+            </a:r>
+            <a:r>
+              <a:rPr lang="en-US" dirty="0">
+                <a:solidFill>
+                  <a:schemeClr val="accent5">
+                    <a:lumMod val="60000"/>
+                    <a:lumOff val="40000"/>
+                  </a:schemeClr>
+                </a:solidFill>
+              </a:rPr>
+              <a:t>master</a:t>
+            </a:r>
+            <a:r>
+              <a:rPr lang="en-US" dirty="0">
+                <a:solidFill>
+                  <a:schemeClr val="tx1"/>
+                </a:solidFill>
+              </a:rPr>
+              <a:t>=base_frame, </a:t>
+            </a:r>
+            <a:r>
+              <a:rPr lang="en-US" dirty="0">
+                <a:solidFill>
+                  <a:schemeClr val="accent5">
+                    <a:lumMod val="60000"/>
+                    <a:lumOff val="40000"/>
+                  </a:schemeClr>
+                </a:solidFill>
+              </a:rPr>
+              <a:t>text</a:t>
+            </a:r>
+            <a:r>
+              <a:rPr lang="en-US" dirty="0">
+                <a:solidFill>
+                  <a:schemeClr val="tx1"/>
+                </a:solidFill>
+              </a:rPr>
+              <a:t>=</a:t>
+            </a:r>
+            <a:r>
+              <a:rPr lang="en-US" dirty="0">
+                <a:solidFill>
+                  <a:schemeClr val="accent2">
+                    <a:lumMod val="40000"/>
+                    <a:lumOff val="60000"/>
+                  </a:schemeClr>
+                </a:solidFill>
+              </a:rPr>
+              <a:t>'</a:t>
+            </a:r>
+            <a:r>
+              <a:rPr lang="ru-RU" dirty="0">
+                <a:solidFill>
+                  <a:schemeClr val="accent2">
+                    <a:lumMod val="40000"/>
+                    <a:lumOff val="60000"/>
+                  </a:schemeClr>
+                </a:solidFill>
+              </a:rPr>
+              <a:t>Введите дату рождения:'</a:t>
+            </a:r>
+            <a:r>
+              <a:rPr lang="ru-RU" dirty="0">
+                <a:solidFill>
+                  <a:schemeClr val="tx1"/>
+                </a:solidFill>
+              </a:rPr>
+              <a:t>)</a:t>
+            </a:r>
+          </a:p>
+          <a:p>
+            <a:pPr marL="0" indent="0">
+              <a:buNone/>
+            </a:pPr>
+            <a:endParaRPr lang="en-US" dirty="0" smtClean="0">
+              <a:solidFill>
+                <a:schemeClr val="accent2">
+                  <a:lumMod val="40000"/>
+                  <a:lumOff val="60000"/>
+                </a:schemeClr>
+              </a:solidFill>
+            </a:endParaRPr>
+          </a:p>
+          <a:p>
+            <a:pPr marL="0" indent="0">
+              <a:buNone/>
+            </a:pPr>
+            <a:r>
+              <a:rPr lang="en-US" dirty="0" smtClean="0"/>
+              <a:t>ent_name </a:t>
+            </a:r>
+            <a:r>
+              <a:rPr lang="en-US" dirty="0"/>
+              <a:t>= Entry(</a:t>
+            </a:r>
+            <a:r>
+              <a:rPr lang="en-US" dirty="0">
+                <a:solidFill>
+                  <a:schemeClr val="accent5">
+                    <a:lumMod val="60000"/>
+                    <a:lumOff val="40000"/>
+                  </a:schemeClr>
+                </a:solidFill>
+              </a:rPr>
+              <a:t>master</a:t>
+            </a:r>
+            <a:r>
+              <a:rPr lang="en-US" dirty="0"/>
+              <a:t>=base_frame, </a:t>
+            </a:r>
+            <a:r>
+              <a:rPr lang="en-US" dirty="0">
+                <a:solidFill>
+                  <a:schemeClr val="accent5">
+                    <a:lumMod val="60000"/>
+                    <a:lumOff val="40000"/>
+                  </a:schemeClr>
+                </a:solidFill>
+              </a:rPr>
+              <a:t>width</a:t>
+            </a:r>
+            <a:r>
+              <a:rPr lang="en-US" dirty="0"/>
+              <a:t>=40</a:t>
+            </a:r>
+            <a:r>
+              <a:rPr lang="en-US" dirty="0" smtClean="0"/>
+              <a:t>)</a:t>
+            </a:r>
+            <a:r>
+              <a:rPr lang="ru-RU" dirty="0"/>
+              <a:t>	</a:t>
+            </a:r>
+            <a:r>
+              <a:rPr lang="en-US" dirty="0" smtClean="0">
+                <a:solidFill>
+                  <a:schemeClr val="tx2">
+                    <a:lumMod val="75000"/>
+                  </a:schemeClr>
+                </a:solidFill>
+              </a:rPr>
+              <a:t># width – </a:t>
+            </a:r>
+            <a:r>
+              <a:rPr lang="ru-RU" dirty="0" smtClean="0">
+                <a:solidFill>
+                  <a:schemeClr val="tx2">
+                    <a:lumMod val="75000"/>
+                  </a:schemeClr>
+                </a:solidFill>
+              </a:rPr>
+              <a:t>ширина виджета</a:t>
+            </a:r>
+          </a:p>
+          <a:p>
+            <a:pPr marL="0" indent="0">
+              <a:buNone/>
+            </a:pPr>
+            <a:r>
+              <a:rPr lang="en-US" dirty="0">
+                <a:solidFill>
+                  <a:schemeClr val="tx1"/>
+                </a:solidFill>
+              </a:rPr>
+              <a:t>e</a:t>
+            </a:r>
+            <a:r>
+              <a:rPr lang="en-US" dirty="0" smtClean="0">
+                <a:solidFill>
+                  <a:schemeClr val="tx1"/>
+                </a:solidFill>
+              </a:rPr>
+              <a:t>nt_bdate </a:t>
+            </a:r>
+            <a:r>
+              <a:rPr lang="en-US" dirty="0">
+                <a:solidFill>
+                  <a:schemeClr val="tx1"/>
+                </a:solidFill>
+              </a:rPr>
+              <a:t>= Entry(</a:t>
+            </a:r>
+            <a:r>
+              <a:rPr lang="en-US" dirty="0">
+                <a:solidFill>
+                  <a:schemeClr val="accent5">
+                    <a:lumMod val="60000"/>
+                    <a:lumOff val="40000"/>
+                  </a:schemeClr>
+                </a:solidFill>
+              </a:rPr>
+              <a:t>master</a:t>
+            </a:r>
+            <a:r>
+              <a:rPr lang="en-US" dirty="0">
+                <a:solidFill>
+                  <a:schemeClr val="tx1"/>
+                </a:solidFill>
+              </a:rPr>
+              <a:t>=base_frame, </a:t>
+            </a:r>
+            <a:r>
+              <a:rPr lang="en-US" dirty="0">
+                <a:solidFill>
+                  <a:schemeClr val="accent5">
+                    <a:lumMod val="60000"/>
+                    <a:lumOff val="40000"/>
+                  </a:schemeClr>
+                </a:solidFill>
+              </a:rPr>
+              <a:t>width</a:t>
+            </a:r>
+            <a:r>
+              <a:rPr lang="en-US" dirty="0">
+                <a:solidFill>
+                  <a:schemeClr val="tx1"/>
+                </a:solidFill>
+              </a:rPr>
+              <a:t>=40</a:t>
+            </a:r>
+            <a:r>
+              <a:rPr lang="en-US" dirty="0" smtClean="0">
+                <a:solidFill>
+                  <a:schemeClr val="tx1"/>
+                </a:solidFill>
+              </a:rPr>
+              <a:t>)</a:t>
+            </a:r>
+            <a:endParaRPr lang="ru-RU" dirty="0" smtClean="0">
+              <a:solidFill>
+                <a:schemeClr val="tx1"/>
+              </a:solidFill>
+            </a:endParaRPr>
+          </a:p>
+          <a:p>
+            <a:pPr marL="0" indent="0">
+              <a:buNone/>
+            </a:pPr>
+            <a:endParaRPr lang="ru-RU" dirty="0"/>
+          </a:p>
+        </p:txBody>
+      </p:sp>
+    </p:spTree>
+    <p:extLst>
+      <p:ext uri="{BB962C8B-B14F-4D97-AF65-F5344CB8AC3E}">
+        <p14:creationId xmlns:p14="http://schemas.microsoft.com/office/powerpoint/2010/main" val="1680309241"/>
+      </p:ext>
+    </p:extLst>
+  </p:cSld>
+  <p:clrMapOvr>
+    <a:masterClrMapping/>
+  </p:clrMapOvr>
+  <p:timing>
+    <p:tnLst>
+      <p:par>
+        <p:cTn id="1" dur="indefinite" restart="never" nodeType="tmRoot"/>
+      </p:par>
+    </p:tnLst>
+  </p:timing>
 </p:sld>
 </file>
 
@@ -7852,7 +13333,7 @@
   <a:extraClrSchemeLst/>
   <a:extLst>
     <a:ext uri="{05A4C25C-085E-4340-85A3-A5531E510DB2}">
-      <thm15:themeFamily xmlns:thm15="http://schemas.microsoft.com/office/thememl/2012/main" xmlns="" name="Facet" id="{C0C680CD-088A-49FC-A102-D699147F32B2}" vid="{8C59B386-999D-4CB6-B907-9F3997C027CC}"/>
+      <thm15:themeFamily xmlns:thm15="http://schemas.microsoft.com/office/thememl/2012/main" name="Facet" id="{C0C680CD-088A-49FC-A102-D699147F32B2}" vid="{8C59B386-999D-4CB6-B907-9F3997C027CC}"/>
     </a:ext>
   </a:extLst>
 </a:theme>

--- a/course_project_for_korund/ver 1.1/уроки/урок 6.pptx
+++ b/course_project_for_korund/ver 1.1/уроки/урок 6.pptx
@@ -129,7 +129,7 @@
   </p:defaultTextStyle>
   <p:extLst>
     <p:ext uri="{EFAFB233-063F-42B5-8137-9DF3F51BA10A}">
-      <p15:sldGuideLst xmlns:p15="http://schemas.microsoft.com/office/powerpoint/2012/main">
+      <p15:sldGuideLst xmlns:p15="http://schemas.microsoft.com/office/powerpoint/2012/main" xmlns="">
         <p15:guide id="1" orient="horz" pos="2160">
           <p15:clr>
             <a:srgbClr val="A4A3A4"/>
@@ -871,7 +871,7 @@
             <a:fld id="{3CCF56C0-5008-4DB4-8698-E16469066013}" type="datetimeFigureOut">
               <a:rPr lang="ru-RU" smtClean="0"/>
               <a:pPr/>
-              <a:t>16.10.2020</a:t>
+              <a:t>18.10.2020</a:t>
             </a:fld>
             <a:endParaRPr lang="ru-RU" dirty="0"/>
           </a:p>
@@ -923,7 +923,7 @@
     </p:spTree>
     <p:extLst>
       <p:ext uri="{BB962C8B-B14F-4D97-AF65-F5344CB8AC3E}">
-        <p14:creationId xmlns:p14="http://schemas.microsoft.com/office/powerpoint/2010/main" val="4238684791"/>
+        <p14:creationId xmlns:p14="http://schemas.microsoft.com/office/powerpoint/2010/main" xmlns="" val="4238684791"/>
       </p:ext>
     </p:extLst>
   </p:cSld>
@@ -1124,7 +1124,7 @@
             <a:fld id="{3CCF56C0-5008-4DB4-8698-E16469066013}" type="datetimeFigureOut">
               <a:rPr lang="ru-RU" smtClean="0"/>
               <a:pPr/>
-              <a:t>16.10.2020</a:t>
+              <a:t>18.10.2020</a:t>
             </a:fld>
             <a:endParaRPr lang="ru-RU" dirty="0"/>
           </a:p>
@@ -1176,7 +1176,7 @@
     </p:spTree>
     <p:extLst>
       <p:ext uri="{BB962C8B-B14F-4D97-AF65-F5344CB8AC3E}">
-        <p14:creationId xmlns:p14="http://schemas.microsoft.com/office/powerpoint/2010/main" val="3509571314"/>
+        <p14:creationId xmlns:p14="http://schemas.microsoft.com/office/powerpoint/2010/main" xmlns="" val="3509571314"/>
       </p:ext>
     </p:extLst>
   </p:cSld>
@@ -1440,7 +1440,7 @@
             <a:fld id="{3CCF56C0-5008-4DB4-8698-E16469066013}" type="datetimeFigureOut">
               <a:rPr lang="ru-RU" smtClean="0"/>
               <a:pPr/>
-              <a:t>16.10.2020</a:t>
+              <a:t>18.10.2020</a:t>
             </a:fld>
             <a:endParaRPr lang="ru-RU" dirty="0"/>
           </a:p>
@@ -1568,7 +1568,7 @@
     </p:spTree>
     <p:extLst>
       <p:ext uri="{BB962C8B-B14F-4D97-AF65-F5344CB8AC3E}">
-        <p14:creationId xmlns:p14="http://schemas.microsoft.com/office/powerpoint/2010/main" val="913784525"/>
+        <p14:creationId xmlns:p14="http://schemas.microsoft.com/office/powerpoint/2010/main" xmlns="" val="913784525"/>
       </p:ext>
     </p:extLst>
   </p:cSld>
@@ -1769,7 +1769,7 @@
             <a:fld id="{3CCF56C0-5008-4DB4-8698-E16469066013}" type="datetimeFigureOut">
               <a:rPr lang="ru-RU" smtClean="0"/>
               <a:pPr/>
-              <a:t>16.10.2020</a:t>
+              <a:t>18.10.2020</a:t>
             </a:fld>
             <a:endParaRPr lang="ru-RU" dirty="0"/>
           </a:p>
@@ -1821,7 +1821,7 @@
     </p:spTree>
     <p:extLst>
       <p:ext uri="{BB962C8B-B14F-4D97-AF65-F5344CB8AC3E}">
-        <p14:creationId xmlns:p14="http://schemas.microsoft.com/office/powerpoint/2010/main" val="1237628931"/>
+        <p14:creationId xmlns:p14="http://schemas.microsoft.com/office/powerpoint/2010/main" xmlns="" val="1237628931"/>
       </p:ext>
     </p:extLst>
   </p:cSld>
@@ -2085,7 +2085,7 @@
             <a:fld id="{3CCF56C0-5008-4DB4-8698-E16469066013}" type="datetimeFigureOut">
               <a:rPr lang="ru-RU" smtClean="0"/>
               <a:pPr/>
-              <a:t>16.10.2020</a:t>
+              <a:t>18.10.2020</a:t>
             </a:fld>
             <a:endParaRPr lang="ru-RU" dirty="0"/>
           </a:p>
@@ -2213,7 +2213,7 @@
     </p:spTree>
     <p:extLst>
       <p:ext uri="{BB962C8B-B14F-4D97-AF65-F5344CB8AC3E}">
-        <p14:creationId xmlns:p14="http://schemas.microsoft.com/office/powerpoint/2010/main" val="4076467919"/>
+        <p14:creationId xmlns:p14="http://schemas.microsoft.com/office/powerpoint/2010/main" xmlns="" val="4076467919"/>
       </p:ext>
     </p:extLst>
   </p:cSld>
@@ -2474,7 +2474,7 @@
             <a:fld id="{3CCF56C0-5008-4DB4-8698-E16469066013}" type="datetimeFigureOut">
               <a:rPr lang="ru-RU" smtClean="0"/>
               <a:pPr/>
-              <a:t>16.10.2020</a:t>
+              <a:t>18.10.2020</a:t>
             </a:fld>
             <a:endParaRPr lang="ru-RU" dirty="0"/>
           </a:p>
@@ -2526,7 +2526,7 @@
     </p:spTree>
     <p:extLst>
       <p:ext uri="{BB962C8B-B14F-4D97-AF65-F5344CB8AC3E}">
-        <p14:creationId xmlns:p14="http://schemas.microsoft.com/office/powerpoint/2010/main" val="2010692"/>
+        <p14:creationId xmlns:p14="http://schemas.microsoft.com/office/powerpoint/2010/main" xmlns="" val="2010692"/>
       </p:ext>
     </p:extLst>
   </p:cSld>
@@ -2646,7 +2646,7 @@
             <a:fld id="{3CCF56C0-5008-4DB4-8698-E16469066013}" type="datetimeFigureOut">
               <a:rPr lang="ru-RU" smtClean="0"/>
               <a:pPr/>
-              <a:t>16.10.2020</a:t>
+              <a:t>18.10.2020</a:t>
             </a:fld>
             <a:endParaRPr lang="ru-RU" dirty="0"/>
           </a:p>
@@ -2698,7 +2698,7 @@
     </p:spTree>
     <p:extLst>
       <p:ext uri="{BB962C8B-B14F-4D97-AF65-F5344CB8AC3E}">
-        <p14:creationId xmlns:p14="http://schemas.microsoft.com/office/powerpoint/2010/main" val="1184326843"/>
+        <p14:creationId xmlns:p14="http://schemas.microsoft.com/office/powerpoint/2010/main" xmlns="" val="1184326843"/>
       </p:ext>
     </p:extLst>
   </p:cSld>
@@ -2828,7 +2828,7 @@
             <a:fld id="{3CCF56C0-5008-4DB4-8698-E16469066013}" type="datetimeFigureOut">
               <a:rPr lang="ru-RU" smtClean="0"/>
               <a:pPr/>
-              <a:t>16.10.2020</a:t>
+              <a:t>18.10.2020</a:t>
             </a:fld>
             <a:endParaRPr lang="ru-RU" dirty="0"/>
           </a:p>
@@ -2880,7 +2880,7 @@
     </p:spTree>
     <p:extLst>
       <p:ext uri="{BB962C8B-B14F-4D97-AF65-F5344CB8AC3E}">
-        <p14:creationId xmlns:p14="http://schemas.microsoft.com/office/powerpoint/2010/main" val="529529951"/>
+        <p14:creationId xmlns:p14="http://schemas.microsoft.com/office/powerpoint/2010/main" xmlns="" val="529529951"/>
       </p:ext>
     </p:extLst>
   </p:cSld>
@@ -3006,7 +3006,7 @@
             <a:fld id="{3CCF56C0-5008-4DB4-8698-E16469066013}" type="datetimeFigureOut">
               <a:rPr lang="ru-RU" smtClean="0"/>
               <a:pPr/>
-              <a:t>16.10.2020</a:t>
+              <a:t>18.10.2020</a:t>
             </a:fld>
             <a:endParaRPr lang="ru-RU" dirty="0"/>
           </a:p>
@@ -3058,7 +3058,7 @@
     </p:spTree>
     <p:extLst>
       <p:ext uri="{BB962C8B-B14F-4D97-AF65-F5344CB8AC3E}">
-        <p14:creationId xmlns:p14="http://schemas.microsoft.com/office/powerpoint/2010/main" val="1794803828"/>
+        <p14:creationId xmlns:p14="http://schemas.microsoft.com/office/powerpoint/2010/main" xmlns="" val="1794803828"/>
       </p:ext>
     </p:extLst>
   </p:cSld>
@@ -3255,7 +3255,7 @@
             <a:fld id="{3CCF56C0-5008-4DB4-8698-E16469066013}" type="datetimeFigureOut">
               <a:rPr lang="ru-RU" smtClean="0"/>
               <a:pPr/>
-              <a:t>16.10.2020</a:t>
+              <a:t>18.10.2020</a:t>
             </a:fld>
             <a:endParaRPr lang="ru-RU" dirty="0"/>
           </a:p>
@@ -3307,7 +3307,7 @@
     </p:spTree>
     <p:extLst>
       <p:ext uri="{BB962C8B-B14F-4D97-AF65-F5344CB8AC3E}">
-        <p14:creationId xmlns:p14="http://schemas.microsoft.com/office/powerpoint/2010/main" val="1622354848"/>
+        <p14:creationId xmlns:p14="http://schemas.microsoft.com/office/powerpoint/2010/main" xmlns="" val="1622354848"/>
       </p:ext>
     </p:extLst>
   </p:cSld>
@@ -3489,7 +3489,7 @@
             <a:fld id="{3CCF56C0-5008-4DB4-8698-E16469066013}" type="datetimeFigureOut">
               <a:rPr lang="ru-RU" smtClean="0"/>
               <a:pPr/>
-              <a:t>16.10.2020</a:t>
+              <a:t>18.10.2020</a:t>
             </a:fld>
             <a:endParaRPr lang="ru-RU" dirty="0"/>
           </a:p>
@@ -3541,7 +3541,7 @@
     </p:spTree>
     <p:extLst>
       <p:ext uri="{BB962C8B-B14F-4D97-AF65-F5344CB8AC3E}">
-        <p14:creationId xmlns:p14="http://schemas.microsoft.com/office/powerpoint/2010/main" val="2665461008"/>
+        <p14:creationId xmlns:p14="http://schemas.microsoft.com/office/powerpoint/2010/main" xmlns="" val="2665461008"/>
       </p:ext>
     </p:extLst>
   </p:cSld>
@@ -3865,7 +3865,7 @@
             <a:fld id="{3CCF56C0-5008-4DB4-8698-E16469066013}" type="datetimeFigureOut">
               <a:rPr lang="ru-RU" smtClean="0"/>
               <a:pPr/>
-              <a:t>16.10.2020</a:t>
+              <a:t>18.10.2020</a:t>
             </a:fld>
             <a:endParaRPr lang="ru-RU" dirty="0"/>
           </a:p>
@@ -3917,7 +3917,7 @@
     </p:spTree>
     <p:extLst>
       <p:ext uri="{BB962C8B-B14F-4D97-AF65-F5344CB8AC3E}">
-        <p14:creationId xmlns:p14="http://schemas.microsoft.com/office/powerpoint/2010/main" val="2514946757"/>
+        <p14:creationId xmlns:p14="http://schemas.microsoft.com/office/powerpoint/2010/main" xmlns="" val="2514946757"/>
       </p:ext>
     </p:extLst>
   </p:cSld>
@@ -3990,7 +3990,7 @@
             <a:fld id="{3CCF56C0-5008-4DB4-8698-E16469066013}" type="datetimeFigureOut">
               <a:rPr lang="ru-RU" smtClean="0"/>
               <a:pPr/>
-              <a:t>16.10.2020</a:t>
+              <a:t>18.10.2020</a:t>
             </a:fld>
             <a:endParaRPr lang="ru-RU" dirty="0"/>
           </a:p>
@@ -4042,7 +4042,7 @@
     </p:spTree>
     <p:extLst>
       <p:ext uri="{BB962C8B-B14F-4D97-AF65-F5344CB8AC3E}">
-        <p14:creationId xmlns:p14="http://schemas.microsoft.com/office/powerpoint/2010/main" val="1009674793"/>
+        <p14:creationId xmlns:p14="http://schemas.microsoft.com/office/powerpoint/2010/main" xmlns="" val="1009674793"/>
       </p:ext>
     </p:extLst>
   </p:cSld>
@@ -4087,7 +4087,7 @@
             <a:fld id="{3CCF56C0-5008-4DB4-8698-E16469066013}" type="datetimeFigureOut">
               <a:rPr lang="ru-RU" smtClean="0"/>
               <a:pPr/>
-              <a:t>16.10.2020</a:t>
+              <a:t>18.10.2020</a:t>
             </a:fld>
             <a:endParaRPr lang="ru-RU" dirty="0"/>
           </a:p>
@@ -4139,7 +4139,7 @@
     </p:spTree>
     <p:extLst>
       <p:ext uri="{BB962C8B-B14F-4D97-AF65-F5344CB8AC3E}">
-        <p14:creationId xmlns:p14="http://schemas.microsoft.com/office/powerpoint/2010/main" val="37853350"/>
+        <p14:creationId xmlns:p14="http://schemas.microsoft.com/office/powerpoint/2010/main" xmlns="" val="37853350"/>
       </p:ext>
     </p:extLst>
   </p:cSld>
@@ -4344,7 +4344,7 @@
             <a:fld id="{3CCF56C0-5008-4DB4-8698-E16469066013}" type="datetimeFigureOut">
               <a:rPr lang="ru-RU" smtClean="0"/>
               <a:pPr/>
-              <a:t>16.10.2020</a:t>
+              <a:t>18.10.2020</a:t>
             </a:fld>
             <a:endParaRPr lang="ru-RU" dirty="0"/>
           </a:p>
@@ -4396,7 +4396,7 @@
     </p:spTree>
     <p:extLst>
       <p:ext uri="{BB962C8B-B14F-4D97-AF65-F5344CB8AC3E}">
-        <p14:creationId xmlns:p14="http://schemas.microsoft.com/office/powerpoint/2010/main" val="1485505807"/>
+        <p14:creationId xmlns:p14="http://schemas.microsoft.com/office/powerpoint/2010/main" xmlns="" val="1485505807"/>
       </p:ext>
     </p:extLst>
   </p:cSld>
@@ -4609,7 +4609,7 @@
             <a:fld id="{3CCF56C0-5008-4DB4-8698-E16469066013}" type="datetimeFigureOut">
               <a:rPr lang="ru-RU" smtClean="0"/>
               <a:pPr/>
-              <a:t>16.10.2020</a:t>
+              <a:t>18.10.2020</a:t>
             </a:fld>
             <a:endParaRPr lang="ru-RU" dirty="0"/>
           </a:p>
@@ -4661,7 +4661,7 @@
     </p:spTree>
     <p:extLst>
       <p:ext uri="{BB962C8B-B14F-4D97-AF65-F5344CB8AC3E}">
-        <p14:creationId xmlns:p14="http://schemas.microsoft.com/office/powerpoint/2010/main" val="1525686664"/>
+        <p14:creationId xmlns:p14="http://schemas.microsoft.com/office/powerpoint/2010/main" xmlns="" val="1525686664"/>
       </p:ext>
     </p:extLst>
   </p:cSld>
@@ -5356,7 +5356,7 @@
             <a:fld id="{3CCF56C0-5008-4DB4-8698-E16469066013}" type="datetimeFigureOut">
               <a:rPr lang="ru-RU" smtClean="0"/>
               <a:pPr/>
-              <a:t>16.10.2020</a:t>
+              <a:t>18.10.2020</a:t>
             </a:fld>
             <a:endParaRPr lang="ru-RU" dirty="0"/>
           </a:p>
@@ -5442,7 +5442,7 @@
     </p:spTree>
     <p:extLst>
       <p:ext uri="{BB962C8B-B14F-4D97-AF65-F5344CB8AC3E}">
-        <p14:creationId xmlns:p14="http://schemas.microsoft.com/office/powerpoint/2010/main" val="2523392475"/>
+        <p14:creationId xmlns:p14="http://schemas.microsoft.com/office/powerpoint/2010/main" xmlns="" val="2523392475"/>
       </p:ext>
     </p:extLst>
   </p:cSld>
@@ -5911,35 +5911,34 @@
       </p:sp>
       <p:pic>
         <p:nvPicPr>
-          <p:cNvPr id="4" name="Google Shape;134;p30" descr="Python copy.png"/>
-          <p:cNvPicPr preferRelativeResize="0"/>
+          <p:cNvPr id="2050" name="Picture 2" descr="C:\Users\Егор\Desktop\arkhivchik\transparent.png"/>
+          <p:cNvPicPr>
+            <a:picLocks noChangeAspect="1" noChangeArrowheads="1"/>
+          </p:cNvPicPr>
           <p:nvPr/>
         </p:nvPicPr>
-        <p:blipFill rotWithShape="1">
-          <a:blip r:embed="rId2" cstate="print">
-            <a:alphaModFix/>
-          </a:blip>
+        <p:blipFill>
+          <a:blip r:embed="rId2" cstate="print"/>
           <a:srcRect/>
-          <a:stretch/>
+          <a:stretch>
+            <a:fillRect/>
+          </a:stretch>
         </p:blipFill>
-        <p:spPr>
+        <p:spPr bwMode="auto">
           <a:xfrm>
-            <a:off x="1101767" y="2149514"/>
-            <a:ext cx="2537526" cy="2537526"/>
+            <a:off x="1117694" y="2320178"/>
+            <a:ext cx="2490143" cy="2480421"/>
           </a:xfrm>
           <a:prstGeom prst="rect">
             <a:avLst/>
           </a:prstGeom>
           <a:noFill/>
-          <a:ln>
-            <a:noFill/>
-          </a:ln>
         </p:spPr>
       </p:pic>
     </p:spTree>
     <p:extLst>
       <p:ext uri="{BB962C8B-B14F-4D97-AF65-F5344CB8AC3E}">
-        <p14:creationId xmlns:p14="http://schemas.microsoft.com/office/powerpoint/2010/main" val="1354132756"/>
+        <p14:creationId xmlns:p14="http://schemas.microsoft.com/office/powerpoint/2010/main" xmlns="" val="1354132756"/>
       </p:ext>
     </p:extLst>
   </p:cSld>
@@ -6022,7 +6021,7 @@
     </p:spTree>
     <p:extLst>
       <p:ext uri="{BB962C8B-B14F-4D97-AF65-F5344CB8AC3E}">
-        <p14:creationId xmlns:p14="http://schemas.microsoft.com/office/powerpoint/2010/main" val="793979292"/>
+        <p14:creationId xmlns:p14="http://schemas.microsoft.com/office/powerpoint/2010/main" xmlns="" val="793979292"/>
       </p:ext>
     </p:extLst>
   </p:cSld>
@@ -6083,11 +6082,7 @@
             </a:r>
             <a:r>
               <a:rPr lang="ru-RU" sz="3200" dirty="0" smtClean="0"/>
-              <a:t> </a:t>
-            </a:r>
-            <a:r>
-              <a:rPr lang="ru-RU" sz="3200" dirty="0" smtClean="0"/>
-              <a:t>/</a:t>
+              <a:t> /</a:t>
             </a:r>
             <a:r>
               <a:rPr lang="en-US" sz="3200" dirty="0" smtClean="0"/>
@@ -6811,7 +6806,7 @@
     </p:spTree>
     <p:extLst>
       <p:ext uri="{BB962C8B-B14F-4D97-AF65-F5344CB8AC3E}">
-        <p14:creationId xmlns:p14="http://schemas.microsoft.com/office/powerpoint/2010/main" val="2997909531"/>
+        <p14:creationId xmlns:p14="http://schemas.microsoft.com/office/powerpoint/2010/main" xmlns="" val="2997909531"/>
       </p:ext>
     </p:extLst>
   </p:cSld>
@@ -7333,7 +7328,7 @@
     </p:spTree>
     <p:extLst>
       <p:ext uri="{BB962C8B-B14F-4D97-AF65-F5344CB8AC3E}">
-        <p14:creationId xmlns:p14="http://schemas.microsoft.com/office/powerpoint/2010/main" val="2357228310"/>
+        <p14:creationId xmlns:p14="http://schemas.microsoft.com/office/powerpoint/2010/main" xmlns="" val="2357228310"/>
       </p:ext>
     </p:extLst>
   </p:cSld>
@@ -7391,15 +7386,7 @@
           <a:p>
             <a:r>
               <a:rPr lang="en-US" sz="3200" dirty="0" smtClean="0"/>
-              <a:t>Front </a:t>
-            </a:r>
-            <a:r>
-              <a:rPr lang="en-US" sz="3200" dirty="0" smtClean="0"/>
-              <a:t>end </a:t>
-            </a:r>
-            <a:r>
-              <a:rPr lang="en-US" sz="3200" dirty="0" smtClean="0"/>
-              <a:t>/ </a:t>
+              <a:t>Front end / </a:t>
             </a:r>
             <a:r>
               <a:rPr lang="ru-RU" sz="3200" dirty="0" smtClean="0"/>
@@ -7866,7 +7853,7 @@
     </p:spTree>
     <p:extLst>
       <p:ext uri="{BB962C8B-B14F-4D97-AF65-F5344CB8AC3E}">
-        <p14:creationId xmlns:p14="http://schemas.microsoft.com/office/powerpoint/2010/main" val="443032182"/>
+        <p14:creationId xmlns:p14="http://schemas.microsoft.com/office/powerpoint/2010/main" xmlns="" val="443032182"/>
       </p:ext>
     </p:extLst>
   </p:cSld>
@@ -8226,7 +8213,7 @@
     </p:spTree>
     <p:extLst>
       <p:ext uri="{BB962C8B-B14F-4D97-AF65-F5344CB8AC3E}">
-        <p14:creationId xmlns:p14="http://schemas.microsoft.com/office/powerpoint/2010/main" val="1097621081"/>
+        <p14:creationId xmlns:p14="http://schemas.microsoft.com/office/powerpoint/2010/main" xmlns="" val="1097621081"/>
       </p:ext>
     </p:extLst>
   </p:cSld>
@@ -8282,11 +8269,7 @@
           <a:p>
             <a:r>
               <a:rPr lang="en-US" dirty="0" smtClean="0"/>
-              <a:t>Checkbutton</a:t>
-            </a:r>
-            <a:r>
-              <a:rPr lang="en-US" dirty="0" smtClean="0"/>
-              <a:t>(), BooleanVar()</a:t>
+              <a:t>Checkbutton(), BooleanVar()</a:t>
             </a:r>
             <a:endParaRPr lang="ru-RU" dirty="0"/>
           </a:p>
@@ -8800,7 +8783,7 @@
     </p:spTree>
     <p:extLst>
       <p:ext uri="{BB962C8B-B14F-4D97-AF65-F5344CB8AC3E}">
-        <p14:creationId xmlns:p14="http://schemas.microsoft.com/office/powerpoint/2010/main" val="276875398"/>
+        <p14:creationId xmlns:p14="http://schemas.microsoft.com/office/powerpoint/2010/main" xmlns="" val="276875398"/>
       </p:ext>
     </p:extLst>
   </p:cSld>
@@ -8858,11 +8841,7 @@
           <a:p>
             <a:r>
               <a:rPr lang="en-US" sz="3200" dirty="0"/>
-              <a:t>Front </a:t>
-            </a:r>
-            <a:r>
-              <a:rPr lang="en-US" sz="3200" dirty="0"/>
-              <a:t>e</a:t>
+              <a:t>Front e</a:t>
             </a:r>
             <a:r>
               <a:rPr lang="en-US" sz="3200" dirty="0" smtClean="0"/>
@@ -9240,7 +9219,7 @@
     </p:spTree>
     <p:extLst>
       <p:ext uri="{BB962C8B-B14F-4D97-AF65-F5344CB8AC3E}">
-        <p14:creationId xmlns:p14="http://schemas.microsoft.com/office/powerpoint/2010/main" val="839641970"/>
+        <p14:creationId xmlns:p14="http://schemas.microsoft.com/office/powerpoint/2010/main" xmlns="" val="839641970"/>
       </p:ext>
     </p:extLst>
   </p:cSld>
@@ -9588,7 +9567,7 @@
     </p:spTree>
     <p:extLst>
       <p:ext uri="{BB962C8B-B14F-4D97-AF65-F5344CB8AC3E}">
-        <p14:creationId xmlns:p14="http://schemas.microsoft.com/office/powerpoint/2010/main" val="769429297"/>
+        <p14:creationId xmlns:p14="http://schemas.microsoft.com/office/powerpoint/2010/main" xmlns="" val="769429297"/>
       </p:ext>
     </p:extLst>
   </p:cSld>
@@ -9960,7 +9939,7 @@
     </p:spTree>
     <p:extLst>
       <p:ext uri="{BB962C8B-B14F-4D97-AF65-F5344CB8AC3E}">
-        <p14:creationId xmlns:p14="http://schemas.microsoft.com/office/powerpoint/2010/main" val="576490313"/>
+        <p14:creationId xmlns:p14="http://schemas.microsoft.com/office/powerpoint/2010/main" xmlns="" val="576490313"/>
       </p:ext>
     </p:extLst>
   </p:cSld>
@@ -10157,7 +10136,7 @@
     </p:spTree>
     <p:extLst>
       <p:ext uri="{BB962C8B-B14F-4D97-AF65-F5344CB8AC3E}">
-        <p14:creationId xmlns:p14="http://schemas.microsoft.com/office/powerpoint/2010/main" val="82992220"/>
+        <p14:creationId xmlns:p14="http://schemas.microsoft.com/office/powerpoint/2010/main" xmlns="" val="82992220"/>
       </p:ext>
     </p:extLst>
   </p:cSld>
@@ -10273,7 +10252,7 @@
     </p:spTree>
     <p:extLst>
       <p:ext uri="{BB962C8B-B14F-4D97-AF65-F5344CB8AC3E}">
-        <p14:creationId xmlns:p14="http://schemas.microsoft.com/office/powerpoint/2010/main" val="3361041512"/>
+        <p14:creationId xmlns:p14="http://schemas.microsoft.com/office/powerpoint/2010/main" xmlns="" val="3361041512"/>
       </p:ext>
     </p:extLst>
   </p:cSld>
@@ -10601,7 +10580,7 @@
     </p:spTree>
     <p:extLst>
       <p:ext uri="{BB962C8B-B14F-4D97-AF65-F5344CB8AC3E}">
-        <p14:creationId xmlns:p14="http://schemas.microsoft.com/office/powerpoint/2010/main" val="1138292712"/>
+        <p14:creationId xmlns:p14="http://schemas.microsoft.com/office/powerpoint/2010/main" xmlns="" val="1138292712"/>
       </p:ext>
     </p:extLst>
   </p:cSld>
@@ -10727,7 +10706,7 @@
     </p:spTree>
     <p:extLst>
       <p:ext uri="{BB962C8B-B14F-4D97-AF65-F5344CB8AC3E}">
-        <p14:creationId xmlns:p14="http://schemas.microsoft.com/office/powerpoint/2010/main" val="872615902"/>
+        <p14:creationId xmlns:p14="http://schemas.microsoft.com/office/powerpoint/2010/main" xmlns="" val="872615902"/>
       </p:ext>
     </p:extLst>
   </p:cSld>
@@ -11136,7 +11115,7 @@
     </p:spTree>
     <p:extLst>
       <p:ext uri="{BB962C8B-B14F-4D97-AF65-F5344CB8AC3E}">
-        <p14:creationId xmlns:p14="http://schemas.microsoft.com/office/powerpoint/2010/main" val="995350619"/>
+        <p14:creationId xmlns:p14="http://schemas.microsoft.com/office/powerpoint/2010/main" xmlns="" val="995350619"/>
       </p:ext>
     </p:extLst>
   </p:cSld>
@@ -11319,7 +11298,7 @@
     </p:spTree>
     <p:extLst>
       <p:ext uri="{BB962C8B-B14F-4D97-AF65-F5344CB8AC3E}">
-        <p14:creationId xmlns:p14="http://schemas.microsoft.com/office/powerpoint/2010/main" val="1454125077"/>
+        <p14:creationId xmlns:p14="http://schemas.microsoft.com/office/powerpoint/2010/main" xmlns="" val="1454125077"/>
       </p:ext>
     </p:extLst>
   </p:cSld>
@@ -11484,7 +11463,7 @@
     </p:spTree>
     <p:extLst>
       <p:ext uri="{BB962C8B-B14F-4D97-AF65-F5344CB8AC3E}">
-        <p14:creationId xmlns:p14="http://schemas.microsoft.com/office/powerpoint/2010/main" val="2036377716"/>
+        <p14:creationId xmlns:p14="http://schemas.microsoft.com/office/powerpoint/2010/main" xmlns="" val="2036377716"/>
       </p:ext>
     </p:extLst>
   </p:cSld>
@@ -11609,7 +11588,7 @@
     </p:spTree>
     <p:extLst>
       <p:ext uri="{BB962C8B-B14F-4D97-AF65-F5344CB8AC3E}">
-        <p14:creationId xmlns:p14="http://schemas.microsoft.com/office/powerpoint/2010/main" val="4248498130"/>
+        <p14:creationId xmlns:p14="http://schemas.microsoft.com/office/powerpoint/2010/main" xmlns="" val="4248498130"/>
       </p:ext>
     </p:extLst>
   </p:cSld>
@@ -11747,7 +11726,7 @@
       </p:sp>
       <p:pic>
         <p:nvPicPr>
-          <p:cNvPr id="4" name="Picture 2"/>
+          <p:cNvPr id="1026" name="Picture 2"/>
           <p:cNvPicPr>
             <a:picLocks noChangeAspect="1" noChangeArrowheads="1"/>
           </p:cNvPicPr>
@@ -11762,8 +11741,8 @@
         </p:blipFill>
         <p:spPr bwMode="auto">
           <a:xfrm>
-            <a:off x="6270660" y="2160589"/>
-            <a:ext cx="4093666" cy="3839085"/>
+            <a:off x="6333004" y="2157973"/>
+            <a:ext cx="3829050" cy="3590925"/>
           </a:xfrm>
           <a:prstGeom prst="rect">
             <a:avLst/>
@@ -11780,7 +11759,7 @@
     </p:spTree>
     <p:extLst>
       <p:ext uri="{BB962C8B-B14F-4D97-AF65-F5344CB8AC3E}">
-        <p14:creationId xmlns:p14="http://schemas.microsoft.com/office/powerpoint/2010/main" val="1597511641"/>
+        <p14:creationId xmlns:p14="http://schemas.microsoft.com/office/powerpoint/2010/main" xmlns="" val="1597511641"/>
       </p:ext>
     </p:extLst>
   </p:cSld>
@@ -11897,7 +11876,7 @@
     </p:spTree>
     <p:extLst>
       <p:ext uri="{BB962C8B-B14F-4D97-AF65-F5344CB8AC3E}">
-        <p14:creationId xmlns:p14="http://schemas.microsoft.com/office/powerpoint/2010/main" val="1861724192"/>
+        <p14:creationId xmlns:p14="http://schemas.microsoft.com/office/powerpoint/2010/main" xmlns="" val="1861724192"/>
       </p:ext>
     </p:extLst>
   </p:cSld>
@@ -11963,11 +11942,7 @@
             </a:r>
             <a:r>
               <a:rPr lang="ru-RU" dirty="0" smtClean="0"/>
-              <a:t> </a:t>
-            </a:r>
-            <a:r>
-              <a:rPr lang="ru-RU" dirty="0" smtClean="0"/>
-              <a:t>/ Развертывание основного окна</a:t>
+              <a:t> / Развертывание основного окна</a:t>
             </a:r>
             <a:endParaRPr lang="ru-RU" dirty="0"/>
           </a:p>
@@ -12203,7 +12178,7 @@
     </p:spTree>
     <p:extLst>
       <p:ext uri="{BB962C8B-B14F-4D97-AF65-F5344CB8AC3E}">
-        <p14:creationId xmlns:p14="http://schemas.microsoft.com/office/powerpoint/2010/main" val="2614216554"/>
+        <p14:creationId xmlns:p14="http://schemas.microsoft.com/office/powerpoint/2010/main" xmlns="" val="2614216554"/>
       </p:ext>
     </p:extLst>
   </p:cSld>
@@ -12333,7 +12308,7 @@
     </p:spTree>
     <p:extLst>
       <p:ext uri="{BB962C8B-B14F-4D97-AF65-F5344CB8AC3E}">
-        <p14:creationId xmlns:p14="http://schemas.microsoft.com/office/powerpoint/2010/main" val="734041654"/>
+        <p14:creationId xmlns:p14="http://schemas.microsoft.com/office/powerpoint/2010/main" xmlns="" val="734041654"/>
       </p:ext>
     </p:extLst>
   </p:cSld>
@@ -12457,7 +12432,7 @@
     </p:spTree>
     <p:extLst>
       <p:ext uri="{BB962C8B-B14F-4D97-AF65-F5344CB8AC3E}">
-        <p14:creationId xmlns:p14="http://schemas.microsoft.com/office/powerpoint/2010/main" val="887464908"/>
+        <p14:creationId xmlns:p14="http://schemas.microsoft.com/office/powerpoint/2010/main" xmlns="" val="887464908"/>
       </p:ext>
     </p:extLst>
   </p:cSld>
@@ -12515,19 +12490,11 @@
           <a:p>
             <a:r>
               <a:rPr lang="en-US" sz="3200" dirty="0" smtClean="0"/>
-              <a:t>Front </a:t>
-            </a:r>
-            <a:r>
-              <a:rPr lang="en-US" sz="3200" dirty="0" smtClean="0"/>
-              <a:t>end</a:t>
+              <a:t>Front end</a:t>
             </a:r>
             <a:r>
               <a:rPr lang="ru-RU" sz="3200" dirty="0" smtClean="0"/>
-              <a:t> </a:t>
-            </a:r>
-            <a:r>
-              <a:rPr lang="ru-RU" sz="3200" dirty="0" smtClean="0"/>
-              <a:t>/ Проектирование</a:t>
+              <a:t> / Проектирование</a:t>
             </a:r>
             <a:r>
               <a:rPr lang="en-US" sz="3200" dirty="0"/>
@@ -13065,7 +13032,7 @@
     </p:spTree>
     <p:extLst>
       <p:ext uri="{BB962C8B-B14F-4D97-AF65-F5344CB8AC3E}">
-        <p14:creationId xmlns:p14="http://schemas.microsoft.com/office/powerpoint/2010/main" val="1680309241"/>
+        <p14:creationId xmlns:p14="http://schemas.microsoft.com/office/powerpoint/2010/main" xmlns="" val="1680309241"/>
       </p:ext>
     </p:extLst>
   </p:cSld>
@@ -13333,7 +13300,7 @@
   <a:extraClrSchemeLst/>
   <a:extLst>
     <a:ext uri="{05A4C25C-085E-4340-85A3-A5531E510DB2}">
-      <thm15:themeFamily xmlns:thm15="http://schemas.microsoft.com/office/thememl/2012/main" name="Facet" id="{C0C680CD-088A-49FC-A102-D699147F32B2}" vid="{8C59B386-999D-4CB6-B907-9F3997C027CC}"/>
+      <thm15:themeFamily xmlns:thm15="http://schemas.microsoft.com/office/thememl/2012/main" xmlns="" name="Facet" id="{C0C680CD-088A-49FC-A102-D699147F32B2}" vid="{8C59B386-999D-4CB6-B907-9F3997C027CC}"/>
     </a:ext>
   </a:extLst>
 </a:theme>
